--- a/server/public/uploads/2021179008.pptx
+++ b/server/public/uploads/2021179008.pptx
@@ -2,22 +2,25 @@
 <file path=ppt/presentation.xml><?xml version="1.0" encoding="utf-8"?>
 <p:presentation xmlns:a="http://schemas.openxmlformats.org/drawingml/2006/main" xmlns:r="http://schemas.openxmlformats.org/officeDocument/2006/relationships" xmlns:p="http://schemas.openxmlformats.org/presentationml/2006/main" autoCompressPictures="0">
   <p:sldMasterIdLst>
-    <p:sldMasterId id="2147483648" r:id="rId1"/>
+    <p:sldMasterId id="2147483760" r:id="rId1"/>
   </p:sldMasterIdLst>
+  <p:notesMasterIdLst>
+    <p:notesMasterId r:id="rId15"/>
+  </p:notesMasterIdLst>
   <p:sldIdLst>
-    <p:sldId id="257" r:id="rId2"/>
-    <p:sldId id="258" r:id="rId3"/>
-    <p:sldId id="259" r:id="rId4"/>
-    <p:sldId id="260" r:id="rId5"/>
-    <p:sldId id="261" r:id="rId6"/>
-    <p:sldId id="262" r:id="rId7"/>
-    <p:sldId id="263" r:id="rId8"/>
-    <p:sldId id="264" r:id="rId9"/>
-    <p:sldId id="265" r:id="rId10"/>
-    <p:sldId id="266" r:id="rId11"/>
-    <p:sldId id="267" r:id="rId12"/>
-    <p:sldId id="268" r:id="rId13"/>
-    <p:sldId id="269" r:id="rId14"/>
+    <p:sldId id="256" r:id="rId2"/>
+    <p:sldId id="257" r:id="rId3"/>
+    <p:sldId id="260" r:id="rId4"/>
+    <p:sldId id="268" r:id="rId5"/>
+    <p:sldId id="269" r:id="rId6"/>
+    <p:sldId id="270" r:id="rId7"/>
+    <p:sldId id="271" r:id="rId8"/>
+    <p:sldId id="273" r:id="rId9"/>
+    <p:sldId id="274" r:id="rId10"/>
+    <p:sldId id="275" r:id="rId11"/>
+    <p:sldId id="276" r:id="rId12"/>
+    <p:sldId id="272" r:id="rId13"/>
+    <p:sldId id="267" r:id="rId14"/>
   </p:sldIdLst>
   <p:sldSz cx="12192000" cy="6858000"/>
   <p:notesSz cx="6858000" cy="9144000"/>
@@ -116,6 +119,11 @@
       </a:defRPr>
     </a:lvl9pPr>
   </p:defaultTextStyle>
+  <p:extLst>
+    <p:ext uri="{EFAFB233-063F-42B5-8137-9DF3F51BA10A}">
+      <p15:sldGuideLst xmlns:p15="http://schemas.microsoft.com/office/powerpoint/2012/main"/>
+    </p:ext>
+  </p:extLst>
 </p:presentation>
 </file>
 
@@ -131,18 +139,354 @@
 </p:cmAuthorLst>
 </file>
 
-<file path=ppt/comments/comment1.xml><?xml version="1.0" encoding="utf-8"?>
-<p:cmLst xmlns:a="http://schemas.openxmlformats.org/drawingml/2006/main" xmlns:r="http://schemas.openxmlformats.org/officeDocument/2006/relationships" xmlns:p="http://schemas.openxmlformats.org/presentationml/2006/main">
-  <p:cm authorId="1" dt="2023-03-26T23:05:53.357" idx="1">
-    <p:pos x="10" y="10"/>
-    <p:text/>
+<file path=ppt/notesMasters/notesMaster1.xml><?xml version="1.0" encoding="utf-8"?>
+<p:notesMaster xmlns:a="http://schemas.openxmlformats.org/drawingml/2006/main" xmlns:r="http://schemas.openxmlformats.org/officeDocument/2006/relationships" xmlns:p="http://schemas.openxmlformats.org/presentationml/2006/main">
+  <p:cSld>
+    <p:bg>
+      <p:bgRef idx="1001">
+        <a:schemeClr val="bg1"/>
+      </p:bgRef>
+    </p:bg>
+    <p:spTree>
+      <p:nvGrpSpPr>
+        <p:cNvPr id="1" name=""/>
+        <p:cNvGrpSpPr/>
+        <p:nvPr/>
+      </p:nvGrpSpPr>
+      <p:grpSpPr>
+        <a:xfrm>
+          <a:off x="0" y="0"/>
+          <a:ext cx="0" cy="0"/>
+          <a:chOff x="0" y="0"/>
+          <a:chExt cx="0" cy="0"/>
+        </a:xfrm>
+      </p:grpSpPr>
+      <p:sp>
+        <p:nvSpPr>
+          <p:cNvPr id="2" name="Header Placeholder 1"/>
+          <p:cNvSpPr>
+            <a:spLocks noGrp="1"/>
+          </p:cNvSpPr>
+          <p:nvPr>
+            <p:ph type="hdr" sz="quarter"/>
+          </p:nvPr>
+        </p:nvSpPr>
+        <p:spPr>
+          <a:xfrm>
+            <a:off x="0" y="0"/>
+            <a:ext cx="2971800" cy="458788"/>
+          </a:xfrm>
+          <a:prstGeom prst="rect">
+            <a:avLst/>
+          </a:prstGeom>
+        </p:spPr>
+        <p:txBody>
+          <a:bodyPr vert="horz" lIns="91440" tIns="45720" rIns="91440" bIns="45720" rtlCol="0"/>
+          <a:lstStyle>
+            <a:lvl1pPr algn="l">
+              <a:defRPr sz="1200"/>
+            </a:lvl1pPr>
+          </a:lstStyle>
+          <a:p>
+            <a:endParaRPr lang="en-IN"/>
+          </a:p>
+        </p:txBody>
+      </p:sp>
+      <p:sp>
+        <p:nvSpPr>
+          <p:cNvPr id="3" name="Date Placeholder 2"/>
+          <p:cNvSpPr>
+            <a:spLocks noGrp="1"/>
+          </p:cNvSpPr>
+          <p:nvPr>
+            <p:ph type="dt" idx="1"/>
+          </p:nvPr>
+        </p:nvSpPr>
+        <p:spPr>
+          <a:xfrm>
+            <a:off x="3884613" y="0"/>
+            <a:ext cx="2971800" cy="458788"/>
+          </a:xfrm>
+          <a:prstGeom prst="rect">
+            <a:avLst/>
+          </a:prstGeom>
+        </p:spPr>
+        <p:txBody>
+          <a:bodyPr vert="horz" lIns="91440" tIns="45720" rIns="91440" bIns="45720" rtlCol="0"/>
+          <a:lstStyle>
+            <a:lvl1pPr algn="r">
+              <a:defRPr sz="1200"/>
+            </a:lvl1pPr>
+          </a:lstStyle>
+          <a:p>
+            <a:fld id="{12827ED0-1AE5-4D94-A868-2335E140F064}" type="datetimeFigureOut">
+              <a:rPr lang="en-IN" smtClean="0"/>
+              <a:t>03-05-2023</a:t>
+            </a:fld>
+            <a:endParaRPr lang="en-IN"/>
+          </a:p>
+        </p:txBody>
+      </p:sp>
+      <p:sp>
+        <p:nvSpPr>
+          <p:cNvPr id="4" name="Slide Image Placeholder 3"/>
+          <p:cNvSpPr>
+            <a:spLocks noGrp="1" noRot="1" noChangeAspect="1"/>
+          </p:cNvSpPr>
+          <p:nvPr>
+            <p:ph type="sldImg" idx="2"/>
+          </p:nvPr>
+        </p:nvSpPr>
+        <p:spPr>
+          <a:xfrm>
+            <a:off x="685800" y="1143000"/>
+            <a:ext cx="5486400" cy="3086100"/>
+          </a:xfrm>
+          <a:prstGeom prst="rect">
+            <a:avLst/>
+          </a:prstGeom>
+          <a:noFill/>
+          <a:ln w="12700">
+            <a:solidFill>
+              <a:prstClr val="black"/>
+            </a:solidFill>
+          </a:ln>
+        </p:spPr>
+        <p:txBody>
+          <a:bodyPr vert="horz" lIns="91440" tIns="45720" rIns="91440" bIns="45720" rtlCol="0" anchor="ctr"/>
+          <a:lstStyle/>
+          <a:p>
+            <a:endParaRPr lang="en-IN"/>
+          </a:p>
+        </p:txBody>
+      </p:sp>
+      <p:sp>
+        <p:nvSpPr>
+          <p:cNvPr id="5" name="Notes Placeholder 4"/>
+          <p:cNvSpPr>
+            <a:spLocks noGrp="1"/>
+          </p:cNvSpPr>
+          <p:nvPr>
+            <p:ph type="body" sz="quarter" idx="3"/>
+          </p:nvPr>
+        </p:nvSpPr>
+        <p:spPr>
+          <a:xfrm>
+            <a:off x="685800" y="4400550"/>
+            <a:ext cx="5486400" cy="3600450"/>
+          </a:xfrm>
+          <a:prstGeom prst="rect">
+            <a:avLst/>
+          </a:prstGeom>
+        </p:spPr>
+        <p:txBody>
+          <a:bodyPr vert="horz" lIns="91440" tIns="45720" rIns="91440" bIns="45720" rtlCol="0"/>
+          <a:lstStyle/>
+          <a:p>
+            <a:pPr lvl="0"/>
+            <a:r>
+              <a:rPr lang="en-US" smtClean="0"/>
+              <a:t>Edit Master text styles</a:t>
+            </a:r>
+          </a:p>
+          <a:p>
+            <a:pPr lvl="1"/>
+            <a:r>
+              <a:rPr lang="en-US" smtClean="0"/>
+              <a:t>Second level</a:t>
+            </a:r>
+          </a:p>
+          <a:p>
+            <a:pPr lvl="2"/>
+            <a:r>
+              <a:rPr lang="en-US" smtClean="0"/>
+              <a:t>Third level</a:t>
+            </a:r>
+          </a:p>
+          <a:p>
+            <a:pPr lvl="3"/>
+            <a:r>
+              <a:rPr lang="en-US" smtClean="0"/>
+              <a:t>Fourth level</a:t>
+            </a:r>
+          </a:p>
+          <a:p>
+            <a:pPr lvl="4"/>
+            <a:r>
+              <a:rPr lang="en-US" smtClean="0"/>
+              <a:t>Fifth level</a:t>
+            </a:r>
+            <a:endParaRPr lang="en-IN"/>
+          </a:p>
+        </p:txBody>
+      </p:sp>
+      <p:sp>
+        <p:nvSpPr>
+          <p:cNvPr id="6" name="Footer Placeholder 5"/>
+          <p:cNvSpPr>
+            <a:spLocks noGrp="1"/>
+          </p:cNvSpPr>
+          <p:nvPr>
+            <p:ph type="ftr" sz="quarter" idx="4"/>
+          </p:nvPr>
+        </p:nvSpPr>
+        <p:spPr>
+          <a:xfrm>
+            <a:off x="0" y="8685213"/>
+            <a:ext cx="2971800" cy="458787"/>
+          </a:xfrm>
+          <a:prstGeom prst="rect">
+            <a:avLst/>
+          </a:prstGeom>
+        </p:spPr>
+        <p:txBody>
+          <a:bodyPr vert="horz" lIns="91440" tIns="45720" rIns="91440" bIns="45720" rtlCol="0" anchor="b"/>
+          <a:lstStyle>
+            <a:lvl1pPr algn="l">
+              <a:defRPr sz="1200"/>
+            </a:lvl1pPr>
+          </a:lstStyle>
+          <a:p>
+            <a:endParaRPr lang="en-IN"/>
+          </a:p>
+        </p:txBody>
+      </p:sp>
+      <p:sp>
+        <p:nvSpPr>
+          <p:cNvPr id="7" name="Slide Number Placeholder 6"/>
+          <p:cNvSpPr>
+            <a:spLocks noGrp="1"/>
+          </p:cNvSpPr>
+          <p:nvPr>
+            <p:ph type="sldNum" sz="quarter" idx="5"/>
+          </p:nvPr>
+        </p:nvSpPr>
+        <p:spPr>
+          <a:xfrm>
+            <a:off x="3884613" y="8685213"/>
+            <a:ext cx="2971800" cy="458787"/>
+          </a:xfrm>
+          <a:prstGeom prst="rect">
+            <a:avLst/>
+          </a:prstGeom>
+        </p:spPr>
+        <p:txBody>
+          <a:bodyPr vert="horz" lIns="91440" tIns="45720" rIns="91440" bIns="45720" rtlCol="0" anchor="b"/>
+          <a:lstStyle>
+            <a:lvl1pPr algn="r">
+              <a:defRPr sz="1200"/>
+            </a:lvl1pPr>
+          </a:lstStyle>
+          <a:p>
+            <a:fld id="{1CBE637F-9417-4698-9432-328C42C6B69B}" type="slidenum">
+              <a:rPr lang="en-IN" smtClean="0"/>
+              <a:t>‹#›</a:t>
+            </a:fld>
+            <a:endParaRPr lang="en-IN"/>
+          </a:p>
+        </p:txBody>
+      </p:sp>
+    </p:spTree>
     <p:extLst>
-      <p:ext uri="{C676402C-5697-4E1C-873F-D02D1690AC5C}">
-        <p15:threadingInfo xmlns:p15="http://schemas.microsoft.com/office/powerpoint/2012/main" timeZoneBias="-330"/>
+      <p:ext uri="{BB962C8B-B14F-4D97-AF65-F5344CB8AC3E}">
+        <p14:creationId xmlns:p14="http://schemas.microsoft.com/office/powerpoint/2010/main" val="2828756707"/>
       </p:ext>
     </p:extLst>
-  </p:cm>
-</p:cmLst>
+  </p:cSld>
+  <p:clrMap bg1="lt1" tx1="dk1" bg2="lt2" tx2="dk2" accent1="accent1" accent2="accent2" accent3="accent3" accent4="accent4" accent5="accent5" accent6="accent6" hlink="hlink" folHlink="folHlink"/>
+  <p:notesStyle>
+    <a:lvl1pPr marL="0" algn="l" defTabSz="914400" rtl="0" eaLnBrk="1" latinLnBrk="0" hangingPunct="1">
+      <a:defRPr sz="1200" kern="1200">
+        <a:solidFill>
+          <a:schemeClr val="tx1"/>
+        </a:solidFill>
+        <a:latin typeface="+mn-lt"/>
+        <a:ea typeface="+mn-ea"/>
+        <a:cs typeface="+mn-cs"/>
+      </a:defRPr>
+    </a:lvl1pPr>
+    <a:lvl2pPr marL="457200" algn="l" defTabSz="914400" rtl="0" eaLnBrk="1" latinLnBrk="0" hangingPunct="1">
+      <a:defRPr sz="1200" kern="1200">
+        <a:solidFill>
+          <a:schemeClr val="tx1"/>
+        </a:solidFill>
+        <a:latin typeface="+mn-lt"/>
+        <a:ea typeface="+mn-ea"/>
+        <a:cs typeface="+mn-cs"/>
+      </a:defRPr>
+    </a:lvl2pPr>
+    <a:lvl3pPr marL="914400" algn="l" defTabSz="914400" rtl="0" eaLnBrk="1" latinLnBrk="0" hangingPunct="1">
+      <a:defRPr sz="1200" kern="1200">
+        <a:solidFill>
+          <a:schemeClr val="tx1"/>
+        </a:solidFill>
+        <a:latin typeface="+mn-lt"/>
+        <a:ea typeface="+mn-ea"/>
+        <a:cs typeface="+mn-cs"/>
+      </a:defRPr>
+    </a:lvl3pPr>
+    <a:lvl4pPr marL="1371600" algn="l" defTabSz="914400" rtl="0" eaLnBrk="1" latinLnBrk="0" hangingPunct="1">
+      <a:defRPr sz="1200" kern="1200">
+        <a:solidFill>
+          <a:schemeClr val="tx1"/>
+        </a:solidFill>
+        <a:latin typeface="+mn-lt"/>
+        <a:ea typeface="+mn-ea"/>
+        <a:cs typeface="+mn-cs"/>
+      </a:defRPr>
+    </a:lvl4pPr>
+    <a:lvl5pPr marL="1828800" algn="l" defTabSz="914400" rtl="0" eaLnBrk="1" latinLnBrk="0" hangingPunct="1">
+      <a:defRPr sz="1200" kern="1200">
+        <a:solidFill>
+          <a:schemeClr val="tx1"/>
+        </a:solidFill>
+        <a:latin typeface="+mn-lt"/>
+        <a:ea typeface="+mn-ea"/>
+        <a:cs typeface="+mn-cs"/>
+      </a:defRPr>
+    </a:lvl5pPr>
+    <a:lvl6pPr marL="2286000" algn="l" defTabSz="914400" rtl="0" eaLnBrk="1" latinLnBrk="0" hangingPunct="1">
+      <a:defRPr sz="1200" kern="1200">
+        <a:solidFill>
+          <a:schemeClr val="tx1"/>
+        </a:solidFill>
+        <a:latin typeface="+mn-lt"/>
+        <a:ea typeface="+mn-ea"/>
+        <a:cs typeface="+mn-cs"/>
+      </a:defRPr>
+    </a:lvl6pPr>
+    <a:lvl7pPr marL="2743200" algn="l" defTabSz="914400" rtl="0" eaLnBrk="1" latinLnBrk="0" hangingPunct="1">
+      <a:defRPr sz="1200" kern="1200">
+        <a:solidFill>
+          <a:schemeClr val="tx1"/>
+        </a:solidFill>
+        <a:latin typeface="+mn-lt"/>
+        <a:ea typeface="+mn-ea"/>
+        <a:cs typeface="+mn-cs"/>
+      </a:defRPr>
+    </a:lvl7pPr>
+    <a:lvl8pPr marL="3200400" algn="l" defTabSz="914400" rtl="0" eaLnBrk="1" latinLnBrk="0" hangingPunct="1">
+      <a:defRPr sz="1200" kern="1200">
+        <a:solidFill>
+          <a:schemeClr val="tx1"/>
+        </a:solidFill>
+        <a:latin typeface="+mn-lt"/>
+        <a:ea typeface="+mn-ea"/>
+        <a:cs typeface="+mn-cs"/>
+      </a:defRPr>
+    </a:lvl8pPr>
+    <a:lvl9pPr marL="3657600" algn="l" defTabSz="914400" rtl="0" eaLnBrk="1" latinLnBrk="0" hangingPunct="1">
+      <a:defRPr sz="1200" kern="1200">
+        <a:solidFill>
+          <a:schemeClr val="tx1"/>
+        </a:solidFill>
+        <a:latin typeface="+mn-lt"/>
+        <a:ea typeface="+mn-ea"/>
+        <a:cs typeface="+mn-cs"/>
+      </a:defRPr>
+    </a:lvl9pPr>
+  </p:notesStyle>
+</p:notesMaster>
 </file>
 
 <file path=ppt/slideLayouts/slideLayout1.xml><?xml version="1.0" encoding="utf-8"?>
@@ -474,10 +818,9 @@
           <a:bodyPr/>
           <a:lstStyle/>
           <a:p>
-            <a:fld id="{B61BEF0D-F0BB-DE4B-95CE-6DB70DBA9567}" type="datetimeFigureOut">
-              <a:rPr lang="en-US" dirty="0"/>
-              <a:pPr/>
-              <a:t>3/28/2023</a:t>
+            <a:fld id="{67257A22-9D8B-41B4-A777-EA3D96C816C0}" type="datetime1">
+              <a:rPr lang="en-US" smtClean="0"/>
+              <a:t>5/3/2023</a:t>
             </a:fld>
             <a:endParaRPr lang="en-US" dirty="0"/>
           </a:p>
@@ -503,6 +846,10 @@
           <a:bodyPr/>
           <a:lstStyle/>
           <a:p>
+            <a:r>
+              <a:rPr lang="en-US" smtClean="0"/>
+              <a:t>page no: </a:t>
+            </a:r>
             <a:endParaRPr lang="en-US" dirty="0"/>
           </a:p>
         </p:txBody>
@@ -528,7 +875,7 @@
           <a:lstStyle/>
           <a:p>
             <a:fld id="{D57F1E4F-1CFF-5643-939E-217C01CDF565}" type="slidenum">
-              <a:rPr lang="en-US" dirty="0"/>
+              <a:rPr lang="en-US" smtClean="0"/>
               <a:pPr/>
               <a:t>‹#›</a:t>
             </a:fld>
@@ -567,6 +914,11 @@
         </p:style>
       </p:cxnSp>
     </p:spTree>
+    <p:extLst>
+      <p:ext uri="{BB962C8B-B14F-4D97-AF65-F5344CB8AC3E}">
+        <p14:creationId xmlns:p14="http://schemas.microsoft.com/office/powerpoint/2010/main" val="3505143129"/>
+      </p:ext>
+    </p:extLst>
   </p:cSld>
   <p:clrMapOvr>
     <a:masterClrMapping/>
@@ -795,10 +1147,9 @@
           <a:bodyPr/>
           <a:lstStyle/>
           <a:p>
-            <a:fld id="{B61BEF0D-F0BB-DE4B-95CE-6DB70DBA9567}" type="datetimeFigureOut">
-              <a:rPr lang="en-US" dirty="0"/>
-              <a:pPr/>
-              <a:t>3/28/2023</a:t>
+            <a:fld id="{767238A1-3BC3-43B4-982A-C29EDB652FE8}" type="datetime1">
+              <a:rPr lang="en-US" smtClean="0"/>
+              <a:t>5/3/2023</a:t>
             </a:fld>
             <a:endParaRPr lang="en-US" dirty="0"/>
           </a:p>
@@ -819,6 +1170,10 @@
           <a:bodyPr/>
           <a:lstStyle/>
           <a:p>
+            <a:r>
+              <a:rPr lang="en-US" smtClean="0"/>
+              <a:t>page no: </a:t>
+            </a:r>
             <a:endParaRPr lang="en-US" dirty="0"/>
           </a:p>
         </p:txBody>
@@ -839,7 +1194,7 @@
           <a:lstStyle/>
           <a:p>
             <a:fld id="{D57F1E4F-1CFF-5643-939E-217C01CDF565}" type="slidenum">
-              <a:rPr lang="en-US" dirty="0"/>
+              <a:rPr lang="en-US" smtClean="0"/>
               <a:pPr/>
               <a:t>‹#›</a:t>
             </a:fld>
@@ -848,6 +1203,11 @@
         </p:txBody>
       </p:sp>
     </p:spTree>
+    <p:extLst>
+      <p:ext uri="{BB962C8B-B14F-4D97-AF65-F5344CB8AC3E}">
+        <p14:creationId xmlns:p14="http://schemas.microsoft.com/office/powerpoint/2010/main" val="209523497"/>
+      </p:ext>
+    </p:extLst>
   </p:cSld>
   <p:clrMapOvr>
     <a:masterClrMapping/>
@@ -1040,10 +1400,9 @@
           <a:bodyPr/>
           <a:lstStyle/>
           <a:p>
-            <a:fld id="{B61BEF0D-F0BB-DE4B-95CE-6DB70DBA9567}" type="datetimeFigureOut">
-              <a:rPr lang="en-US" dirty="0"/>
-              <a:pPr/>
-              <a:t>3/28/2023</a:t>
+            <a:fld id="{9F13EAA1-2580-4654-BDBA-F2BF7D6776A9}" type="datetime1">
+              <a:rPr lang="en-US" smtClean="0"/>
+              <a:t>5/3/2023</a:t>
             </a:fld>
             <a:endParaRPr lang="en-US" dirty="0"/>
           </a:p>
@@ -1064,6 +1423,10 @@
           <a:bodyPr/>
           <a:lstStyle/>
           <a:p>
+            <a:r>
+              <a:rPr lang="en-US" smtClean="0"/>
+              <a:t>page no: </a:t>
+            </a:r>
             <a:endParaRPr lang="en-US" dirty="0"/>
           </a:p>
         </p:txBody>
@@ -1084,7 +1447,7 @@
           <a:lstStyle/>
           <a:p>
             <a:fld id="{D57F1E4F-1CFF-5643-939E-217C01CDF565}" type="slidenum">
-              <a:rPr lang="en-US" dirty="0"/>
+              <a:rPr lang="en-US" smtClean="0"/>
               <a:pPr/>
               <a:t>‹#›</a:t>
             </a:fld>
@@ -1124,6 +1487,11 @@
         </p:style>
       </p:cxnSp>
     </p:spTree>
+    <p:extLst>
+      <p:ext uri="{BB962C8B-B14F-4D97-AF65-F5344CB8AC3E}">
+        <p14:creationId xmlns:p14="http://schemas.microsoft.com/office/powerpoint/2010/main" val="2010877909"/>
+      </p:ext>
+    </p:extLst>
   </p:cSld>
   <p:clrMapOvr>
     <a:masterClrMapping/>
@@ -1376,10 +1744,9 @@
           <a:bodyPr/>
           <a:lstStyle/>
           <a:p>
-            <a:fld id="{B61BEF0D-F0BB-DE4B-95CE-6DB70DBA9567}" type="datetimeFigureOut">
-              <a:rPr lang="en-US" dirty="0"/>
-              <a:pPr/>
-              <a:t>3/28/2023</a:t>
+            <a:fld id="{293AC4EE-8AE7-4D8C-9BF5-465AADE7A3CB}" type="datetime1">
+              <a:rPr lang="en-US" smtClean="0"/>
+              <a:t>5/3/2023</a:t>
             </a:fld>
             <a:endParaRPr lang="en-US" dirty="0"/>
           </a:p>
@@ -1400,6 +1767,10 @@
           <a:bodyPr/>
           <a:lstStyle/>
           <a:p>
+            <a:r>
+              <a:rPr lang="en-US" smtClean="0"/>
+              <a:t>page no: </a:t>
+            </a:r>
             <a:endParaRPr lang="en-US" dirty="0"/>
           </a:p>
         </p:txBody>
@@ -1420,7 +1791,7 @@
           <a:lstStyle/>
           <a:p>
             <a:fld id="{D57F1E4F-1CFF-5643-939E-217C01CDF565}" type="slidenum">
-              <a:rPr lang="en-US" dirty="0"/>
+              <a:rPr lang="en-US" smtClean="0"/>
               <a:pPr/>
               <a:t>‹#›</a:t>
             </a:fld>
@@ -1528,6 +1899,11 @@
         </p:style>
       </p:cxnSp>
     </p:spTree>
+    <p:extLst>
+      <p:ext uri="{BB962C8B-B14F-4D97-AF65-F5344CB8AC3E}">
+        <p14:creationId xmlns:p14="http://schemas.microsoft.com/office/powerpoint/2010/main" val="1391049647"/>
+      </p:ext>
+    </p:extLst>
   </p:cSld>
   <p:clrMapOvr>
     <a:masterClrMapping/>
@@ -1720,10 +2096,9 @@
           <a:bodyPr/>
           <a:lstStyle/>
           <a:p>
-            <a:fld id="{B61BEF0D-F0BB-DE4B-95CE-6DB70DBA9567}" type="datetimeFigureOut">
-              <a:rPr lang="en-US" dirty="0"/>
-              <a:pPr/>
-              <a:t>3/28/2023</a:t>
+            <a:fld id="{3CCA1FB7-A46A-46A9-A3F0-D69F0E284366}" type="datetime1">
+              <a:rPr lang="en-US" smtClean="0"/>
+              <a:t>5/3/2023</a:t>
             </a:fld>
             <a:endParaRPr lang="en-US" dirty="0"/>
           </a:p>
@@ -1744,6 +2119,10 @@
           <a:bodyPr/>
           <a:lstStyle/>
           <a:p>
+            <a:r>
+              <a:rPr lang="en-US" smtClean="0"/>
+              <a:t>page no: </a:t>
+            </a:r>
             <a:endParaRPr lang="en-US" dirty="0"/>
           </a:p>
         </p:txBody>
@@ -1764,7 +2143,7 @@
           <a:lstStyle/>
           <a:p>
             <a:fld id="{D57F1E4F-1CFF-5643-939E-217C01CDF565}" type="slidenum">
-              <a:rPr lang="en-US" dirty="0"/>
+              <a:rPr lang="en-US" smtClean="0"/>
               <a:pPr/>
               <a:t>‹#›</a:t>
             </a:fld>
@@ -1773,6 +2152,11 @@
         </p:txBody>
       </p:sp>
     </p:spTree>
+    <p:extLst>
+      <p:ext uri="{BB962C8B-B14F-4D97-AF65-F5344CB8AC3E}">
+        <p14:creationId xmlns:p14="http://schemas.microsoft.com/office/powerpoint/2010/main" val="513681311"/>
+      </p:ext>
+    </p:extLst>
   </p:cSld>
   <p:clrMapOvr>
     <a:masterClrMapping/>
@@ -2091,10 +2475,9 @@
           <a:bodyPr/>
           <a:lstStyle/>
           <a:p>
-            <a:fld id="{B61BEF0D-F0BB-DE4B-95CE-6DB70DBA9567}" type="datetimeFigureOut">
-              <a:rPr lang="en-US" dirty="0"/>
-              <a:pPr/>
-              <a:t>3/28/2023</a:t>
+            <a:fld id="{EAB3E0ED-1863-4289-A6FF-AD08BA043D04}" type="datetime1">
+              <a:rPr lang="en-US" smtClean="0"/>
+              <a:t>5/3/2023</a:t>
             </a:fld>
             <a:endParaRPr lang="en-US" dirty="0"/>
           </a:p>
@@ -2115,6 +2498,10 @@
           <a:bodyPr/>
           <a:lstStyle/>
           <a:p>
+            <a:r>
+              <a:rPr lang="en-US" smtClean="0"/>
+              <a:t>page no: </a:t>
+            </a:r>
             <a:endParaRPr lang="en-US" dirty="0"/>
           </a:p>
         </p:txBody>
@@ -2135,7 +2522,7 @@
           <a:lstStyle/>
           <a:p>
             <a:fld id="{D57F1E4F-1CFF-5643-939E-217C01CDF565}" type="slidenum">
-              <a:rPr lang="en-US" dirty="0"/>
+              <a:rPr lang="en-US" smtClean="0"/>
               <a:pPr/>
               <a:t>‹#›</a:t>
             </a:fld>
@@ -2243,6 +2630,11 @@
         </p:style>
       </p:cxnSp>
     </p:spTree>
+    <p:extLst>
+      <p:ext uri="{BB962C8B-B14F-4D97-AF65-F5344CB8AC3E}">
+        <p14:creationId xmlns:p14="http://schemas.microsoft.com/office/powerpoint/2010/main" val="1434175078"/>
+      </p:ext>
+    </p:extLst>
   </p:cSld>
   <p:clrMapOvr>
     <a:masterClrMapping/>
@@ -2558,10 +2950,9 @@
           <a:bodyPr/>
           <a:lstStyle/>
           <a:p>
-            <a:fld id="{B61BEF0D-F0BB-DE4B-95CE-6DB70DBA9567}" type="datetimeFigureOut">
-              <a:rPr lang="en-US" dirty="0"/>
-              <a:pPr/>
-              <a:t>3/28/2023</a:t>
+            <a:fld id="{E19C0009-61B3-4489-8E07-66EDE4A3C4C8}" type="datetime1">
+              <a:rPr lang="en-US" smtClean="0"/>
+              <a:t>5/3/2023</a:t>
             </a:fld>
             <a:endParaRPr lang="en-US" dirty="0"/>
           </a:p>
@@ -2582,6 +2973,10 @@
           <a:bodyPr/>
           <a:lstStyle/>
           <a:p>
+            <a:r>
+              <a:rPr lang="en-US" smtClean="0"/>
+              <a:t>page no: </a:t>
+            </a:r>
             <a:endParaRPr lang="en-US" dirty="0"/>
           </a:p>
         </p:txBody>
@@ -2602,7 +2997,7 @@
           <a:lstStyle/>
           <a:p>
             <a:fld id="{D57F1E4F-1CFF-5643-939E-217C01CDF565}" type="slidenum">
-              <a:rPr lang="en-US" dirty="0"/>
+              <a:rPr lang="en-US" smtClean="0"/>
               <a:pPr/>
               <a:t>‹#›</a:t>
             </a:fld>
@@ -2642,6 +3037,11 @@
         </p:style>
       </p:cxnSp>
     </p:spTree>
+    <p:extLst>
+      <p:ext uri="{BB962C8B-B14F-4D97-AF65-F5344CB8AC3E}">
+        <p14:creationId xmlns:p14="http://schemas.microsoft.com/office/powerpoint/2010/main" val="2601132809"/>
+      </p:ext>
+    </p:extLst>
   </p:cSld>
   <p:clrMapOvr>
     <a:masterClrMapping/>
@@ -2760,10 +3160,9 @@
           <a:bodyPr/>
           <a:lstStyle/>
           <a:p>
-            <a:fld id="{B61BEF0D-F0BB-DE4B-95CE-6DB70DBA9567}" type="datetimeFigureOut">
-              <a:rPr lang="en-US" dirty="0"/>
-              <a:pPr/>
-              <a:t>3/28/2023</a:t>
+            <a:fld id="{17CBAC2F-9E54-48FA-B7C4-9F687895FF9C}" type="datetime1">
+              <a:rPr lang="en-US" smtClean="0"/>
+              <a:t>5/3/2023</a:t>
             </a:fld>
             <a:endParaRPr lang="en-US" dirty="0"/>
           </a:p>
@@ -2784,6 +3183,10 @@
           <a:bodyPr/>
           <a:lstStyle/>
           <a:p>
+            <a:r>
+              <a:rPr lang="en-US" smtClean="0"/>
+              <a:t>page no: </a:t>
+            </a:r>
             <a:endParaRPr lang="en-US" dirty="0"/>
           </a:p>
         </p:txBody>
@@ -2804,7 +3207,7 @@
           <a:lstStyle/>
           <a:p>
             <a:fld id="{D57F1E4F-1CFF-5643-939E-217C01CDF565}" type="slidenum">
-              <a:rPr lang="en-US" dirty="0"/>
+              <a:rPr lang="en-US" smtClean="0"/>
               <a:pPr/>
               <a:t>‹#›</a:t>
             </a:fld>
@@ -2844,6 +3247,11 @@
         </p:style>
       </p:cxnSp>
     </p:spTree>
+    <p:extLst>
+      <p:ext uri="{BB962C8B-B14F-4D97-AF65-F5344CB8AC3E}">
+        <p14:creationId xmlns:p14="http://schemas.microsoft.com/office/powerpoint/2010/main" val="3198341961"/>
+      </p:ext>
+    </p:extLst>
   </p:cSld>
   <p:clrMapOvr>
     <a:masterClrMapping/>
@@ -2968,10 +3376,9 @@
           <a:bodyPr/>
           <a:lstStyle/>
           <a:p>
-            <a:fld id="{B61BEF0D-F0BB-DE4B-95CE-6DB70DBA9567}" type="datetimeFigureOut">
-              <a:rPr lang="en-US" dirty="0"/>
-              <a:pPr/>
-              <a:t>3/28/2023</a:t>
+            <a:fld id="{5F537086-7BAC-4ADF-9380-D1509CCE57D1}" type="datetime1">
+              <a:rPr lang="en-US" smtClean="0"/>
+              <a:t>5/3/2023</a:t>
             </a:fld>
             <a:endParaRPr lang="en-US" dirty="0"/>
           </a:p>
@@ -2992,6 +3399,10 @@
           <a:bodyPr/>
           <a:lstStyle/>
           <a:p>
+            <a:r>
+              <a:rPr lang="en-US" smtClean="0"/>
+              <a:t>page no: </a:t>
+            </a:r>
             <a:endParaRPr lang="en-US" dirty="0"/>
           </a:p>
         </p:txBody>
@@ -3012,7 +3423,7 @@
           <a:lstStyle/>
           <a:p>
             <a:fld id="{D57F1E4F-1CFF-5643-939E-217C01CDF565}" type="slidenum">
-              <a:rPr lang="en-US" dirty="0"/>
+              <a:rPr lang="en-US" smtClean="0"/>
               <a:pPr/>
               <a:t>‹#›</a:t>
             </a:fld>
@@ -3052,6 +3463,11 @@
         </p:style>
       </p:cxnSp>
     </p:spTree>
+    <p:extLst>
+      <p:ext uri="{BB962C8B-B14F-4D97-AF65-F5344CB8AC3E}">
+        <p14:creationId xmlns:p14="http://schemas.microsoft.com/office/powerpoint/2010/main" val="505715121"/>
+      </p:ext>
+    </p:extLst>
   </p:cSld>
   <p:clrMapOvr>
     <a:masterClrMapping/>
@@ -3197,9 +3613,9 @@
           <a:bodyPr/>
           <a:lstStyle/>
           <a:p>
-            <a:fld id="{52647F38-B617-4D2F-AE0A-013F0C4D2C57}" type="datetimeFigureOut">
-              <a:rPr lang="en-US" dirty="0"/>
-              <a:t>3/28/2023</a:t>
+            <a:fld id="{E3D813C0-0748-49AE-BD44-7819293EBE9E}" type="datetime1">
+              <a:rPr lang="en-US" smtClean="0"/>
+              <a:t>5/3/2023</a:t>
             </a:fld>
             <a:endParaRPr lang="en-US" dirty="0"/>
           </a:p>
@@ -3220,6 +3636,10 @@
           <a:bodyPr/>
           <a:lstStyle/>
           <a:p>
+            <a:r>
+              <a:rPr lang="en-US" smtClean="0"/>
+              <a:t>page no: </a:t>
+            </a:r>
             <a:endParaRPr lang="en-US" dirty="0"/>
           </a:p>
         </p:txBody>
@@ -3240,7 +3660,7 @@
           <a:lstStyle/>
           <a:p>
             <a:fld id="{E97799C9-84D9-46D2-A11E-BCF8A720529D}" type="slidenum">
-              <a:rPr lang="en-US" dirty="0"/>
+              <a:rPr lang="en-US" smtClean="0"/>
               <a:t>‹#›</a:t>
             </a:fld>
             <a:endParaRPr lang="en-US" dirty="0"/>
@@ -3248,6 +3668,11 @@
         </p:txBody>
       </p:sp>
     </p:spTree>
+    <p:extLst>
+      <p:ext uri="{BB962C8B-B14F-4D97-AF65-F5344CB8AC3E}">
+        <p14:creationId xmlns:p14="http://schemas.microsoft.com/office/powerpoint/2010/main" val="3638151145"/>
+      </p:ext>
+    </p:extLst>
   </p:cSld>
   <p:clrMapOvr>
     <a:masterClrMapping/>
@@ -3440,10 +3865,9 @@
           <a:bodyPr/>
           <a:lstStyle/>
           <a:p>
-            <a:fld id="{B61BEF0D-F0BB-DE4B-95CE-6DB70DBA9567}" type="datetimeFigureOut">
-              <a:rPr lang="en-US" dirty="0"/>
-              <a:pPr/>
-              <a:t>3/28/2023</a:t>
+            <a:fld id="{B0EB1E4D-69F7-478D-869C-140755C55A66}" type="datetime1">
+              <a:rPr lang="en-US" smtClean="0"/>
+              <a:t>5/3/2023</a:t>
             </a:fld>
             <a:endParaRPr lang="en-US" dirty="0"/>
           </a:p>
@@ -3464,6 +3888,10 @@
           <a:bodyPr/>
           <a:lstStyle/>
           <a:p>
+            <a:r>
+              <a:rPr lang="en-US" smtClean="0"/>
+              <a:t>page no: </a:t>
+            </a:r>
             <a:endParaRPr lang="en-US" dirty="0"/>
           </a:p>
         </p:txBody>
@@ -3484,7 +3912,7 @@
           <a:lstStyle/>
           <a:p>
             <a:fld id="{D57F1E4F-1CFF-5643-939E-217C01CDF565}" type="slidenum">
-              <a:rPr lang="en-US" dirty="0"/>
+              <a:rPr lang="en-US" smtClean="0"/>
               <a:pPr/>
               <a:t>‹#›</a:t>
             </a:fld>
@@ -3524,6 +3952,11 @@
         </p:style>
       </p:cxnSp>
     </p:spTree>
+    <p:extLst>
+      <p:ext uri="{BB962C8B-B14F-4D97-AF65-F5344CB8AC3E}">
+        <p14:creationId xmlns:p14="http://schemas.microsoft.com/office/powerpoint/2010/main" val="3956289617"/>
+      </p:ext>
+    </p:extLst>
   </p:cSld>
   <p:clrMapOvr>
     <a:masterClrMapping/>
@@ -3735,9 +4168,9 @@
           <a:bodyPr/>
           <a:lstStyle/>
           <a:p>
-            <a:fld id="{05BFA754-D5C3-4E66-96A6-867B257F58DC}" type="datetimeFigureOut">
-              <a:rPr lang="en-US" dirty="0"/>
-              <a:t>3/28/2023</a:t>
+            <a:fld id="{69894AA4-A6FC-43C8-BB3E-32C6C4CEB3F8}" type="datetime1">
+              <a:rPr lang="en-US" smtClean="0"/>
+              <a:t>5/3/2023</a:t>
             </a:fld>
             <a:endParaRPr lang="en-US" dirty="0"/>
           </a:p>
@@ -3758,6 +4191,10 @@
           <a:bodyPr/>
           <a:lstStyle/>
           <a:p>
+            <a:r>
+              <a:rPr lang="en-US" smtClean="0"/>
+              <a:t>page no: </a:t>
+            </a:r>
             <a:endParaRPr lang="en-US" dirty="0"/>
           </a:p>
         </p:txBody>
@@ -3778,7 +4215,7 @@
           <a:lstStyle/>
           <a:p>
             <a:fld id="{5D84065D-F351-4B03-BD91-D8A6B8D4B362}" type="slidenum">
-              <a:rPr lang="en-US" dirty="0"/>
+              <a:rPr lang="en-US" smtClean="0"/>
               <a:t>‹#›</a:t>
             </a:fld>
             <a:endParaRPr lang="en-US" dirty="0"/>
@@ -3786,6 +4223,11 @@
         </p:txBody>
       </p:sp>
     </p:spTree>
+    <p:extLst>
+      <p:ext uri="{BB962C8B-B14F-4D97-AF65-F5344CB8AC3E}">
+        <p14:creationId xmlns:p14="http://schemas.microsoft.com/office/powerpoint/2010/main" val="2714809022"/>
+      </p:ext>
+    </p:extLst>
   </p:cSld>
   <p:clrMapOvr>
     <a:masterClrMapping/>
@@ -4124,10 +4566,9 @@
           <a:bodyPr/>
           <a:lstStyle/>
           <a:p>
-            <a:fld id="{B61BEF0D-F0BB-DE4B-95CE-6DB70DBA9567}" type="datetimeFigureOut">
-              <a:rPr lang="en-US" dirty="0"/>
-              <a:pPr/>
-              <a:t>3/28/2023</a:t>
+            <a:fld id="{222B3594-B35F-4888-8A45-974A3D56747A}" type="datetime1">
+              <a:rPr lang="en-US" smtClean="0"/>
+              <a:t>5/3/2023</a:t>
             </a:fld>
             <a:endParaRPr lang="en-US" dirty="0"/>
           </a:p>
@@ -4148,6 +4589,10 @@
           <a:bodyPr/>
           <a:lstStyle/>
           <a:p>
+            <a:r>
+              <a:rPr lang="en-US" smtClean="0"/>
+              <a:t>page no: </a:t>
+            </a:r>
             <a:endParaRPr lang="en-US" dirty="0"/>
           </a:p>
         </p:txBody>
@@ -4168,7 +4613,7 @@
           <a:lstStyle/>
           <a:p>
             <a:fld id="{D57F1E4F-1CFF-5643-939E-217C01CDF565}" type="slidenum">
-              <a:rPr lang="en-US" dirty="0"/>
+              <a:rPr lang="en-US" smtClean="0"/>
               <a:pPr/>
               <a:t>‹#›</a:t>
             </a:fld>
@@ -4208,6 +4653,11 @@
         </p:style>
       </p:cxnSp>
     </p:spTree>
+    <p:extLst>
+      <p:ext uri="{BB962C8B-B14F-4D97-AF65-F5344CB8AC3E}">
+        <p14:creationId xmlns:p14="http://schemas.microsoft.com/office/powerpoint/2010/main" val="3205133092"/>
+      </p:ext>
+    </p:extLst>
   </p:cSld>
   <p:clrMapOvr>
     <a:masterClrMapping/>
@@ -4270,10 +4720,9 @@
           <a:bodyPr/>
           <a:lstStyle/>
           <a:p>
-            <a:fld id="{B61BEF0D-F0BB-DE4B-95CE-6DB70DBA9567}" type="datetimeFigureOut">
-              <a:rPr lang="en-US" dirty="0"/>
-              <a:pPr/>
-              <a:t>3/28/2023</a:t>
+            <a:fld id="{E3A254DF-9704-46C3-B581-D136849430D5}" type="datetime1">
+              <a:rPr lang="en-US" smtClean="0"/>
+              <a:t>5/3/2023</a:t>
             </a:fld>
             <a:endParaRPr lang="en-US" dirty="0"/>
           </a:p>
@@ -4294,6 +4743,10 @@
           <a:bodyPr/>
           <a:lstStyle/>
           <a:p>
+            <a:r>
+              <a:rPr lang="en-US" smtClean="0"/>
+              <a:t>page no: </a:t>
+            </a:r>
             <a:endParaRPr lang="en-US" dirty="0"/>
           </a:p>
         </p:txBody>
@@ -4314,7 +4767,7 @@
           <a:lstStyle/>
           <a:p>
             <a:fld id="{D57F1E4F-1CFF-5643-939E-217C01CDF565}" type="slidenum">
-              <a:rPr lang="en-US" dirty="0"/>
+              <a:rPr lang="en-US" smtClean="0"/>
               <a:pPr/>
               <a:t>‹#›</a:t>
             </a:fld>
@@ -4354,6 +4807,11 @@
         </p:style>
       </p:cxnSp>
     </p:spTree>
+    <p:extLst>
+      <p:ext uri="{BB962C8B-B14F-4D97-AF65-F5344CB8AC3E}">
+        <p14:creationId xmlns:p14="http://schemas.microsoft.com/office/powerpoint/2010/main" val="2418941242"/>
+      </p:ext>
+    </p:extLst>
   </p:cSld>
   <p:clrMapOvr>
     <a:masterClrMapping/>
@@ -4393,10 +4851,9 @@
           <a:bodyPr/>
           <a:lstStyle/>
           <a:p>
-            <a:fld id="{B61BEF0D-F0BB-DE4B-95CE-6DB70DBA9567}" type="datetimeFigureOut">
-              <a:rPr lang="en-US" dirty="0"/>
-              <a:pPr/>
-              <a:t>3/28/2023</a:t>
+            <a:fld id="{43238DE4-9AE0-4F4E-BFAC-78F6B909A661}" type="datetime1">
+              <a:rPr lang="en-US" smtClean="0"/>
+              <a:t>5/3/2023</a:t>
             </a:fld>
             <a:endParaRPr lang="en-US" dirty="0"/>
           </a:p>
@@ -4417,6 +4874,10 @@
           <a:bodyPr/>
           <a:lstStyle/>
           <a:p>
+            <a:r>
+              <a:rPr lang="en-US" smtClean="0"/>
+              <a:t>page no: </a:t>
+            </a:r>
             <a:endParaRPr lang="en-US" dirty="0"/>
           </a:p>
         </p:txBody>
@@ -4437,7 +4898,7 @@
           <a:lstStyle/>
           <a:p>
             <a:fld id="{D57F1E4F-1CFF-5643-939E-217C01CDF565}" type="slidenum">
-              <a:rPr lang="en-US" dirty="0"/>
+              <a:rPr lang="en-US" smtClean="0"/>
               <a:pPr/>
               <a:t>‹#›</a:t>
             </a:fld>
@@ -4446,6 +4907,11 @@
         </p:txBody>
       </p:sp>
     </p:spTree>
+    <p:extLst>
+      <p:ext uri="{BB962C8B-B14F-4D97-AF65-F5344CB8AC3E}">
+        <p14:creationId xmlns:p14="http://schemas.microsoft.com/office/powerpoint/2010/main" val="1147791743"/>
+      </p:ext>
+    </p:extLst>
   </p:cSld>
   <p:clrMapOvr>
     <a:masterClrMapping/>
@@ -4645,10 +5111,9 @@
           <a:bodyPr/>
           <a:lstStyle/>
           <a:p>
-            <a:fld id="{B61BEF0D-F0BB-DE4B-95CE-6DB70DBA9567}" type="datetimeFigureOut">
-              <a:rPr lang="en-US" dirty="0"/>
-              <a:pPr/>
-              <a:t>3/28/2023</a:t>
+            <a:fld id="{F1E1264E-5713-43E4-9A35-7685944F0D01}" type="datetime1">
+              <a:rPr lang="en-US" smtClean="0"/>
+              <a:t>5/3/2023</a:t>
             </a:fld>
             <a:endParaRPr lang="en-US" dirty="0"/>
           </a:p>
@@ -4669,6 +5134,10 @@
           <a:bodyPr/>
           <a:lstStyle/>
           <a:p>
+            <a:r>
+              <a:rPr lang="en-US" smtClean="0"/>
+              <a:t>page no: </a:t>
+            </a:r>
             <a:endParaRPr lang="en-US" dirty="0"/>
           </a:p>
         </p:txBody>
@@ -4689,7 +5158,7 @@
           <a:lstStyle/>
           <a:p>
             <a:fld id="{D57F1E4F-1CFF-5643-939E-217C01CDF565}" type="slidenum">
-              <a:rPr lang="en-US" dirty="0"/>
+              <a:rPr lang="en-US" smtClean="0"/>
               <a:pPr/>
               <a:t>‹#›</a:t>
             </a:fld>
@@ -4729,6 +5198,11 @@
         </p:style>
       </p:cxnSp>
     </p:spTree>
+    <p:extLst>
+      <p:ext uri="{BB962C8B-B14F-4D97-AF65-F5344CB8AC3E}">
+        <p14:creationId xmlns:p14="http://schemas.microsoft.com/office/powerpoint/2010/main" val="768312086"/>
+      </p:ext>
+    </p:extLst>
   </p:cSld>
   <p:clrMapOvr>
     <a:masterClrMapping/>
@@ -4957,10 +5431,9 @@
           <a:bodyPr/>
           <a:lstStyle/>
           <a:p>
-            <a:fld id="{B61BEF0D-F0BB-DE4B-95CE-6DB70DBA9567}" type="datetimeFigureOut">
-              <a:rPr lang="en-US" dirty="0"/>
-              <a:pPr/>
-              <a:t>3/28/2023</a:t>
+            <a:fld id="{AB945E39-BA16-458B-958E-33CCB4D7C989}" type="datetime1">
+              <a:rPr lang="en-US" smtClean="0"/>
+              <a:t>5/3/2023</a:t>
             </a:fld>
             <a:endParaRPr lang="en-US" dirty="0"/>
           </a:p>
@@ -4981,6 +5454,10 @@
           <a:bodyPr/>
           <a:lstStyle/>
           <a:p>
+            <a:r>
+              <a:rPr lang="en-US" smtClean="0"/>
+              <a:t>page no: </a:t>
+            </a:r>
             <a:endParaRPr lang="en-US" dirty="0"/>
           </a:p>
         </p:txBody>
@@ -5001,7 +5478,7 @@
           <a:lstStyle/>
           <a:p>
             <a:fld id="{D57F1E4F-1CFF-5643-939E-217C01CDF565}" type="slidenum">
-              <a:rPr lang="en-US" dirty="0"/>
+              <a:rPr lang="en-US" smtClean="0"/>
               <a:pPr/>
               <a:t>‹#›</a:t>
             </a:fld>
@@ -5010,6 +5487,11 @@
         </p:txBody>
       </p:sp>
     </p:spTree>
+    <p:extLst>
+      <p:ext uri="{BB962C8B-B14F-4D97-AF65-F5344CB8AC3E}">
+        <p14:creationId xmlns:p14="http://schemas.microsoft.com/office/powerpoint/2010/main" val="2605224637"/>
+      </p:ext>
+    </p:extLst>
   </p:cSld>
   <p:clrMapOvr>
     <a:masterClrMapping/>
@@ -5305,10 +5787,9 @@
             </a:lvl1pPr>
           </a:lstStyle>
           <a:p>
-            <a:fld id="{B61BEF0D-F0BB-DE4B-95CE-6DB70DBA9567}" type="datetimeFigureOut">
-              <a:rPr lang="en-US" dirty="0"/>
-              <a:pPr/>
-              <a:t>3/28/2023</a:t>
+            <a:fld id="{A051E6BC-B36B-4DD4-AFE4-8A932349DE25}" type="datetime1">
+              <a:rPr lang="en-US" smtClean="0"/>
+              <a:t>5/3/2023</a:t>
             </a:fld>
             <a:endParaRPr lang="en-US" dirty="0"/>
           </a:p>
@@ -5347,6 +5828,10 @@
             </a:lvl1pPr>
           </a:lstStyle>
           <a:p>
+            <a:r>
+              <a:rPr lang="en-US" smtClean="0"/>
+              <a:t>page no: </a:t>
+            </a:r>
             <a:endParaRPr lang="en-US" dirty="0"/>
           </a:p>
         </p:txBody>
@@ -5385,7 +5870,7 @@
           </a:lstStyle>
           <a:p>
             <a:fld id="{D57F1E4F-1CFF-5643-939E-217C01CDF565}" type="slidenum">
-              <a:rPr lang="en-US" dirty="0"/>
+              <a:rPr lang="en-US" smtClean="0"/>
               <a:pPr/>
               <a:t>‹#›</a:t>
             </a:fld>
@@ -5394,27 +5879,33 @@
         </p:txBody>
       </p:sp>
     </p:spTree>
+    <p:extLst>
+      <p:ext uri="{BB962C8B-B14F-4D97-AF65-F5344CB8AC3E}">
+        <p14:creationId xmlns:p14="http://schemas.microsoft.com/office/powerpoint/2010/main" val="2755230929"/>
+      </p:ext>
+    </p:extLst>
   </p:cSld>
   <p:clrMap bg1="lt1" tx1="dk1" bg2="lt2" tx2="dk2" accent1="accent1" accent2="accent2" accent3="accent3" accent4="accent4" accent5="accent5" accent6="accent6" hlink="hlink" folHlink="folHlink"/>
   <p:sldLayoutIdLst>
-    <p:sldLayoutId id="2147483649" r:id="rId1"/>
-    <p:sldLayoutId id="2147483668" r:id="rId2"/>
-    <p:sldLayoutId id="2147483651" r:id="rId3"/>
-    <p:sldLayoutId id="2147483669" r:id="rId4"/>
-    <p:sldLayoutId id="2147483653" r:id="rId5"/>
-    <p:sldLayoutId id="2147483654" r:id="rId6"/>
-    <p:sldLayoutId id="2147483655" r:id="rId7"/>
-    <p:sldLayoutId id="2147483656" r:id="rId8"/>
-    <p:sldLayoutId id="2147483660" r:id="rId9"/>
-    <p:sldLayoutId id="2147483657" r:id="rId10"/>
-    <p:sldLayoutId id="2147483663" r:id="rId11"/>
-    <p:sldLayoutId id="2147483664" r:id="rId12"/>
-    <p:sldLayoutId id="2147483665" r:id="rId13"/>
-    <p:sldLayoutId id="2147483666" r:id="rId14"/>
-    <p:sldLayoutId id="2147483667" r:id="rId15"/>
-    <p:sldLayoutId id="2147483658" r:id="rId16"/>
-    <p:sldLayoutId id="2147483659" r:id="rId17"/>
+    <p:sldLayoutId id="2147483761" r:id="rId1"/>
+    <p:sldLayoutId id="2147483762" r:id="rId2"/>
+    <p:sldLayoutId id="2147483763" r:id="rId3"/>
+    <p:sldLayoutId id="2147483764" r:id="rId4"/>
+    <p:sldLayoutId id="2147483765" r:id="rId5"/>
+    <p:sldLayoutId id="2147483766" r:id="rId6"/>
+    <p:sldLayoutId id="2147483767" r:id="rId7"/>
+    <p:sldLayoutId id="2147483768" r:id="rId8"/>
+    <p:sldLayoutId id="2147483769" r:id="rId9"/>
+    <p:sldLayoutId id="2147483770" r:id="rId10"/>
+    <p:sldLayoutId id="2147483771" r:id="rId11"/>
+    <p:sldLayoutId id="2147483772" r:id="rId12"/>
+    <p:sldLayoutId id="2147483773" r:id="rId13"/>
+    <p:sldLayoutId id="2147483774" r:id="rId14"/>
+    <p:sldLayoutId id="2147483775" r:id="rId15"/>
+    <p:sldLayoutId id="2147483776" r:id="rId16"/>
+    <p:sldLayoutId id="2147483777" r:id="rId17"/>
   </p:sldLayoutIdLst>
+  <p:hf sldNum="0" hdr="0" dt="0"/>
   <p:txStyles>
     <p:titleStyle>
       <a:lvl1pPr algn="ctr" defTabSz="457200" rtl="0" eaLnBrk="1" latinLnBrk="0" hangingPunct="1">
@@ -5859,7 +6350,7 @@
         </p:nvSpPr>
         <p:spPr>
           <a:xfrm>
-            <a:off x="2692397" y="1880419"/>
+            <a:off x="2692397" y="2070919"/>
             <a:ext cx="6815669" cy="931058"/>
           </a:xfrm>
         </p:spPr>
@@ -5868,10 +6359,10 @@
           <a:lstStyle/>
           <a:p>
             <a:r>
-              <a:rPr lang="en-US" sz="4800" b="1" dirty="0" smtClean="0"/>
-              <a:t>Flow2Code</a:t>
-            </a:r>
-            <a:endParaRPr lang="en-IN" sz="4800" b="1" dirty="0"/>
+              <a:rPr lang="en-US" sz="3200" dirty="0" smtClean="0"/>
+              <a:t>Project Review System</a:t>
+            </a:r>
+            <a:endParaRPr lang="en-IN" sz="2800" b="1" dirty="0"/>
           </a:p>
         </p:txBody>
       </p:sp>
@@ -5934,7 +6425,59 @@
                 <a:ea typeface="+mn-lt"/>
                 <a:cs typeface="+mn-lt"/>
               </a:rPr>
-              <a:t>information science and </a:t>
+              <a:t>I</a:t>
+            </a:r>
+            <a:r>
+              <a:rPr lang="en-US" sz="2000" b="1" dirty="0" smtClean="0">
+                <a:solidFill>
+                  <a:schemeClr val="accent2">
+                    <a:lumMod val="75000"/>
+                  </a:schemeClr>
+                </a:solidFill>
+                <a:latin typeface="Times New Roman"/>
+                <a:ea typeface="+mn-lt"/>
+                <a:cs typeface="+mn-lt"/>
+              </a:rPr>
+              <a:t>nformation </a:t>
+            </a:r>
+            <a:r>
+              <a:rPr lang="en-US" sz="2000" b="1" dirty="0">
+                <a:solidFill>
+                  <a:schemeClr val="accent2">
+                    <a:lumMod val="75000"/>
+                  </a:schemeClr>
+                </a:solidFill>
+                <a:latin typeface="Times New Roman"/>
+                <a:ea typeface="+mn-lt"/>
+                <a:cs typeface="+mn-lt"/>
+              </a:rPr>
+              <a:t>S</a:t>
+            </a:r>
+            <a:r>
+              <a:rPr lang="en-US" sz="2000" b="1" dirty="0" smtClean="0">
+                <a:solidFill>
+                  <a:schemeClr val="accent2">
+                    <a:lumMod val="75000"/>
+                  </a:schemeClr>
+                </a:solidFill>
+                <a:latin typeface="Times New Roman"/>
+                <a:ea typeface="+mn-lt"/>
+                <a:cs typeface="+mn-lt"/>
+              </a:rPr>
+              <a:t>cience </a:t>
+            </a:r>
+            <a:r>
+              <a:rPr lang="en-US" sz="2000" b="1" dirty="0">
+                <a:solidFill>
+                  <a:schemeClr val="accent2">
+                    <a:lumMod val="75000"/>
+                  </a:schemeClr>
+                </a:solidFill>
+                <a:latin typeface="Times New Roman"/>
+                <a:ea typeface="+mn-lt"/>
+                <a:cs typeface="+mn-lt"/>
+              </a:rPr>
+              <a:t>and </a:t>
             </a:r>
             <a:r>
               <a:rPr lang="en-US" sz="2000" b="1" dirty="0" smtClean="0">
@@ -5966,15 +6509,7 @@
                 <a:ea typeface="+mn-lt"/>
                 <a:cs typeface="Times New Roman" panose="02020603050405020304" pitchFamily="18" charset="0"/>
               </a:rPr>
-              <a:t>Name     </a:t>
-            </a:r>
-            <a:r>
-              <a:rPr lang="en-US" sz="1600" dirty="0" smtClean="0">
-                <a:latin typeface="Times New Roman" panose="02020603050405020304" pitchFamily="18" charset="0"/>
-                <a:ea typeface="+mn-lt"/>
-                <a:cs typeface="Times New Roman" panose="02020603050405020304" pitchFamily="18" charset="0"/>
-              </a:rPr>
-              <a:t>: </a:t>
+              <a:t>Name     : </a:t>
             </a:r>
             <a:r>
               <a:rPr lang="en-US" sz="1600" dirty="0" err="1" smtClean="0">
@@ -6012,15 +6547,7 @@
                 <a:ea typeface="+mn-lt"/>
                 <a:cs typeface="Times New Roman" panose="02020603050405020304" pitchFamily="18" charset="0"/>
               </a:rPr>
-              <a:t>Branch   </a:t>
-            </a:r>
-            <a:r>
-              <a:rPr lang="en-US" sz="1600" dirty="0" smtClean="0">
-                <a:latin typeface="Times New Roman" panose="02020603050405020304" pitchFamily="18" charset="0"/>
-                <a:ea typeface="+mn-lt"/>
-                <a:cs typeface="Times New Roman" panose="02020603050405020304" pitchFamily="18" charset="0"/>
-              </a:rPr>
-              <a:t>: </a:t>
+              <a:t>Branch   : </a:t>
             </a:r>
             <a:r>
               <a:rPr lang="en-US" sz="1600" dirty="0">
@@ -6201,7 +6728,7 @@
     </p:spTree>
     <p:extLst>
       <p:ext uri="{BB962C8B-B14F-4D97-AF65-F5344CB8AC3E}">
-        <p14:creationId xmlns:p14="http://schemas.microsoft.com/office/powerpoint/2010/main" val="3141576745"/>
+        <p14:creationId xmlns:p14="http://schemas.microsoft.com/office/powerpoint/2010/main" val="2964397824"/>
       </p:ext>
     </p:extLst>
   </p:cSld>
@@ -6258,9 +6785,450 @@
           </a:p>
         </p:txBody>
       </p:sp>
+      <p:sp>
+        <p:nvSpPr>
+          <p:cNvPr id="3" name="Rectangle 1"/>
+          <p:cNvSpPr>
+            <a:spLocks noChangeArrowheads="1"/>
+          </p:cNvSpPr>
+          <p:nvPr/>
+        </p:nvSpPr>
+        <p:spPr bwMode="auto">
+          <a:xfrm>
+            <a:off x="1062891" y="969005"/>
+            <a:ext cx="3125856" cy="4708981"/>
+          </a:xfrm>
+          <a:prstGeom prst="rect">
+            <a:avLst/>
+          </a:prstGeom>
+          <a:noFill/>
+          <a:ln>
+            <a:noFill/>
+          </a:ln>
+          <a:effectLst/>
+          <a:extLst>
+            <a:ext uri="{909E8E84-426E-40DD-AFC4-6F175D3DCCD1}">
+              <a14:hiddenFill xmlns:a14="http://schemas.microsoft.com/office/drawing/2010/main">
+                <a:solidFill>
+                  <a:schemeClr val="accent1"/>
+                </a:solidFill>
+              </a14:hiddenFill>
+            </a:ext>
+            <a:ext uri="{91240B29-F687-4F45-9708-019B960494DF}">
+              <a14:hiddenLine xmlns:a14="http://schemas.microsoft.com/office/drawing/2010/main" w="9525">
+                <a:solidFill>
+                  <a:schemeClr val="tx1"/>
+                </a:solidFill>
+                <a:miter lim="800000"/>
+                <a:headEnd/>
+                <a:tailEnd/>
+              </a14:hiddenLine>
+            </a:ext>
+            <a:ext uri="{AF507438-7753-43E0-B8FC-AC1667EBCBE1}">
+              <a14:hiddenEffects xmlns:a14="http://schemas.microsoft.com/office/drawing/2010/main">
+                <a:effectLst>
+                  <a:outerShdw dist="35921" dir="2700000" algn="ctr" rotWithShape="0">
+                    <a:schemeClr val="bg2"/>
+                  </a:outerShdw>
+                </a:effectLst>
+              </a14:hiddenEffects>
+            </a:ext>
+          </a:extLst>
+        </p:spPr>
+        <p:txBody>
+          <a:bodyPr vert="horz" wrap="none" lIns="91440" tIns="0" rIns="91440" bIns="0" numCol="1" anchor="ctr" anchorCtr="0" compatLnSpc="1">
+            <a:prstTxWarp prst="textNoShape">
+              <a:avLst/>
+            </a:prstTxWarp>
+            <a:spAutoFit/>
+          </a:bodyPr>
+          <a:lstStyle/>
+          <a:p>
+            <a:pPr marL="0" marR="0" lvl="0" indent="0" algn="l" defTabSz="914400" rtl="0" eaLnBrk="0" fontAlgn="base" latinLnBrk="0" hangingPunct="0">
+              <a:lnSpc>
+                <a:spcPct val="100000"/>
+              </a:lnSpc>
+              <a:spcBef>
+                <a:spcPct val="0"/>
+              </a:spcBef>
+              <a:spcAft>
+                <a:spcPct val="0"/>
+              </a:spcAft>
+              <a:buClrTx/>
+              <a:buSzTx/>
+              <a:buFontTx/>
+              <a:buNone/>
+              <a:tabLst/>
+            </a:pPr>
+            <a:r>
+              <a:rPr kumimoji="0" lang="en-US" altLang="en-US" sz="3600" b="0" i="0" u="none" strike="noStrike" cap="none" normalizeH="0" baseline="0" dirty="0" smtClean="0">
+                <a:ln>
+                  <a:noFill/>
+                </a:ln>
+                <a:solidFill>
+                  <a:srgbClr val="000000"/>
+                </a:solidFill>
+                <a:effectLst/>
+                <a:latin typeface="Arial" panose="020B0604020202020204" pitchFamily="34" charset="0"/>
+                <a:cs typeface="Arial" panose="020B0604020202020204" pitchFamily="34" charset="0"/>
+              </a:rPr>
+              <a:t>JWT Structure</a:t>
+            </a:r>
+            <a:endParaRPr kumimoji="0" lang="en-US" altLang="en-US" sz="600" b="0" i="0" u="none" strike="noStrike" cap="none" normalizeH="0" baseline="0" dirty="0" smtClean="0">
+              <a:ln>
+                <a:noFill/>
+              </a:ln>
+              <a:solidFill>
+                <a:schemeClr val="tx1"/>
+              </a:solidFill>
+              <a:effectLst/>
+            </a:endParaRPr>
+          </a:p>
+          <a:p>
+            <a:pPr marL="0" marR="0" lvl="0" indent="0" algn="l" defTabSz="914400" rtl="0" eaLnBrk="0" fontAlgn="base" latinLnBrk="0" hangingPunct="0">
+              <a:lnSpc>
+                <a:spcPct val="100000"/>
+              </a:lnSpc>
+              <a:spcBef>
+                <a:spcPct val="0"/>
+              </a:spcBef>
+              <a:spcAft>
+                <a:spcPct val="0"/>
+              </a:spcAft>
+              <a:buClrTx/>
+              <a:buSzTx/>
+              <a:buFontTx/>
+              <a:buNone/>
+              <a:tabLst/>
+            </a:pPr>
+            <a:r>
+              <a:rPr kumimoji="0" lang="en-US" altLang="en-US" sz="1800" b="0" i="0" u="none" strike="noStrike" cap="none" normalizeH="0" baseline="0" dirty="0" smtClean="0">
+                <a:ln>
+                  <a:noFill/>
+                </a:ln>
+                <a:solidFill>
+                  <a:schemeClr val="tx1"/>
+                </a:solidFill>
+                <a:effectLst/>
+                <a:latin typeface="Arial" panose="020B0604020202020204" pitchFamily="34" charset="0"/>
+              </a:rPr>
+              <a:t/>
+            </a:r>
+            <a:br>
+              <a:rPr kumimoji="0" lang="en-US" altLang="en-US" sz="1800" b="0" i="0" u="none" strike="noStrike" cap="none" normalizeH="0" baseline="0" dirty="0" smtClean="0">
+                <a:ln>
+                  <a:noFill/>
+                </a:ln>
+                <a:solidFill>
+                  <a:schemeClr val="tx1"/>
+                </a:solidFill>
+                <a:effectLst/>
+                <a:latin typeface="Arial" panose="020B0604020202020204" pitchFamily="34" charset="0"/>
+              </a:rPr>
+            </a:br>
+            <a:endParaRPr kumimoji="0" lang="en-US" altLang="en-US" sz="1800" b="0" i="0" u="none" strike="noStrike" cap="none" normalizeH="0" baseline="0" dirty="0" smtClean="0">
+              <a:ln>
+                <a:noFill/>
+              </a:ln>
+              <a:solidFill>
+                <a:schemeClr val="tx1"/>
+              </a:solidFill>
+              <a:effectLst/>
+              <a:latin typeface="Arial" panose="020B0604020202020204" pitchFamily="34" charset="0"/>
+            </a:endParaRPr>
+          </a:p>
+          <a:p>
+            <a:pPr marL="0" marR="0" lvl="0" indent="0" algn="l" defTabSz="914400" rtl="0" eaLnBrk="0" fontAlgn="base" latinLnBrk="0" hangingPunct="0">
+              <a:lnSpc>
+                <a:spcPct val="100000"/>
+              </a:lnSpc>
+              <a:spcBef>
+                <a:spcPct val="0"/>
+              </a:spcBef>
+              <a:spcAft>
+                <a:spcPct val="0"/>
+              </a:spcAft>
+              <a:buClrTx/>
+              <a:buSzTx/>
+              <a:buFontTx/>
+              <a:buChar char="•"/>
+              <a:tabLst/>
+            </a:pPr>
+            <a:r>
+              <a:rPr kumimoji="0" lang="en-US" altLang="en-US" sz="2600" b="0" i="0" u="none" strike="noStrike" cap="none" normalizeH="0" baseline="0" dirty="0" smtClean="0">
+                <a:ln>
+                  <a:noFill/>
+                </a:ln>
+                <a:solidFill>
+                  <a:srgbClr val="000000"/>
+                </a:solidFill>
+                <a:effectLst/>
+                <a:latin typeface="Arial" panose="020B0604020202020204" pitchFamily="34" charset="0"/>
+                <a:cs typeface="Arial" panose="020B0604020202020204" pitchFamily="34" charset="0"/>
+              </a:rPr>
+              <a:t> Header</a:t>
+            </a:r>
+            <a:endParaRPr kumimoji="0" lang="en-US" altLang="en-US" sz="1100" b="0" i="0" u="none" strike="noStrike" cap="none" normalizeH="0" baseline="0" dirty="0" smtClean="0">
+              <a:ln>
+                <a:noFill/>
+              </a:ln>
+              <a:solidFill>
+                <a:srgbClr val="99CC66"/>
+              </a:solidFill>
+              <a:effectLst/>
+              <a:latin typeface="Noto Sans Symbols"/>
+            </a:endParaRPr>
+          </a:p>
+          <a:p>
+            <a:pPr marL="0" marR="0" lvl="0" indent="0" algn="l" defTabSz="914400" rtl="0" eaLnBrk="0" fontAlgn="base" latinLnBrk="0" hangingPunct="0">
+              <a:lnSpc>
+                <a:spcPct val="100000"/>
+              </a:lnSpc>
+              <a:spcBef>
+                <a:spcPct val="0"/>
+              </a:spcBef>
+              <a:spcAft>
+                <a:spcPct val="0"/>
+              </a:spcAft>
+              <a:buClrTx/>
+              <a:buSzTx/>
+              <a:buFontTx/>
+              <a:buChar char="•"/>
+              <a:tabLst/>
+            </a:pPr>
+            <a:r>
+              <a:rPr kumimoji="0" lang="en-US" altLang="en-US" sz="2600" b="0" i="0" u="none" strike="noStrike" cap="none" normalizeH="0" baseline="0" dirty="0" smtClean="0">
+                <a:ln>
+                  <a:noFill/>
+                </a:ln>
+                <a:solidFill>
+                  <a:srgbClr val="000000"/>
+                </a:solidFill>
+                <a:effectLst/>
+                <a:latin typeface="Arial" panose="020B0604020202020204" pitchFamily="34" charset="0"/>
+                <a:cs typeface="Arial" panose="020B0604020202020204" pitchFamily="34" charset="0"/>
+              </a:rPr>
+              <a:t> Payload</a:t>
+            </a:r>
+            <a:endParaRPr kumimoji="0" lang="en-US" altLang="en-US" sz="1100" b="0" i="0" u="none" strike="noStrike" cap="none" normalizeH="0" baseline="0" dirty="0" smtClean="0">
+              <a:ln>
+                <a:noFill/>
+              </a:ln>
+              <a:solidFill>
+                <a:srgbClr val="99CC66"/>
+              </a:solidFill>
+              <a:effectLst/>
+              <a:latin typeface="Noto Sans Symbols"/>
+            </a:endParaRPr>
+          </a:p>
+          <a:p>
+            <a:pPr marL="0" marR="0" lvl="0" indent="0" algn="l" defTabSz="914400" rtl="0" eaLnBrk="0" fontAlgn="base" latinLnBrk="0" hangingPunct="0">
+              <a:lnSpc>
+                <a:spcPct val="100000"/>
+              </a:lnSpc>
+              <a:spcBef>
+                <a:spcPct val="0"/>
+              </a:spcBef>
+              <a:spcAft>
+                <a:spcPct val="0"/>
+              </a:spcAft>
+              <a:buClrTx/>
+              <a:buSzTx/>
+              <a:buFontTx/>
+              <a:buChar char="•"/>
+              <a:tabLst/>
+            </a:pPr>
+            <a:r>
+              <a:rPr kumimoji="0" lang="en-US" altLang="en-US" sz="2600" b="0" i="0" u="none" strike="noStrike" cap="none" normalizeH="0" baseline="0" dirty="0" smtClean="0">
+                <a:ln>
+                  <a:noFill/>
+                </a:ln>
+                <a:solidFill>
+                  <a:srgbClr val="000000"/>
+                </a:solidFill>
+                <a:effectLst/>
+                <a:latin typeface="Arial" panose="020B0604020202020204" pitchFamily="34" charset="0"/>
+                <a:cs typeface="Arial" panose="020B0604020202020204" pitchFamily="34" charset="0"/>
+              </a:rPr>
+              <a:t> Signature</a:t>
+            </a:r>
+            <a:endParaRPr kumimoji="0" lang="en-US" altLang="en-US" sz="800" b="0" i="0" u="none" strike="noStrike" cap="none" normalizeH="0" baseline="0" dirty="0" smtClean="0">
+              <a:ln>
+                <a:noFill/>
+              </a:ln>
+              <a:solidFill>
+                <a:srgbClr val="99CC66"/>
+              </a:solidFill>
+              <a:effectLst/>
+              <a:latin typeface="Noto Sans Symbols"/>
+            </a:endParaRPr>
+          </a:p>
+          <a:p>
+            <a:pPr marL="0" marR="0" lvl="0" indent="0" algn="l" defTabSz="914400" rtl="0" eaLnBrk="0" fontAlgn="base" latinLnBrk="0" hangingPunct="0">
+              <a:lnSpc>
+                <a:spcPct val="100000"/>
+              </a:lnSpc>
+              <a:spcBef>
+                <a:spcPct val="0"/>
+              </a:spcBef>
+              <a:spcAft>
+                <a:spcPct val="0"/>
+              </a:spcAft>
+              <a:buClrTx/>
+              <a:buSzTx/>
+              <a:tabLst/>
+            </a:pPr>
+            <a:r>
+              <a:rPr kumimoji="0" lang="en-US" altLang="en-US" sz="1800" b="0" i="0" u="none" strike="noStrike" cap="none" normalizeH="0" baseline="0" dirty="0" smtClean="0">
+                <a:ln>
+                  <a:noFill/>
+                </a:ln>
+                <a:solidFill>
+                  <a:srgbClr val="000000"/>
+                </a:solidFill>
+                <a:effectLst/>
+                <a:latin typeface="Arial" panose="020B0604020202020204" pitchFamily="34" charset="0"/>
+                <a:cs typeface="Arial" panose="020B0604020202020204" pitchFamily="34" charset="0"/>
+              </a:rPr>
+              <a:t/>
+            </a:r>
+            <a:br>
+              <a:rPr kumimoji="0" lang="en-US" altLang="en-US" sz="1800" b="0" i="0" u="none" strike="noStrike" cap="none" normalizeH="0" baseline="0" dirty="0" smtClean="0">
+                <a:ln>
+                  <a:noFill/>
+                </a:ln>
+                <a:solidFill>
+                  <a:srgbClr val="000000"/>
+                </a:solidFill>
+                <a:effectLst/>
+                <a:latin typeface="Arial" panose="020B0604020202020204" pitchFamily="34" charset="0"/>
+                <a:cs typeface="Arial" panose="020B0604020202020204" pitchFamily="34" charset="0"/>
+              </a:rPr>
+            </a:br>
+            <a:r>
+              <a:rPr kumimoji="0" lang="en-US" altLang="en-US" sz="2600" b="0" i="0" u="none" strike="noStrike" cap="none" normalizeH="0" baseline="0" dirty="0" smtClean="0">
+                <a:ln>
+                  <a:noFill/>
+                </a:ln>
+                <a:solidFill>
+                  <a:srgbClr val="000000"/>
+                </a:solidFill>
+                <a:effectLst/>
+                <a:latin typeface="Arial" panose="020B0604020202020204" pitchFamily="34" charset="0"/>
+                <a:cs typeface="Arial" panose="020B0604020202020204" pitchFamily="34" charset="0"/>
+              </a:rPr>
+              <a:t>JWT: </a:t>
+            </a:r>
+            <a:r>
+              <a:rPr kumimoji="0" lang="en-US" altLang="en-US" sz="1800" b="0" i="0" u="none" strike="noStrike" cap="none" normalizeH="0" baseline="0" dirty="0" smtClean="0">
+                <a:ln>
+                  <a:noFill/>
+                </a:ln>
+                <a:solidFill>
+                  <a:srgbClr val="000000"/>
+                </a:solidFill>
+                <a:effectLst/>
+                <a:latin typeface="Arial" panose="020B0604020202020204" pitchFamily="34" charset="0"/>
+                <a:cs typeface="Arial" panose="020B0604020202020204" pitchFamily="34" charset="0"/>
+              </a:rPr>
+              <a:t/>
+            </a:r>
+            <a:br>
+              <a:rPr kumimoji="0" lang="en-US" altLang="en-US" sz="1800" b="0" i="0" u="none" strike="noStrike" cap="none" normalizeH="0" baseline="0" dirty="0" smtClean="0">
+                <a:ln>
+                  <a:noFill/>
+                </a:ln>
+                <a:solidFill>
+                  <a:srgbClr val="000000"/>
+                </a:solidFill>
+                <a:effectLst/>
+                <a:latin typeface="Arial" panose="020B0604020202020204" pitchFamily="34" charset="0"/>
+                <a:cs typeface="Arial" panose="020B0604020202020204" pitchFamily="34" charset="0"/>
+              </a:rPr>
+            </a:br>
+            <a:r>
+              <a:rPr kumimoji="0" lang="en-US" altLang="en-US" sz="2600" b="0" i="0" u="none" strike="noStrike" cap="none" normalizeH="0" baseline="0" dirty="0" err="1" smtClean="0">
+                <a:ln>
+                  <a:noFill/>
+                </a:ln>
+                <a:solidFill>
+                  <a:srgbClr val="000000"/>
+                </a:solidFill>
+                <a:effectLst/>
+                <a:latin typeface="Arial" panose="020B0604020202020204" pitchFamily="34" charset="0"/>
+                <a:cs typeface="Arial" panose="020B0604020202020204" pitchFamily="34" charset="0"/>
+              </a:rPr>
+              <a:t>xxxxx.yyyyy.zzzzz</a:t>
+            </a:r>
+            <a:endParaRPr kumimoji="0" lang="en-US" altLang="en-US" sz="600" b="0" i="0" u="none" strike="noStrike" cap="none" normalizeH="0" baseline="0" dirty="0" smtClean="0">
+              <a:ln>
+                <a:noFill/>
+              </a:ln>
+              <a:solidFill>
+                <a:schemeClr val="tx1"/>
+              </a:solidFill>
+              <a:effectLst/>
+            </a:endParaRPr>
+          </a:p>
+          <a:p>
+            <a:pPr marL="0" marR="0" lvl="0" indent="0" algn="l" defTabSz="914400" rtl="0" eaLnBrk="0" fontAlgn="base" latinLnBrk="0" hangingPunct="0">
+              <a:lnSpc>
+                <a:spcPct val="100000"/>
+              </a:lnSpc>
+              <a:spcBef>
+                <a:spcPct val="0"/>
+              </a:spcBef>
+              <a:spcAft>
+                <a:spcPct val="0"/>
+              </a:spcAft>
+              <a:buClrTx/>
+              <a:buSzTx/>
+              <a:buFontTx/>
+              <a:buNone/>
+              <a:tabLst/>
+            </a:pPr>
+            <a:r>
+              <a:rPr kumimoji="0" lang="en-US" altLang="en-US" sz="1800" b="0" i="0" u="none" strike="noStrike" cap="none" normalizeH="0" baseline="0" dirty="0" smtClean="0">
+                <a:ln>
+                  <a:noFill/>
+                </a:ln>
+                <a:solidFill>
+                  <a:schemeClr val="tx1"/>
+                </a:solidFill>
+                <a:effectLst/>
+                <a:latin typeface="Arial" panose="020B0604020202020204" pitchFamily="34" charset="0"/>
+              </a:rPr>
+              <a:t>  </a:t>
+            </a:r>
+            <a:r>
+              <a:rPr kumimoji="0" lang="en-US" altLang="en-US" sz="8600" b="0" i="0" u="none" strike="noStrike" cap="none" normalizeH="0" baseline="0" dirty="0" smtClean="0">
+                <a:ln>
+                  <a:noFill/>
+                </a:ln>
+                <a:solidFill>
+                  <a:schemeClr val="tx1"/>
+                </a:solidFill>
+                <a:effectLst/>
+                <a:latin typeface="Arial" panose="020B0604020202020204" pitchFamily="34" charset="0"/>
+              </a:rPr>
+              <a:t> </a:t>
+            </a:r>
+            <a:endParaRPr kumimoji="0" lang="en-US" altLang="en-US" sz="1800" b="0" i="0" u="none" strike="noStrike" cap="none" normalizeH="0" baseline="0" dirty="0" smtClean="0">
+              <a:ln>
+                <a:noFill/>
+              </a:ln>
+              <a:solidFill>
+                <a:schemeClr val="tx1"/>
+              </a:solidFill>
+              <a:effectLst/>
+              <a:latin typeface="Arial" panose="020B0604020202020204" pitchFamily="34" charset="0"/>
+            </a:endParaRPr>
+          </a:p>
+        </p:txBody>
+      </p:sp>
       <p:pic>
         <p:nvPicPr>
-          <p:cNvPr id="1026" name="Picture 2" descr="User"/>
+          <p:cNvPr id="1026" name="Picture 2" descr="https://lh6.googleusercontent.com/75m_IOTr33M12MZEiC9-EGetyU35E_5glc6BlzxWM5i8t3bj-U_ZjGbUdWrZmsfCIFy7021KJVx8o0x0mTQ89-PwE-eptD893TrHyeCuCm27BcJyOSdw7T6MGCgFDofqjtzpRT2dcfl35aFTggB-L6PUAcc14l7z=s2048"/>
           <p:cNvPicPr>
             <a:picLocks noChangeAspect="1" noChangeArrowheads="1"/>
           </p:cNvPicPr>
@@ -6281,8 +7249,8 @@
         </p:blipFill>
         <p:spPr bwMode="auto">
           <a:xfrm>
-            <a:off x="1128967" y="2974719"/>
-            <a:ext cx="1044217" cy="1044217"/>
+            <a:off x="2812804" y="4447079"/>
+            <a:ext cx="4857750" cy="1371600"/>
           </a:xfrm>
           <a:prstGeom prst="rect">
             <a:avLst/>
@@ -6299,635 +7267,10 @@
           </a:extLst>
         </p:spPr>
       </p:pic>
-      <p:pic>
-        <p:nvPicPr>
-          <p:cNvPr id="1028" name="Picture 4" descr="Flowchart "/>
-          <p:cNvPicPr>
-            <a:picLocks noChangeAspect="1" noChangeArrowheads="1"/>
-          </p:cNvPicPr>
-          <p:nvPr/>
-        </p:nvPicPr>
-        <p:blipFill>
-          <a:blip r:embed="rId3">
-            <a:extLst>
-              <a:ext uri="{28A0092B-C50C-407E-A947-70E740481C1C}">
-                <a14:useLocalDpi xmlns:a14="http://schemas.microsoft.com/office/drawing/2010/main" val="0"/>
-              </a:ext>
-            </a:extLst>
-          </a:blip>
-          <a:srcRect/>
-          <a:stretch>
-            <a:fillRect/>
-          </a:stretch>
-        </p:blipFill>
-        <p:spPr bwMode="auto">
-          <a:xfrm>
-            <a:off x="3024136" y="2887226"/>
-            <a:ext cx="1219200" cy="1219201"/>
-          </a:xfrm>
-          <a:prstGeom prst="rect">
-            <a:avLst/>
-          </a:prstGeom>
-          <a:noFill/>
-          <a:extLst>
-            <a:ext uri="{909E8E84-426E-40DD-AFC4-6F175D3DCCD1}">
-              <a14:hiddenFill xmlns:a14="http://schemas.microsoft.com/office/drawing/2010/main">
-                <a:solidFill>
-                  <a:srgbClr val="FFFFFF"/>
-                </a:solidFill>
-              </a14:hiddenFill>
-            </a:ext>
-          </a:extLst>
-        </p:spPr>
-      </p:pic>
-      <p:pic>
-        <p:nvPicPr>
-          <p:cNvPr id="1030" name="Picture 6" descr="Json file "/>
-          <p:cNvPicPr>
-            <a:picLocks noChangeAspect="1" noChangeArrowheads="1"/>
-          </p:cNvPicPr>
-          <p:nvPr/>
-        </p:nvPicPr>
-        <p:blipFill>
-          <a:blip r:embed="rId4">
-            <a:extLst>
-              <a:ext uri="{28A0092B-C50C-407E-A947-70E740481C1C}">
-                <a14:useLocalDpi xmlns:a14="http://schemas.microsoft.com/office/drawing/2010/main" val="0"/>
-              </a:ext>
-            </a:extLst>
-          </a:blip>
-          <a:srcRect/>
-          <a:stretch>
-            <a:fillRect/>
-          </a:stretch>
-        </p:blipFill>
-        <p:spPr bwMode="auto">
-          <a:xfrm>
-            <a:off x="4771820" y="2974719"/>
-            <a:ext cx="1050593" cy="1050594"/>
-          </a:xfrm>
-          <a:prstGeom prst="rect">
-            <a:avLst/>
-          </a:prstGeom>
-          <a:noFill/>
-          <a:extLst>
-            <a:ext uri="{909E8E84-426E-40DD-AFC4-6F175D3DCCD1}">
-              <a14:hiddenFill xmlns:a14="http://schemas.microsoft.com/office/drawing/2010/main">
-                <a:solidFill>
-                  <a:srgbClr val="FFFFFF"/>
-                </a:solidFill>
-              </a14:hiddenFill>
-            </a:ext>
-          </a:extLst>
-        </p:spPr>
-      </p:pic>
-      <p:pic>
-        <p:nvPicPr>
-          <p:cNvPr id="1032" name="Picture 8" descr="Source code "/>
-          <p:cNvPicPr>
-            <a:picLocks noChangeAspect="1" noChangeArrowheads="1"/>
-          </p:cNvPicPr>
-          <p:nvPr/>
-        </p:nvPicPr>
-        <p:blipFill>
-          <a:blip r:embed="rId5">
-            <a:extLst>
-              <a:ext uri="{28A0092B-C50C-407E-A947-70E740481C1C}">
-                <a14:useLocalDpi xmlns:a14="http://schemas.microsoft.com/office/drawing/2010/main" val="0"/>
-              </a:ext>
-            </a:extLst>
-          </a:blip>
-          <a:srcRect/>
-          <a:stretch>
-            <a:fillRect/>
-          </a:stretch>
-        </p:blipFill>
-        <p:spPr bwMode="auto">
-          <a:xfrm>
-            <a:off x="6877293" y="2990034"/>
-            <a:ext cx="1052793" cy="1052794"/>
-          </a:xfrm>
-          <a:prstGeom prst="rect">
-            <a:avLst/>
-          </a:prstGeom>
-          <a:noFill/>
-          <a:extLst>
-            <a:ext uri="{909E8E84-426E-40DD-AFC4-6F175D3DCCD1}">
-              <a14:hiddenFill xmlns:a14="http://schemas.microsoft.com/office/drawing/2010/main">
-                <a:solidFill>
-                  <a:srgbClr val="FFFFFF"/>
-                </a:solidFill>
-              </a14:hiddenFill>
-            </a:ext>
-          </a:extLst>
-        </p:spPr>
-      </p:pic>
-      <p:pic>
-        <p:nvPicPr>
-          <p:cNvPr id="1036" name="Picture 12" descr="Java "/>
-          <p:cNvPicPr>
-            <a:picLocks noChangeAspect="1" noChangeArrowheads="1"/>
-          </p:cNvPicPr>
-          <p:nvPr/>
-        </p:nvPicPr>
-        <p:blipFill>
-          <a:blip r:embed="rId6">
-            <a:extLst>
-              <a:ext uri="{28A0092B-C50C-407E-A947-70E740481C1C}">
-                <a14:useLocalDpi xmlns:a14="http://schemas.microsoft.com/office/drawing/2010/main" val="0"/>
-              </a:ext>
-            </a:extLst>
-          </a:blip>
-          <a:srcRect/>
-          <a:stretch>
-            <a:fillRect/>
-          </a:stretch>
-        </p:blipFill>
-        <p:spPr bwMode="auto">
-          <a:xfrm>
-            <a:off x="8596917" y="4028373"/>
-            <a:ext cx="1021889" cy="1021890"/>
-          </a:xfrm>
-          <a:prstGeom prst="rect">
-            <a:avLst/>
-          </a:prstGeom>
-          <a:noFill/>
-          <a:extLst>
-            <a:ext uri="{909E8E84-426E-40DD-AFC4-6F175D3DCCD1}">
-              <a14:hiddenFill xmlns:a14="http://schemas.microsoft.com/office/drawing/2010/main">
-                <a:solidFill>
-                  <a:srgbClr val="FFFFFF"/>
-                </a:solidFill>
-              </a14:hiddenFill>
-            </a:ext>
-          </a:extLst>
-        </p:spPr>
-      </p:pic>
-      <p:pic>
-        <p:nvPicPr>
-          <p:cNvPr id="1038" name="Picture 14" descr="https://cdn-icons-png.flaticon.com/512/8422/8422177.png"/>
-          <p:cNvPicPr>
-            <a:picLocks noChangeAspect="1" noChangeArrowheads="1"/>
-          </p:cNvPicPr>
-          <p:nvPr/>
-        </p:nvPicPr>
-        <p:blipFill>
-          <a:blip r:embed="rId7">
-            <a:extLst>
-              <a:ext uri="{28A0092B-C50C-407E-A947-70E740481C1C}">
-                <a14:useLocalDpi xmlns:a14="http://schemas.microsoft.com/office/drawing/2010/main" val="0"/>
-              </a:ext>
-            </a:extLst>
-          </a:blip>
-          <a:srcRect/>
-          <a:stretch>
-            <a:fillRect/>
-          </a:stretch>
-        </p:blipFill>
-        <p:spPr bwMode="auto">
-          <a:xfrm>
-            <a:off x="8643645" y="2181205"/>
-            <a:ext cx="928431" cy="928431"/>
-          </a:xfrm>
-          <a:prstGeom prst="rect">
-            <a:avLst/>
-          </a:prstGeom>
-          <a:noFill/>
-          <a:extLst>
-            <a:ext uri="{909E8E84-426E-40DD-AFC4-6F175D3DCCD1}">
-              <a14:hiddenFill xmlns:a14="http://schemas.microsoft.com/office/drawing/2010/main">
-                <a:solidFill>
-                  <a:srgbClr val="FFFFFF"/>
-                </a:solidFill>
-              </a14:hiddenFill>
-            </a:ext>
-          </a:extLst>
-        </p:spPr>
-      </p:pic>
-      <p:sp>
-        <p:nvSpPr>
-          <p:cNvPr id="3" name="TextBox 2"/>
-          <p:cNvSpPr txBox="1"/>
-          <p:nvPr/>
-        </p:nvSpPr>
-        <p:spPr>
-          <a:xfrm>
-            <a:off x="1347947" y="4068716"/>
-            <a:ext cx="606256" cy="369332"/>
-          </a:xfrm>
-          <a:prstGeom prst="rect">
-            <a:avLst/>
-          </a:prstGeom>
-          <a:noFill/>
-        </p:spPr>
-        <p:txBody>
-          <a:bodyPr wrap="none" rtlCol="0">
-            <a:spAutoFit/>
-          </a:bodyPr>
-          <a:lstStyle/>
-          <a:p>
-            <a:r>
-              <a:rPr lang="en-US" dirty="0" smtClean="0"/>
-              <a:t>User</a:t>
-            </a:r>
-            <a:endParaRPr lang="en-IN" dirty="0"/>
-          </a:p>
-        </p:txBody>
-      </p:sp>
-      <p:sp>
-        <p:nvSpPr>
-          <p:cNvPr id="4" name="TextBox 3"/>
-          <p:cNvSpPr txBox="1"/>
-          <p:nvPr/>
-        </p:nvSpPr>
-        <p:spPr>
-          <a:xfrm>
-            <a:off x="2417396" y="3156285"/>
-            <a:ext cx="684996" cy="369332"/>
-          </a:xfrm>
-          <a:prstGeom prst="rect">
-            <a:avLst/>
-          </a:prstGeom>
-          <a:noFill/>
-        </p:spPr>
-        <p:txBody>
-          <a:bodyPr wrap="none" rtlCol="0">
-            <a:spAutoFit/>
-          </a:bodyPr>
-          <a:lstStyle/>
-          <a:p>
-            <a:r>
-              <a:rPr lang="en-US" dirty="0" smtClean="0"/>
-              <a:t>Draw</a:t>
-            </a:r>
-            <a:endParaRPr lang="en-IN" dirty="0"/>
-          </a:p>
-        </p:txBody>
-      </p:sp>
-      <p:sp>
-        <p:nvSpPr>
-          <p:cNvPr id="5" name="TextBox 4"/>
-          <p:cNvSpPr txBox="1"/>
-          <p:nvPr/>
-        </p:nvSpPr>
-        <p:spPr>
-          <a:xfrm>
-            <a:off x="3090767" y="4106427"/>
-            <a:ext cx="1085938" cy="369332"/>
-          </a:xfrm>
-          <a:prstGeom prst="rect">
-            <a:avLst/>
-          </a:prstGeom>
-          <a:noFill/>
-        </p:spPr>
-        <p:txBody>
-          <a:bodyPr wrap="none" rtlCol="0">
-            <a:spAutoFit/>
-          </a:bodyPr>
-          <a:lstStyle/>
-          <a:p>
-            <a:r>
-              <a:rPr lang="en-US" dirty="0" smtClean="0"/>
-              <a:t>Flowchart</a:t>
-            </a:r>
-            <a:endParaRPr lang="en-IN" dirty="0"/>
-          </a:p>
-        </p:txBody>
-      </p:sp>
-      <p:sp>
-        <p:nvSpPr>
-          <p:cNvPr id="6" name="TextBox 5"/>
-          <p:cNvSpPr txBox="1"/>
-          <p:nvPr/>
-        </p:nvSpPr>
-        <p:spPr>
-          <a:xfrm>
-            <a:off x="4780911" y="4106427"/>
-            <a:ext cx="1064715" cy="369332"/>
-          </a:xfrm>
-          <a:prstGeom prst="rect">
-            <a:avLst/>
-          </a:prstGeom>
-          <a:noFill/>
-        </p:spPr>
-        <p:txBody>
-          <a:bodyPr wrap="none" rtlCol="0">
-            <a:spAutoFit/>
-          </a:bodyPr>
-          <a:lstStyle/>
-          <a:p>
-            <a:r>
-              <a:rPr lang="en-US" dirty="0" smtClean="0"/>
-              <a:t>JSON file</a:t>
-            </a:r>
-            <a:endParaRPr lang="en-IN" dirty="0"/>
-          </a:p>
-        </p:txBody>
-      </p:sp>
-      <p:sp>
-        <p:nvSpPr>
-          <p:cNvPr id="7" name="TextBox 6"/>
-          <p:cNvSpPr txBox="1"/>
-          <p:nvPr/>
-        </p:nvSpPr>
-        <p:spPr>
-          <a:xfrm>
-            <a:off x="6739885" y="4068716"/>
-            <a:ext cx="1327608" cy="369332"/>
-          </a:xfrm>
-          <a:prstGeom prst="rect">
-            <a:avLst/>
-          </a:prstGeom>
-          <a:noFill/>
-        </p:spPr>
-        <p:txBody>
-          <a:bodyPr wrap="none" rtlCol="0">
-            <a:spAutoFit/>
-          </a:bodyPr>
-          <a:lstStyle/>
-          <a:p>
-            <a:r>
-              <a:rPr lang="en-US" dirty="0" smtClean="0"/>
-              <a:t>Source Code</a:t>
-            </a:r>
-            <a:endParaRPr lang="en-IN" dirty="0"/>
-          </a:p>
-        </p:txBody>
-      </p:sp>
-      <p:sp>
-        <p:nvSpPr>
-          <p:cNvPr id="8" name="TextBox 7"/>
-          <p:cNvSpPr txBox="1"/>
-          <p:nvPr/>
-        </p:nvSpPr>
-        <p:spPr>
-          <a:xfrm>
-            <a:off x="3895930" y="3162473"/>
-            <a:ext cx="911211" cy="369332"/>
-          </a:xfrm>
-          <a:prstGeom prst="rect">
-            <a:avLst/>
-          </a:prstGeom>
-          <a:noFill/>
-        </p:spPr>
-        <p:txBody>
-          <a:bodyPr wrap="none" rtlCol="0">
-            <a:spAutoFit/>
-          </a:bodyPr>
-          <a:lstStyle/>
-          <a:p>
-            <a:r>
-              <a:rPr lang="en-US" dirty="0" smtClean="0"/>
-              <a:t>Convert</a:t>
-            </a:r>
-            <a:endParaRPr lang="en-IN" dirty="0"/>
-          </a:p>
-        </p:txBody>
-      </p:sp>
-      <p:sp>
-        <p:nvSpPr>
-          <p:cNvPr id="16" name="TextBox 15"/>
-          <p:cNvSpPr txBox="1"/>
-          <p:nvPr/>
-        </p:nvSpPr>
-        <p:spPr>
-          <a:xfrm>
-            <a:off x="5875768" y="3160849"/>
-            <a:ext cx="911211" cy="369332"/>
-          </a:xfrm>
-          <a:prstGeom prst="rect">
-            <a:avLst/>
-          </a:prstGeom>
-          <a:noFill/>
-        </p:spPr>
-        <p:txBody>
-          <a:bodyPr wrap="none" rtlCol="0">
-            <a:spAutoFit/>
-          </a:bodyPr>
-          <a:lstStyle/>
-          <a:p>
-            <a:r>
-              <a:rPr lang="en-US" dirty="0" smtClean="0"/>
-              <a:t>Convert</a:t>
-            </a:r>
-            <a:endParaRPr lang="en-IN" dirty="0"/>
-          </a:p>
-        </p:txBody>
-      </p:sp>
-      <p:sp>
-        <p:nvSpPr>
-          <p:cNvPr id="9" name="TextBox 8"/>
-          <p:cNvSpPr txBox="1"/>
-          <p:nvPr/>
-        </p:nvSpPr>
-        <p:spPr>
-          <a:xfrm>
-            <a:off x="7955152" y="3156285"/>
-            <a:ext cx="587597" cy="369332"/>
-          </a:xfrm>
-          <a:prstGeom prst="rect">
-            <a:avLst/>
-          </a:prstGeom>
-          <a:noFill/>
-        </p:spPr>
-        <p:txBody>
-          <a:bodyPr wrap="none" rtlCol="0">
-            <a:spAutoFit/>
-          </a:bodyPr>
-          <a:lstStyle/>
-          <a:p>
-            <a:r>
-              <a:rPr lang="en-US" dirty="0" smtClean="0"/>
-              <a:t>Save</a:t>
-            </a:r>
-            <a:endParaRPr lang="en-IN" dirty="0"/>
-          </a:p>
-        </p:txBody>
-      </p:sp>
-      <p:cxnSp>
-        <p:nvCxnSpPr>
-          <p:cNvPr id="11" name="Straight Arrow Connector 10"/>
-          <p:cNvCxnSpPr/>
-          <p:nvPr/>
-        </p:nvCxnSpPr>
-        <p:spPr>
-          <a:xfrm flipV="1">
-            <a:off x="2256503" y="3598606"/>
-            <a:ext cx="845889" cy="7375"/>
-          </a:xfrm>
-          <a:prstGeom prst="straightConnector1">
-            <a:avLst/>
-          </a:prstGeom>
-          <a:ln w="28575">
-            <a:solidFill>
-              <a:schemeClr val="tx1"/>
-            </a:solidFill>
-            <a:tailEnd type="triangle"/>
-          </a:ln>
-        </p:spPr>
-        <p:style>
-          <a:lnRef idx="1">
-            <a:schemeClr val="accent1"/>
-          </a:lnRef>
-          <a:fillRef idx="0">
-            <a:schemeClr val="accent1"/>
-          </a:fillRef>
-          <a:effectRef idx="0">
-            <a:schemeClr val="accent1"/>
-          </a:effectRef>
-          <a:fontRef idx="minor">
-            <a:schemeClr val="tx1"/>
-          </a:fontRef>
-        </p:style>
-      </p:cxnSp>
-      <p:cxnSp>
-        <p:nvCxnSpPr>
-          <p:cNvPr id="20" name="Straight Arrow Connector 19"/>
-          <p:cNvCxnSpPr/>
-          <p:nvPr/>
-        </p:nvCxnSpPr>
-        <p:spPr>
-          <a:xfrm flipV="1">
-            <a:off x="3955823" y="3558594"/>
-            <a:ext cx="845889" cy="7375"/>
-          </a:xfrm>
-          <a:prstGeom prst="straightConnector1">
-            <a:avLst/>
-          </a:prstGeom>
-          <a:ln w="28575">
-            <a:solidFill>
-              <a:schemeClr val="tx1"/>
-            </a:solidFill>
-            <a:tailEnd type="triangle"/>
-          </a:ln>
-        </p:spPr>
-        <p:style>
-          <a:lnRef idx="1">
-            <a:schemeClr val="accent1"/>
-          </a:lnRef>
-          <a:fillRef idx="0">
-            <a:schemeClr val="accent1"/>
-          </a:fillRef>
-          <a:effectRef idx="0">
-            <a:schemeClr val="accent1"/>
-          </a:effectRef>
-          <a:fontRef idx="minor">
-            <a:schemeClr val="tx1"/>
-          </a:fontRef>
-        </p:style>
-      </p:cxnSp>
-      <p:cxnSp>
-        <p:nvCxnSpPr>
-          <p:cNvPr id="21" name="Straight Arrow Connector 20"/>
-          <p:cNvCxnSpPr/>
-          <p:nvPr/>
-        </p:nvCxnSpPr>
-        <p:spPr>
-          <a:xfrm flipV="1">
-            <a:off x="5928956" y="3605660"/>
-            <a:ext cx="845889" cy="7375"/>
-          </a:xfrm>
-          <a:prstGeom prst="straightConnector1">
-            <a:avLst/>
-          </a:prstGeom>
-          <a:ln w="28575">
-            <a:solidFill>
-              <a:schemeClr val="tx1"/>
-            </a:solidFill>
-            <a:tailEnd type="triangle"/>
-          </a:ln>
-        </p:spPr>
-        <p:style>
-          <a:lnRef idx="1">
-            <a:schemeClr val="accent1"/>
-          </a:lnRef>
-          <a:fillRef idx="0">
-            <a:schemeClr val="accent1"/>
-          </a:fillRef>
-          <a:effectRef idx="0">
-            <a:schemeClr val="accent1"/>
-          </a:effectRef>
-          <a:fontRef idx="minor">
-            <a:schemeClr val="tx1"/>
-          </a:fontRef>
-        </p:style>
-      </p:cxnSp>
-      <p:cxnSp>
-        <p:nvCxnSpPr>
-          <p:cNvPr id="13" name="Straight Connector 12"/>
-          <p:cNvCxnSpPr/>
-          <p:nvPr/>
-        </p:nvCxnSpPr>
-        <p:spPr>
-          <a:xfrm flipV="1">
-            <a:off x="8008374" y="3598606"/>
-            <a:ext cx="1010265" cy="14429"/>
-          </a:xfrm>
-          <a:prstGeom prst="line">
-            <a:avLst/>
-          </a:prstGeom>
-          <a:ln w="28575">
-            <a:solidFill>
-              <a:schemeClr val="tx1"/>
-            </a:solidFill>
-          </a:ln>
-        </p:spPr>
-        <p:style>
-          <a:lnRef idx="1">
-            <a:schemeClr val="accent1"/>
-          </a:lnRef>
-          <a:fillRef idx="0">
-            <a:schemeClr val="accent1"/>
-          </a:fillRef>
-          <a:effectRef idx="0">
-            <a:schemeClr val="accent1"/>
-          </a:effectRef>
-          <a:fontRef idx="minor">
-            <a:schemeClr val="tx1"/>
-          </a:fontRef>
-        </p:style>
-      </p:cxnSp>
-      <p:cxnSp>
-        <p:nvCxnSpPr>
-          <p:cNvPr id="15" name="Straight Arrow Connector 14"/>
-          <p:cNvCxnSpPr/>
-          <p:nvPr/>
-        </p:nvCxnSpPr>
-        <p:spPr>
-          <a:xfrm flipV="1">
-            <a:off x="9018639" y="3340951"/>
-            <a:ext cx="0" cy="486255"/>
-          </a:xfrm>
-          <a:prstGeom prst="straightConnector1">
-            <a:avLst/>
-          </a:prstGeom>
-          <a:ln w="28575">
-            <a:solidFill>
-              <a:schemeClr val="tx1"/>
-            </a:solidFill>
-            <a:headEnd type="triangle"/>
-            <a:tailEnd type="triangle"/>
-          </a:ln>
-        </p:spPr>
-        <p:style>
-          <a:lnRef idx="1">
-            <a:schemeClr val="accent1"/>
-          </a:lnRef>
-          <a:fillRef idx="0">
-            <a:schemeClr val="accent1"/>
-          </a:fillRef>
-          <a:effectRef idx="0">
-            <a:schemeClr val="accent1"/>
-          </a:effectRef>
-          <a:fontRef idx="minor">
-            <a:schemeClr val="tx1"/>
-          </a:fontRef>
-        </p:style>
-      </p:cxnSp>
     </p:spTree>
     <p:extLst>
       <p:ext uri="{BB962C8B-B14F-4D97-AF65-F5344CB8AC3E}">
-        <p14:creationId xmlns:p14="http://schemas.microsoft.com/office/powerpoint/2010/main" val="2116425052"/>
+        <p14:creationId xmlns:p14="http://schemas.microsoft.com/office/powerpoint/2010/main" val="1297648813"/>
       </p:ext>
     </p:extLst>
   </p:cSld>
@@ -6956,215 +7299,971 @@
       </p:grpSpPr>
       <p:sp>
         <p:nvSpPr>
-          <p:cNvPr id="2" name="Title 1"/>
-          <p:cNvSpPr>
-            <a:spLocks noGrp="1"/>
-          </p:cNvSpPr>
-          <p:nvPr>
-            <p:ph type="title"/>
+          <p:cNvPr id="2" name="Footer Placeholder 1"/>
+          <p:cNvSpPr>
+            <a:spLocks noGrp="1"/>
+          </p:cNvSpPr>
+          <p:nvPr>
+            <p:ph type="ftr" sz="quarter" idx="11"/>
           </p:nvPr>
         </p:nvSpPr>
         <p:spPr/>
         <p:txBody>
-          <a:bodyPr>
-            <a:normAutofit/>
-          </a:bodyPr>
+          <a:bodyPr/>
           <a:lstStyle/>
           <a:p>
-            <a:pPr algn="l"/>
-            <a:r>
-              <a:rPr lang="en-US" sz="3600" b="1" dirty="0" smtClean="0"/>
-              <a:t>TOOLS</a:t>
-            </a:r>
-            <a:endParaRPr lang="en-IN" sz="3600" b="1" dirty="0"/>
-          </a:p>
-        </p:txBody>
-      </p:sp>
-      <p:sp>
-        <p:nvSpPr>
-          <p:cNvPr id="3" name="Content Placeholder 2"/>
-          <p:cNvSpPr>
-            <a:spLocks noGrp="1"/>
-          </p:cNvSpPr>
-          <p:nvPr>
-            <p:ph idx="1"/>
+            <a:r>
+              <a:rPr lang="en-US" dirty="0" smtClean="0"/>
+              <a:t>page no: 11</a:t>
+            </a:r>
+            <a:endParaRPr lang="en-US" dirty="0"/>
+          </a:p>
+        </p:txBody>
+      </p:sp>
+      <p:sp>
+        <p:nvSpPr>
+          <p:cNvPr id="3" name="Slide Number Placeholder 3"/>
+          <p:cNvSpPr>
+            <a:spLocks noGrp="1"/>
+          </p:cNvSpPr>
+          <p:nvPr>
+            <p:ph type="sldNum" sz="quarter" idx="12"/>
           </p:nvPr>
         </p:nvSpPr>
         <p:spPr>
           <a:xfrm>
-            <a:off x="1295402" y="2442632"/>
-            <a:ext cx="9601196" cy="3752428"/>
+            <a:off x="8836969" y="7051279"/>
+            <a:ext cx="2348280" cy="521280"/>
           </a:xfrm>
         </p:spPr>
         <p:txBody>
-          <a:bodyPr>
+          <a:bodyPr/>
+          <a:lstStyle/>
+          <a:p>
+            <a:pPr lvl="0"/>
+            <a:fld id="{51B85280-B24B-48E6-97D1-329CEB3211CD}" type="slidenum">
+              <a:t>11</a:t>
+            </a:fld>
+            <a:endParaRPr lang="en-IN"/>
+          </a:p>
+        </p:txBody>
+      </p:sp>
+      <p:sp>
+        <p:nvSpPr>
+          <p:cNvPr id="4" name="Freeform 3"/>
+          <p:cNvSpPr/>
+          <p:nvPr/>
+        </p:nvSpPr>
+        <p:spPr>
+          <a:xfrm>
+            <a:off x="2113968" y="3548119"/>
+            <a:ext cx="6623999" cy="1512000"/>
+          </a:xfrm>
+          <a:custGeom>
+            <a:avLst/>
+            <a:gdLst>
+              <a:gd name="f0" fmla="val 0"/>
+              <a:gd name="f1" fmla="val 21600"/>
+            </a:gdLst>
+            <a:ahLst/>
+            <a:cxnLst>
+              <a:cxn ang="3cd4">
+                <a:pos x="hc" y="t"/>
+              </a:cxn>
+              <a:cxn ang="0">
+                <a:pos x="r" y="vc"/>
+              </a:cxn>
+              <a:cxn ang="cd4">
+                <a:pos x="hc" y="b"/>
+              </a:cxn>
+              <a:cxn ang="cd2">
+                <a:pos x="l" y="vc"/>
+              </a:cxn>
+            </a:cxnLst>
+            <a:rect l="l" t="t" r="r" b="b"/>
+            <a:pathLst>
+              <a:path w="21600" h="21600">
+                <a:moveTo>
+                  <a:pt x="f0" y="f0"/>
+                </a:moveTo>
+                <a:lnTo>
+                  <a:pt x="f1" y="f0"/>
+                </a:lnTo>
+                <a:lnTo>
+                  <a:pt x="f1" y="f1"/>
+                </a:lnTo>
+                <a:lnTo>
+                  <a:pt x="f0" y="f1"/>
+                </a:lnTo>
+                <a:lnTo>
+                  <a:pt x="f0" y="f0"/>
+                </a:lnTo>
+                <a:close/>
+              </a:path>
+            </a:pathLst>
+          </a:custGeom>
+          <a:solidFill>
+            <a:srgbClr val="FFFFFF"/>
+          </a:solidFill>
+          <a:ln w="0">
+            <a:solidFill>
+              <a:srgbClr val="ED1C24"/>
+            </a:solidFill>
+            <a:prstDash val="solid"/>
+          </a:ln>
+        </p:spPr>
+        <p:txBody>
+          <a:bodyPr wrap="none" lIns="90000" tIns="45000" rIns="90000" bIns="45000" anchor="ctr" anchorCtr="0" compatLnSpc="0">
             <a:noAutofit/>
           </a:bodyPr>
           <a:lstStyle/>
           <a:p>
-            <a:r>
-              <a:rPr lang="en-IN" sz="1600" b="1" dirty="0"/>
-              <a:t>Front-end Development</a:t>
-            </a:r>
-            <a:r>
-              <a:rPr lang="en-IN" sz="1600" b="1" dirty="0" smtClean="0"/>
-              <a:t>:</a:t>
-            </a:r>
-            <a:endParaRPr lang="en-IN" sz="1600" b="1" dirty="0"/>
-          </a:p>
-          <a:p>
-            <a:pPr lvl="1"/>
-            <a:r>
-              <a:rPr lang="en-US" sz="1600" dirty="0"/>
-              <a:t>React.js for building the user interface</a:t>
-            </a:r>
-          </a:p>
-          <a:p>
-            <a:pPr lvl="1"/>
-            <a:r>
-              <a:rPr lang="en-US" sz="1600" dirty="0"/>
-              <a:t>HTML, CSS, and JavaScript for designing the UI and handling user </a:t>
-            </a:r>
-            <a:r>
-              <a:rPr lang="en-US" sz="1600" dirty="0" smtClean="0"/>
-              <a:t>interactions</a:t>
-            </a:r>
-            <a:endParaRPr lang="en-IN" sz="1600" b="1" dirty="0" smtClean="0"/>
-          </a:p>
-          <a:p>
-            <a:r>
-              <a:rPr lang="en-US" sz="1600" b="1" dirty="0" smtClean="0"/>
-              <a:t>Back-end Development:</a:t>
-            </a:r>
-          </a:p>
-          <a:p>
-            <a:pPr lvl="1"/>
-            <a:r>
-              <a:rPr lang="en-US" sz="1600" dirty="0"/>
-              <a:t>Spring Boot </a:t>
-            </a:r>
-            <a:r>
-              <a:rPr lang="en-US" sz="1600" dirty="0" smtClean="0"/>
-              <a:t>for </a:t>
-            </a:r>
-            <a:r>
-              <a:rPr lang="en-US" sz="1600" dirty="0"/>
-              <a:t>building the back-end </a:t>
-            </a:r>
-            <a:r>
-              <a:rPr lang="en-US" sz="1600" dirty="0" smtClean="0"/>
-              <a:t>server</a:t>
-            </a:r>
-          </a:p>
-          <a:p>
-            <a:pPr lvl="1"/>
-            <a:r>
-              <a:rPr lang="en-US" sz="1600" dirty="0"/>
-              <a:t>Java or Python for implementing the parsing algorithm or code generation </a:t>
-            </a:r>
-            <a:r>
-              <a:rPr lang="en-US" sz="1600" dirty="0" smtClean="0"/>
-              <a:t>library</a:t>
-            </a:r>
-            <a:endParaRPr lang="en-US" sz="1600" b="1" dirty="0" smtClean="0"/>
-          </a:p>
-          <a:p>
-            <a:r>
-              <a:rPr lang="en-IN" sz="1600" b="1" dirty="0"/>
-              <a:t>Database</a:t>
-            </a:r>
-            <a:r>
-              <a:rPr lang="en-IN" sz="1600" b="1" dirty="0" smtClean="0"/>
-              <a:t>:</a:t>
-            </a:r>
-          </a:p>
-          <a:p>
-            <a:pPr lvl="1"/>
-            <a:r>
-              <a:rPr lang="en-US" sz="1600" dirty="0"/>
-              <a:t>MySQL or MongoDB for storing the generated code or user </a:t>
-            </a:r>
-            <a:r>
-              <a:rPr lang="en-US" sz="1600" dirty="0" smtClean="0"/>
-              <a:t>data</a:t>
-            </a:r>
-          </a:p>
-          <a:p>
-            <a:r>
-              <a:rPr lang="en-US" sz="1600" b="1" dirty="0" smtClean="0"/>
-              <a:t>Software</a:t>
-            </a:r>
-            <a:r>
-              <a:rPr lang="en-US" sz="1600" dirty="0" smtClean="0"/>
-              <a:t>: </a:t>
-            </a:r>
-            <a:r>
-              <a:rPr lang="en-IN" sz="1600" dirty="0" smtClean="0">
-                <a:ea typeface="Times New Roman"/>
-                <a:cs typeface="Times New Roman"/>
-                <a:sym typeface="Times New Roman"/>
+            <a:pPr marL="0" marR="0" lvl="0" indent="0" hangingPunct="1">
+              <a:lnSpc>
+                <a:spcPct val="100000"/>
+              </a:lnSpc>
+              <a:spcBef>
+                <a:spcPts val="0"/>
+              </a:spcBef>
+              <a:spcAft>
+                <a:spcPts val="0"/>
+              </a:spcAft>
+              <a:buNone/>
+              <a:tabLst/>
+            </a:pPr>
+            <a:endParaRPr lang="en-IN" sz="1800" b="0" i="0" u="none" strike="noStrike" kern="1200" cap="none">
+              <a:ln>
+                <a:noFill/>
+              </a:ln>
+              <a:latin typeface="Source Sans Pro" pitchFamily="34"/>
+              <a:ea typeface="DejaVu Sans" pitchFamily="2"/>
+              <a:cs typeface="DejaVu Sans" pitchFamily="2"/>
+            </a:endParaRPr>
+          </a:p>
+        </p:txBody>
+      </p:sp>
+      <p:sp>
+        <p:nvSpPr>
+          <p:cNvPr id="5" name="Title 2"/>
+          <p:cNvSpPr txBox="1">
+            <a:spLocks/>
+          </p:cNvSpPr>
+          <p:nvPr/>
+        </p:nvSpPr>
+        <p:spPr>
+          <a:xfrm>
+            <a:off x="2113968" y="740119"/>
+            <a:ext cx="7200000" cy="720000"/>
+          </a:xfrm>
+          <a:prstGeom prst="rect">
+            <a:avLst/>
+          </a:prstGeom>
+          <a:effectLst/>
+        </p:spPr>
+        <p:txBody>
+          <a:bodyPr vert="horz" lIns="91440" tIns="45720" rIns="91440" bIns="45720" rtlCol="0" anchor="ctr">
+            <a:normAutofit lnSpcReduction="10000"/>
+          </a:bodyPr>
+          <a:lstStyle>
+            <a:lvl1pPr algn="ctr" defTabSz="457200" rtl="0" eaLnBrk="1" latinLnBrk="0" hangingPunct="1">
+              <a:spcBef>
+                <a:spcPct val="0"/>
+              </a:spcBef>
+              <a:buNone/>
+              <a:defRPr sz="4400" kern="1200" cap="none">
+                <a:ln w="3175" cmpd="sng">
+                  <a:noFill/>
+                </a:ln>
+                <a:solidFill>
+                  <a:schemeClr val="tx1">
+                    <a:lumMod val="85000"/>
+                    <a:lumOff val="15000"/>
+                  </a:schemeClr>
+                </a:solidFill>
+                <a:effectLst/>
+                <a:latin typeface="+mj-lt"/>
+                <a:ea typeface="+mj-ea"/>
+                <a:cs typeface="+mj-cs"/>
+              </a:defRPr>
+            </a:lvl1pPr>
+            <a:lvl2pPr eaLnBrk="1" hangingPunct="1">
+              <a:defRPr>
+                <a:solidFill>
+                  <a:schemeClr val="tx2"/>
+                </a:solidFill>
+              </a:defRPr>
+            </a:lvl2pPr>
+            <a:lvl3pPr eaLnBrk="1" hangingPunct="1">
+              <a:defRPr>
+                <a:solidFill>
+                  <a:schemeClr val="tx2"/>
+                </a:solidFill>
+              </a:defRPr>
+            </a:lvl3pPr>
+            <a:lvl4pPr eaLnBrk="1" hangingPunct="1">
+              <a:defRPr>
+                <a:solidFill>
+                  <a:schemeClr val="tx2"/>
+                </a:solidFill>
+              </a:defRPr>
+            </a:lvl4pPr>
+            <a:lvl5pPr eaLnBrk="1" hangingPunct="1">
+              <a:defRPr>
+                <a:solidFill>
+                  <a:schemeClr val="tx2"/>
+                </a:solidFill>
+              </a:defRPr>
+            </a:lvl5pPr>
+            <a:lvl6pPr eaLnBrk="1" hangingPunct="1">
+              <a:defRPr>
+                <a:solidFill>
+                  <a:schemeClr val="tx2"/>
+                </a:solidFill>
+              </a:defRPr>
+            </a:lvl6pPr>
+            <a:lvl7pPr eaLnBrk="1" hangingPunct="1">
+              <a:defRPr>
+                <a:solidFill>
+                  <a:schemeClr val="tx2"/>
+                </a:solidFill>
+              </a:defRPr>
+            </a:lvl7pPr>
+            <a:lvl8pPr eaLnBrk="1" hangingPunct="1">
+              <a:defRPr>
+                <a:solidFill>
+                  <a:schemeClr val="tx2"/>
+                </a:solidFill>
+              </a:defRPr>
+            </a:lvl8pPr>
+            <a:lvl9pPr eaLnBrk="1" hangingPunct="1">
+              <a:defRPr>
+                <a:solidFill>
+                  <a:schemeClr val="tx2"/>
+                </a:solidFill>
+              </a:defRPr>
+            </a:lvl9pPr>
+          </a:lstStyle>
+          <a:p>
+            <a:r>
+              <a:rPr lang="en-IN" smtClean="0"/>
+              <a:t>What Next?</a:t>
+            </a:r>
+            <a:endParaRPr lang="en-IN"/>
+          </a:p>
+        </p:txBody>
+      </p:sp>
+      <p:sp>
+        <p:nvSpPr>
+          <p:cNvPr id="6" name="Text Placeholder 3"/>
+          <p:cNvSpPr txBox="1">
+            <a:spLocks/>
+          </p:cNvSpPr>
+          <p:nvPr/>
+        </p:nvSpPr>
+        <p:spPr>
+          <a:xfrm>
+            <a:off x="2113968" y="1964119"/>
+            <a:ext cx="9072000" cy="4384440"/>
+          </a:xfrm>
+          <a:prstGeom prst="rect">
+            <a:avLst/>
+          </a:prstGeom>
+        </p:spPr>
+        <p:txBody>
+          <a:bodyPr vert="horz" lIns="91440" tIns="45720" rIns="91440" bIns="45720" rtlCol="0" anchor="t">
+            <a:normAutofit/>
+          </a:bodyPr>
+          <a:lstStyle>
+            <a:lvl1pPr marL="285750" indent="-285750" algn="l" defTabSz="457200" rtl="0" eaLnBrk="1" latinLnBrk="0" hangingPunct="1">
+              <a:spcBef>
+                <a:spcPct val="20000"/>
+              </a:spcBef>
+              <a:spcAft>
+                <a:spcPts val="600"/>
+              </a:spcAft>
+              <a:buClr>
+                <a:schemeClr val="accent1"/>
+              </a:buClr>
+              <a:buSzPct val="115000"/>
+              <a:buFont typeface="Arial"/>
+              <a:buChar char="•"/>
+              <a:defRPr sz="2400" kern="1200" cap="none">
+                <a:solidFill>
+                  <a:schemeClr val="tx1">
+                    <a:lumMod val="85000"/>
+                    <a:lumOff val="15000"/>
+                  </a:schemeClr>
+                </a:solidFill>
+                <a:effectLst/>
+                <a:latin typeface="+mn-lt"/>
+                <a:ea typeface="+mn-ea"/>
+                <a:cs typeface="+mn-cs"/>
+              </a:defRPr>
+            </a:lvl1pPr>
+            <a:lvl2pPr marL="742950" indent="-285750" algn="l" defTabSz="457200" rtl="0" eaLnBrk="1" latinLnBrk="0" hangingPunct="1">
+              <a:spcBef>
+                <a:spcPct val="20000"/>
+              </a:spcBef>
+              <a:spcAft>
+                <a:spcPts val="600"/>
+              </a:spcAft>
+              <a:buClr>
+                <a:schemeClr val="accent1"/>
+              </a:buClr>
+              <a:buSzPct val="115000"/>
+              <a:buFont typeface="Arial"/>
+              <a:buChar char="•"/>
+              <a:defRPr sz="2000" kern="1200" cap="none">
+                <a:solidFill>
+                  <a:schemeClr val="tx1">
+                    <a:lumMod val="85000"/>
+                    <a:lumOff val="15000"/>
+                  </a:schemeClr>
+                </a:solidFill>
+                <a:effectLst/>
+                <a:latin typeface="+mn-lt"/>
+                <a:ea typeface="+mn-ea"/>
+                <a:cs typeface="+mn-cs"/>
+              </a:defRPr>
+            </a:lvl2pPr>
+            <a:lvl3pPr marL="1200150" indent="-285750" algn="l" defTabSz="457200" rtl="0" eaLnBrk="1" latinLnBrk="0" hangingPunct="1">
+              <a:spcBef>
+                <a:spcPct val="20000"/>
+              </a:spcBef>
+              <a:spcAft>
+                <a:spcPts val="600"/>
+              </a:spcAft>
+              <a:buClr>
+                <a:schemeClr val="accent1"/>
+              </a:buClr>
+              <a:buSzPct val="115000"/>
+              <a:buFont typeface="Arial"/>
+              <a:buChar char="•"/>
+              <a:defRPr sz="1800" kern="1200" cap="none">
+                <a:solidFill>
+                  <a:schemeClr val="tx1">
+                    <a:lumMod val="85000"/>
+                    <a:lumOff val="15000"/>
+                  </a:schemeClr>
+                </a:solidFill>
+                <a:effectLst/>
+                <a:latin typeface="+mn-lt"/>
+                <a:ea typeface="+mn-ea"/>
+                <a:cs typeface="+mn-cs"/>
+              </a:defRPr>
+            </a:lvl3pPr>
+            <a:lvl4pPr marL="1543050" indent="-171450" algn="l" defTabSz="457200" rtl="0" eaLnBrk="1" latinLnBrk="0" hangingPunct="1">
+              <a:spcBef>
+                <a:spcPct val="20000"/>
+              </a:spcBef>
+              <a:spcAft>
+                <a:spcPts val="600"/>
+              </a:spcAft>
+              <a:buClr>
+                <a:schemeClr val="accent1"/>
+              </a:buClr>
+              <a:buSzPct val="115000"/>
+              <a:buFont typeface="Arial"/>
+              <a:buChar char="•"/>
+              <a:defRPr sz="1600" kern="1200" cap="none">
+                <a:solidFill>
+                  <a:schemeClr val="tx1">
+                    <a:lumMod val="85000"/>
+                    <a:lumOff val="15000"/>
+                  </a:schemeClr>
+                </a:solidFill>
+                <a:effectLst/>
+                <a:latin typeface="+mn-lt"/>
+                <a:ea typeface="+mn-ea"/>
+                <a:cs typeface="+mn-cs"/>
+              </a:defRPr>
+            </a:lvl4pPr>
+            <a:lvl5pPr marL="2000250" indent="-171450" algn="l" defTabSz="457200" rtl="0" eaLnBrk="1" latinLnBrk="0" hangingPunct="1">
+              <a:spcBef>
+                <a:spcPct val="20000"/>
+              </a:spcBef>
+              <a:spcAft>
+                <a:spcPts val="600"/>
+              </a:spcAft>
+              <a:buClr>
+                <a:schemeClr val="accent1"/>
+              </a:buClr>
+              <a:buSzPct val="115000"/>
+              <a:buFont typeface="Arial"/>
+              <a:buChar char="•"/>
+              <a:defRPr sz="1400" kern="1200" cap="none">
+                <a:solidFill>
+                  <a:schemeClr val="tx1">
+                    <a:lumMod val="85000"/>
+                    <a:lumOff val="15000"/>
+                  </a:schemeClr>
+                </a:solidFill>
+                <a:effectLst/>
+                <a:latin typeface="+mn-lt"/>
+                <a:ea typeface="+mn-ea"/>
+                <a:cs typeface="+mn-cs"/>
+              </a:defRPr>
+            </a:lvl5pPr>
+            <a:lvl6pPr marL="2514600" indent="-228600" algn="l" defTabSz="457200" rtl="0" eaLnBrk="1" latinLnBrk="0" hangingPunct="1">
+              <a:spcBef>
+                <a:spcPct val="20000"/>
+              </a:spcBef>
+              <a:spcAft>
+                <a:spcPts val="600"/>
+              </a:spcAft>
+              <a:buClr>
+                <a:schemeClr val="accent1"/>
+              </a:buClr>
+              <a:buSzPct val="115000"/>
+              <a:buFont typeface="Arial"/>
+              <a:buChar char="•"/>
+              <a:defRPr sz="1400" kern="1200" cap="none">
+                <a:solidFill>
+                  <a:schemeClr val="tx1">
+                    <a:lumMod val="85000"/>
+                    <a:lumOff val="15000"/>
+                  </a:schemeClr>
+                </a:solidFill>
+                <a:effectLst/>
+                <a:latin typeface="+mn-lt"/>
+                <a:ea typeface="+mn-ea"/>
+                <a:cs typeface="+mn-cs"/>
+              </a:defRPr>
+            </a:lvl6pPr>
+            <a:lvl7pPr marL="2971800" indent="-228600" algn="l" defTabSz="457200" rtl="0" eaLnBrk="1" latinLnBrk="0" hangingPunct="1">
+              <a:spcBef>
+                <a:spcPct val="20000"/>
+              </a:spcBef>
+              <a:spcAft>
+                <a:spcPts val="600"/>
+              </a:spcAft>
+              <a:buClr>
+                <a:schemeClr val="accent1"/>
+              </a:buClr>
+              <a:buSzPct val="115000"/>
+              <a:buFont typeface="Arial"/>
+              <a:buChar char="•"/>
+              <a:defRPr sz="1400" kern="1200" cap="none">
+                <a:solidFill>
+                  <a:schemeClr val="tx1">
+                    <a:lumMod val="85000"/>
+                    <a:lumOff val="15000"/>
+                  </a:schemeClr>
+                </a:solidFill>
+                <a:effectLst/>
+                <a:latin typeface="+mn-lt"/>
+                <a:ea typeface="+mn-ea"/>
+                <a:cs typeface="+mn-cs"/>
+              </a:defRPr>
+            </a:lvl7pPr>
+            <a:lvl8pPr marL="3429000" indent="-228600" algn="l" defTabSz="457200" rtl="0" eaLnBrk="1" latinLnBrk="0" hangingPunct="1">
+              <a:spcBef>
+                <a:spcPct val="20000"/>
+              </a:spcBef>
+              <a:spcAft>
+                <a:spcPts val="600"/>
+              </a:spcAft>
+              <a:buClr>
+                <a:schemeClr val="accent1"/>
+              </a:buClr>
+              <a:buSzPct val="115000"/>
+              <a:buFont typeface="Arial"/>
+              <a:buChar char="•"/>
+              <a:defRPr sz="1400" kern="1200" cap="none">
+                <a:solidFill>
+                  <a:schemeClr val="tx1">
+                    <a:lumMod val="85000"/>
+                    <a:lumOff val="15000"/>
+                  </a:schemeClr>
+                </a:solidFill>
+                <a:effectLst/>
+                <a:latin typeface="+mn-lt"/>
+                <a:ea typeface="+mn-ea"/>
+                <a:cs typeface="+mn-cs"/>
+              </a:defRPr>
+            </a:lvl8pPr>
+            <a:lvl9pPr marL="3886200" indent="-228600" algn="l" defTabSz="457200" rtl="0" eaLnBrk="1" latinLnBrk="0" hangingPunct="1">
+              <a:spcBef>
+                <a:spcPct val="20000"/>
+              </a:spcBef>
+              <a:spcAft>
+                <a:spcPts val="600"/>
+              </a:spcAft>
+              <a:buClr>
+                <a:schemeClr val="accent1"/>
+              </a:buClr>
+              <a:buSzPct val="115000"/>
+              <a:buFont typeface="Arial"/>
+              <a:buChar char="•"/>
+              <a:defRPr sz="1400" kern="1200" cap="none">
+                <a:solidFill>
+                  <a:schemeClr val="tx1">
+                    <a:lumMod val="85000"/>
+                    <a:lumOff val="15000"/>
+                  </a:schemeClr>
+                </a:solidFill>
+                <a:effectLst/>
+                <a:latin typeface="+mn-lt"/>
+                <a:ea typeface="+mn-ea"/>
+                <a:cs typeface="+mn-cs"/>
+              </a:defRPr>
+            </a:lvl9pPr>
+          </a:lstStyle>
+          <a:p>
+            <a:pPr>
+              <a:buClr>
+                <a:srgbClr val="99CC66"/>
+              </a:buClr>
+              <a:buSzPct val="45000"/>
+              <a:buFont typeface="StarSymbol"/>
+              <a:buChar char="●"/>
+            </a:pPr>
+            <a:r>
+              <a:rPr lang="en-IN" smtClean="0"/>
+              <a:t>Signup</a:t>
+            </a:r>
+          </a:p>
+          <a:p>
+            <a:pPr>
+              <a:buClr>
+                <a:srgbClr val="99CC66"/>
+              </a:buClr>
+              <a:buSzPct val="45000"/>
+              <a:buFont typeface="StarSymbol"/>
+              <a:buChar char="●"/>
+            </a:pPr>
+            <a:r>
+              <a:rPr lang="en-IN" smtClean="0"/>
+              <a:t>Login</a:t>
+            </a:r>
+            <a:endParaRPr lang="en-IN"/>
+          </a:p>
+        </p:txBody>
+      </p:sp>
+      <p:sp>
+        <p:nvSpPr>
+          <p:cNvPr id="7" name="Freeform 6"/>
+          <p:cNvSpPr/>
+          <p:nvPr/>
+        </p:nvSpPr>
+        <p:spPr>
+          <a:xfrm>
+            <a:off x="4849969" y="2252119"/>
+            <a:ext cx="936000" cy="576000"/>
+          </a:xfrm>
+          <a:custGeom>
+            <a:avLst>
+              <a:gd name="f0" fmla="val 16200"/>
+              <a:gd name="f1" fmla="val 5400"/>
+            </a:avLst>
+            <a:gdLst>
+              <a:gd name="f2" fmla="val w"/>
+              <a:gd name="f3" fmla="val h"/>
+              <a:gd name="f4" fmla="val 0"/>
+              <a:gd name="f5" fmla="val 21600"/>
+              <a:gd name="f6" fmla="val 10800"/>
+              <a:gd name="f7" fmla="*/ f2 1 21600"/>
+              <a:gd name="f8" fmla="*/ f3 1 21600"/>
+              <a:gd name="f9" fmla="pin 0 f0 21600"/>
+              <a:gd name="f10" fmla="pin 0 f1 10800"/>
+              <a:gd name="f11" fmla="val f10"/>
+              <a:gd name="f12" fmla="val f9"/>
+              <a:gd name="f13" fmla="+- 21600 0 f10"/>
+              <a:gd name="f14" fmla="*/ f9 f7 1"/>
+              <a:gd name="f15" fmla="*/ f10 f8 1"/>
+              <a:gd name="f16" fmla="*/ 0 f7 1"/>
+              <a:gd name="f17" fmla="+- 21600 0 f12"/>
+              <a:gd name="f18" fmla="*/ f13 f8 1"/>
+              <a:gd name="f19" fmla="*/ f11 f8 1"/>
+              <a:gd name="f20" fmla="*/ f17 f11 1"/>
+              <a:gd name="f21" fmla="*/ f20 1 10800"/>
+              <a:gd name="f22" fmla="+- f12 f21 0"/>
+              <a:gd name="f23" fmla="*/ f22 f7 1"/>
+            </a:gdLst>
+            <a:ahLst>
+              <a:ahXY gdRefX="f0" minX="f4" maxX="f5" gdRefY="f1" minY="f4" maxY="f6">
+                <a:pos x="f14" y="f15"/>
+              </a:ahXY>
+            </a:ahLst>
+            <a:cxnLst>
+              <a:cxn ang="3cd4">
+                <a:pos x="hc" y="t"/>
+              </a:cxn>
+              <a:cxn ang="0">
+                <a:pos x="r" y="vc"/>
+              </a:cxn>
+              <a:cxn ang="cd4">
+                <a:pos x="hc" y="b"/>
+              </a:cxn>
+              <a:cxn ang="cd2">
+                <a:pos x="l" y="vc"/>
+              </a:cxn>
+            </a:cxnLst>
+            <a:rect l="f16" t="f19" r="f23" b="f18"/>
+            <a:pathLst>
+              <a:path w="21600" h="21600">
+                <a:moveTo>
+                  <a:pt x="f4" y="f11"/>
+                </a:moveTo>
+                <a:lnTo>
+                  <a:pt x="f12" y="f11"/>
+                </a:lnTo>
+                <a:lnTo>
+                  <a:pt x="f12" y="f4"/>
+                </a:lnTo>
+                <a:lnTo>
+                  <a:pt x="f5" y="f6"/>
+                </a:lnTo>
+                <a:lnTo>
+                  <a:pt x="f12" y="f5"/>
+                </a:lnTo>
+                <a:lnTo>
+                  <a:pt x="f12" y="f13"/>
+                </a:lnTo>
+                <a:lnTo>
+                  <a:pt x="f4" y="f13"/>
+                </a:lnTo>
+                <a:close/>
+              </a:path>
+            </a:pathLst>
+          </a:custGeom>
+          <a:solidFill>
+            <a:srgbClr val="729FCF"/>
+          </a:solidFill>
+          <a:ln w="0">
+            <a:solidFill>
+              <a:srgbClr val="3465A4"/>
+            </a:solidFill>
+            <a:prstDash val="solid"/>
+          </a:ln>
+        </p:spPr>
+        <p:txBody>
+          <a:bodyPr wrap="none" lIns="90000" tIns="45000" rIns="90000" bIns="45000" anchor="ctr" anchorCtr="0" compatLnSpc="0">
+            <a:noAutofit/>
+          </a:bodyPr>
+          <a:lstStyle/>
+          <a:p>
+            <a:pPr marL="0" marR="0" lvl="0" indent="0" hangingPunct="1">
+              <a:lnSpc>
+                <a:spcPct val="100000"/>
+              </a:lnSpc>
+              <a:spcBef>
+                <a:spcPts val="0"/>
+              </a:spcBef>
+              <a:spcAft>
+                <a:spcPts val="0"/>
+              </a:spcAft>
+              <a:buNone/>
+              <a:tabLst/>
+            </a:pPr>
+            <a:endParaRPr lang="en-IN" sz="1800" b="0" i="0" u="none" strike="noStrike" kern="1200" cap="none">
+              <a:ln>
+                <a:noFill/>
+              </a:ln>
+              <a:latin typeface="Source Sans Pro" pitchFamily="34"/>
+              <a:ea typeface="DejaVu Sans" pitchFamily="2"/>
+              <a:cs typeface="DejaVu Sans" pitchFamily="2"/>
+            </a:endParaRPr>
+          </a:p>
+        </p:txBody>
+      </p:sp>
+      <p:sp>
+        <p:nvSpPr>
+          <p:cNvPr id="8" name="TextBox 7"/>
+          <p:cNvSpPr txBox="1"/>
+          <p:nvPr/>
+        </p:nvSpPr>
+        <p:spPr>
+          <a:xfrm>
+            <a:off x="6145969" y="2324119"/>
+            <a:ext cx="2664000" cy="648000"/>
+          </a:xfrm>
+          <a:prstGeom prst="rect">
+            <a:avLst/>
+          </a:prstGeom>
+          <a:noFill/>
+          <a:ln>
+            <a:noFill/>
+          </a:ln>
+        </p:spPr>
+        <p:txBody>
+          <a:bodyPr wrap="none" lIns="90000" tIns="45000" rIns="90000" bIns="45000" anchorCtr="0" compatLnSpc="0"/>
+          <a:lstStyle/>
+          <a:p>
+            <a:pPr marL="0" marR="0" lvl="0" indent="0" hangingPunct="1">
+              <a:lnSpc>
+                <a:spcPct val="100000"/>
+              </a:lnSpc>
+              <a:spcBef>
+                <a:spcPts val="0"/>
+              </a:spcBef>
+              <a:spcAft>
+                <a:spcPts val="0"/>
+              </a:spcAft>
+              <a:buNone/>
+              <a:tabLst/>
+            </a:pPr>
+            <a:r>
+              <a:rPr lang="en-IN" sz="1800" b="0" i="0" u="none" strike="noStrike" kern="1200" cap="none">
+                <a:ln>
+                  <a:noFill/>
+                </a:ln>
+                <a:latin typeface="Source Sans Pro" pitchFamily="34"/>
+                <a:ea typeface="DejaVu Sans" pitchFamily="2"/>
+                <a:cs typeface="DejaVu Sans" pitchFamily="2"/>
               </a:rPr>
-              <a:t>SPRING SUITE 4 and Visual Studio Code</a:t>
-            </a:r>
-          </a:p>
-          <a:p>
-            <a:r>
-              <a:rPr lang="en-US" sz="1600" b="1" dirty="0" smtClean="0">
-                <a:cs typeface="Times New Roman"/>
-                <a:sym typeface="Times New Roman"/>
+              <a:t>Generate JWT token</a:t>
+            </a:r>
+          </a:p>
+        </p:txBody>
+      </p:sp>
+      <p:sp>
+        <p:nvSpPr>
+          <p:cNvPr id="9" name="TextBox 8"/>
+          <p:cNvSpPr txBox="1"/>
+          <p:nvPr/>
+        </p:nvSpPr>
+        <p:spPr>
+          <a:xfrm>
+            <a:off x="2113968" y="4124119"/>
+            <a:ext cx="2232000" cy="738359"/>
+          </a:xfrm>
+          <a:prstGeom prst="rect">
+            <a:avLst/>
+          </a:prstGeom>
+          <a:noFill/>
+          <a:ln>
+            <a:noFill/>
+          </a:ln>
+        </p:spPr>
+        <p:txBody>
+          <a:bodyPr wrap="none" lIns="0" tIns="0" rIns="0" bIns="0" anchorCtr="0" compatLnSpc="0"/>
+          <a:lstStyle/>
+          <a:p>
+            <a:pPr marL="0" marR="0" lvl="0" indent="0" hangingPunct="0">
+              <a:lnSpc>
+                <a:spcPct val="100000"/>
+              </a:lnSpc>
+              <a:spcBef>
+                <a:spcPts val="0"/>
+              </a:spcBef>
+              <a:spcAft>
+                <a:spcPts val="1417"/>
+              </a:spcAft>
+              <a:buClr>
+                <a:srgbClr val="99CC66"/>
+              </a:buClr>
+              <a:buSzPct val="45000"/>
+              <a:buFont typeface="StarSymbol"/>
+              <a:buChar char="●"/>
+              <a:tabLst/>
+            </a:pPr>
+            <a:r>
+              <a:rPr lang="en-IN" sz="2600" b="0" i="0" u="none" strike="noStrike" kern="1200" cap="none" dirty="0" smtClean="0">
+                <a:ln>
+                  <a:noFill/>
+                </a:ln>
+                <a:latin typeface="Liberation Sans" pitchFamily="34"/>
+                <a:ea typeface="DejaVu Sans" pitchFamily="2"/>
+                <a:cs typeface="DejaVu Sans" pitchFamily="2"/>
               </a:rPr>
-              <a:t>Hardware : </a:t>
-            </a:r>
-            <a:r>
-              <a:rPr lang="en-US" sz="1600" dirty="0" smtClean="0">
-                <a:cs typeface="Times New Roman"/>
-                <a:sym typeface="Times New Roman"/>
+              <a:t> Other </a:t>
+            </a:r>
+            <a:r>
+              <a:rPr lang="en-IN" sz="2600" b="0" i="0" u="none" strike="noStrike" kern="1200" cap="none" dirty="0">
+                <a:ln>
+                  <a:noFill/>
+                </a:ln>
+                <a:latin typeface="Liberation Sans" pitchFamily="34"/>
+                <a:ea typeface="DejaVu Sans" pitchFamily="2"/>
+                <a:cs typeface="DejaVu Sans" pitchFamily="2"/>
               </a:rPr>
-              <a:t>500 GB SSD, i5 Processor</a:t>
-            </a:r>
-            <a:endParaRPr lang="en-US" sz="1600" b="1" dirty="0" smtClean="0"/>
-          </a:p>
-          <a:p>
-            <a:pPr lvl="1"/>
-            <a:endParaRPr lang="en-US" sz="1600" b="1" dirty="0"/>
-          </a:p>
-          <a:p>
-            <a:pPr lvl="1"/>
-            <a:endParaRPr lang="en-US" sz="1600" dirty="0" smtClean="0"/>
-          </a:p>
-          <a:p>
-            <a:pPr lvl="1"/>
-            <a:endParaRPr lang="en-IN" sz="1600" b="1" dirty="0"/>
-          </a:p>
-        </p:txBody>
-      </p:sp>
-      <p:sp>
-        <p:nvSpPr>
-          <p:cNvPr id="4" name="Footer Placeholder 3"/>
-          <p:cNvSpPr>
-            <a:spLocks noGrp="1"/>
-          </p:cNvSpPr>
-          <p:nvPr>
-            <p:ph type="ftr" sz="quarter" idx="11"/>
-          </p:nvPr>
-        </p:nvSpPr>
-        <p:spPr/>
-        <p:txBody>
-          <a:bodyPr/>
+              <a:t>API’s</a:t>
+            </a:r>
+          </a:p>
+        </p:txBody>
+      </p:sp>
+      <p:sp>
+        <p:nvSpPr>
+          <p:cNvPr id="10" name="Freeform 9"/>
+          <p:cNvSpPr/>
+          <p:nvPr/>
+        </p:nvSpPr>
+        <p:spPr>
+          <a:xfrm>
+            <a:off x="4813969" y="3980119"/>
+            <a:ext cx="936000" cy="576000"/>
+          </a:xfrm>
+          <a:custGeom>
+            <a:avLst>
+              <a:gd name="f0" fmla="val 16200"/>
+              <a:gd name="f1" fmla="val 5400"/>
+            </a:avLst>
+            <a:gdLst>
+              <a:gd name="f2" fmla="val w"/>
+              <a:gd name="f3" fmla="val h"/>
+              <a:gd name="f4" fmla="val 0"/>
+              <a:gd name="f5" fmla="val 21600"/>
+              <a:gd name="f6" fmla="val 10800"/>
+              <a:gd name="f7" fmla="*/ f2 1 21600"/>
+              <a:gd name="f8" fmla="*/ f3 1 21600"/>
+              <a:gd name="f9" fmla="pin 0 f0 21600"/>
+              <a:gd name="f10" fmla="pin 0 f1 10800"/>
+              <a:gd name="f11" fmla="val f10"/>
+              <a:gd name="f12" fmla="val f9"/>
+              <a:gd name="f13" fmla="+- 21600 0 f10"/>
+              <a:gd name="f14" fmla="*/ f9 f7 1"/>
+              <a:gd name="f15" fmla="*/ f10 f8 1"/>
+              <a:gd name="f16" fmla="*/ 0 f7 1"/>
+              <a:gd name="f17" fmla="+- 21600 0 f12"/>
+              <a:gd name="f18" fmla="*/ f13 f8 1"/>
+              <a:gd name="f19" fmla="*/ f11 f8 1"/>
+              <a:gd name="f20" fmla="*/ f17 f11 1"/>
+              <a:gd name="f21" fmla="*/ f20 1 10800"/>
+              <a:gd name="f22" fmla="+- f12 f21 0"/>
+              <a:gd name="f23" fmla="*/ f22 f7 1"/>
+            </a:gdLst>
+            <a:ahLst>
+              <a:ahXY gdRefX="f0" minX="f4" maxX="f5" gdRefY="f1" minY="f4" maxY="f6">
+                <a:pos x="f14" y="f15"/>
+              </a:ahXY>
+            </a:ahLst>
+            <a:cxnLst>
+              <a:cxn ang="3cd4">
+                <a:pos x="hc" y="t"/>
+              </a:cxn>
+              <a:cxn ang="0">
+                <a:pos x="r" y="vc"/>
+              </a:cxn>
+              <a:cxn ang="cd4">
+                <a:pos x="hc" y="b"/>
+              </a:cxn>
+              <a:cxn ang="cd2">
+                <a:pos x="l" y="vc"/>
+              </a:cxn>
+            </a:cxnLst>
+            <a:rect l="f16" t="f19" r="f23" b="f18"/>
+            <a:pathLst>
+              <a:path w="21600" h="21600">
+                <a:moveTo>
+                  <a:pt x="f4" y="f11"/>
+                </a:moveTo>
+                <a:lnTo>
+                  <a:pt x="f12" y="f11"/>
+                </a:lnTo>
+                <a:lnTo>
+                  <a:pt x="f12" y="f4"/>
+                </a:lnTo>
+                <a:lnTo>
+                  <a:pt x="f5" y="f6"/>
+                </a:lnTo>
+                <a:lnTo>
+                  <a:pt x="f12" y="f5"/>
+                </a:lnTo>
+                <a:lnTo>
+                  <a:pt x="f12" y="f13"/>
+                </a:lnTo>
+                <a:lnTo>
+                  <a:pt x="f4" y="f13"/>
+                </a:lnTo>
+                <a:close/>
+              </a:path>
+            </a:pathLst>
+          </a:custGeom>
+          <a:solidFill>
+            <a:srgbClr val="729FCF"/>
+          </a:solidFill>
+          <a:ln w="0">
+            <a:solidFill>
+              <a:srgbClr val="3465A4"/>
+            </a:solidFill>
+            <a:prstDash val="solid"/>
+          </a:ln>
+        </p:spPr>
+        <p:txBody>
+          <a:bodyPr wrap="none" lIns="90000" tIns="45000" rIns="90000" bIns="45000" anchor="ctr" anchorCtr="0" compatLnSpc="0">
+            <a:noAutofit/>
+          </a:bodyPr>
           <a:lstStyle/>
           <a:p>
-            <a:r>
-              <a:rPr lang="en-US" dirty="0" smtClean="0"/>
-              <a:t>page no:	11 </a:t>
-            </a:r>
-            <a:endParaRPr lang="en-US" dirty="0"/>
+            <a:pPr marL="0" marR="0" lvl="0" indent="0" hangingPunct="1">
+              <a:lnSpc>
+                <a:spcPct val="100000"/>
+              </a:lnSpc>
+              <a:spcBef>
+                <a:spcPts val="0"/>
+              </a:spcBef>
+              <a:spcAft>
+                <a:spcPts val="0"/>
+              </a:spcAft>
+              <a:buNone/>
+              <a:tabLst/>
+            </a:pPr>
+            <a:endParaRPr lang="en-IN" sz="1800" b="0" i="0" u="none" strike="noStrike" kern="1200" cap="none">
+              <a:ln>
+                <a:noFill/>
+              </a:ln>
+              <a:latin typeface="Source Sans Pro" pitchFamily="34"/>
+              <a:ea typeface="DejaVu Sans" pitchFamily="2"/>
+              <a:cs typeface="DejaVu Sans" pitchFamily="2"/>
+            </a:endParaRPr>
+          </a:p>
+        </p:txBody>
+      </p:sp>
+      <p:sp>
+        <p:nvSpPr>
+          <p:cNvPr id="11" name="TextBox 10"/>
+          <p:cNvSpPr txBox="1"/>
+          <p:nvPr/>
+        </p:nvSpPr>
+        <p:spPr>
+          <a:xfrm>
+            <a:off x="6145969" y="4088119"/>
+            <a:ext cx="2664000" cy="648000"/>
+          </a:xfrm>
+          <a:prstGeom prst="rect">
+            <a:avLst/>
+          </a:prstGeom>
+          <a:noFill/>
+          <a:ln>
+            <a:noFill/>
+          </a:ln>
+        </p:spPr>
+        <p:txBody>
+          <a:bodyPr wrap="none" lIns="90000" tIns="45000" rIns="90000" bIns="45000" anchorCtr="0" compatLnSpc="0"/>
+          <a:lstStyle/>
+          <a:p>
+            <a:pPr marL="0" marR="0" lvl="0" indent="0" hangingPunct="1">
+              <a:lnSpc>
+                <a:spcPct val="100000"/>
+              </a:lnSpc>
+              <a:spcBef>
+                <a:spcPts val="0"/>
+              </a:spcBef>
+              <a:spcAft>
+                <a:spcPts val="0"/>
+              </a:spcAft>
+              <a:buNone/>
+              <a:tabLst/>
+            </a:pPr>
+            <a:r>
+              <a:rPr lang="en-IN" sz="1800" b="0" i="0" u="none" strike="noStrike" kern="1200" cap="none">
+                <a:ln>
+                  <a:noFill/>
+                </a:ln>
+                <a:latin typeface="Source Sans Pro" pitchFamily="34"/>
+                <a:ea typeface="DejaVu Sans" pitchFamily="2"/>
+                <a:cs typeface="DejaVu Sans" pitchFamily="2"/>
+              </a:rPr>
+              <a:t>Validate JWT token</a:t>
+            </a:r>
           </a:p>
         </p:txBody>
       </p:sp>
     </p:spTree>
     <p:extLst>
       <p:ext uri="{BB962C8B-B14F-4D97-AF65-F5344CB8AC3E}">
-        <p14:creationId xmlns:p14="http://schemas.microsoft.com/office/powerpoint/2010/main" val="3504663236"/>
+        <p14:creationId xmlns:p14="http://schemas.microsoft.com/office/powerpoint/2010/main" val="3768780078"/>
       </p:ext>
     </p:extLst>
   </p:cSld>
@@ -7174,7 +8273,75 @@
   <p:timing>
     <p:tnLst>
       <p:par>
-        <p:cTn id="1" dur="indefinite" restart="never" nodeType="tmRoot"/>
+        <p:cTn id="1" dur="indefinite" restart="never" nodeType="tmRoot">
+          <p:childTnLst>
+            <p:seq concurrent="1" nextAc="seek">
+              <p:cTn id="2" dur="indefinite" nodeType="mainSeq">
+                <p:childTnLst>
+                  <p:par>
+                    <p:cTn id="3" fill="hold">
+                      <p:stCondLst>
+                        <p:cond delay="indefinite"/>
+                      </p:stCondLst>
+                      <p:childTnLst>
+                        <p:par>
+                          <p:cTn id="4" fill="hold">
+                            <p:stCondLst>
+                              <p:cond delay="0"/>
+                            </p:stCondLst>
+                            <p:childTnLst>
+                              <p:par>
+                                <p:cTn id="5" presetClass="entr" fill="hold" nodeType="clickEffect">
+                                  <p:stCondLst>
+                                    <p:cond delay="0"/>
+                                  </p:stCondLst>
+                                  <p:childTnLst>
+                                    <p:set>
+                                      <p:cBhvr>
+                                        <p:cTn id="6" dur="1" fill="hold">
+                                          <p:stCondLst>
+                                            <p:cond delay="0"/>
+                                          </p:stCondLst>
+                                        </p:cTn>
+                                        <p:tgtEl>
+                                          <p:spTgt spid="4"/>
+                                        </p:tgtEl>
+                                        <p:attrNameLst>
+                                          <p:attrName>style.visibility</p:attrName>
+                                        </p:attrNameLst>
+                                      </p:cBhvr>
+                                      <p:to>
+                                        <p:strVal val="visible"/>
+                                      </p:to>
+                                    </p:set>
+                                  </p:childTnLst>
+                                </p:cTn>
+                              </p:par>
+                            </p:childTnLst>
+                          </p:cTn>
+                        </p:par>
+                      </p:childTnLst>
+                    </p:cTn>
+                  </p:par>
+                </p:childTnLst>
+              </p:cTn>
+              <p:prevCondLst>
+                <p:cond evt="onPrev" delay="0">
+                  <p:tgtEl>
+                    <p:sldTgt/>
+                  </p:tgtEl>
+                </p:cond>
+              </p:prevCondLst>
+              <p:nextCondLst>
+                <p:cond evt="onNext" delay="0">
+                  <p:tgtEl>
+                    <p:sldTgt/>
+                  </p:tgtEl>
+                </p:cond>
+              </p:nextCondLst>
+            </p:seq>
+          </p:childTnLst>
+        </p:cTn>
       </p:par>
     </p:tnLst>
   </p:timing>
@@ -7198,133 +8365,58 @@
           <a:chExt cx="0" cy="0"/>
         </a:xfrm>
       </p:grpSpPr>
-      <p:sp>
-        <p:nvSpPr>
-          <p:cNvPr id="2" name="Title 1"/>
-          <p:cNvSpPr>
-            <a:spLocks noGrp="1"/>
-          </p:cNvSpPr>
-          <p:nvPr>
-            <p:ph type="title"/>
-          </p:nvPr>
-        </p:nvSpPr>
-        <p:spPr/>
-        <p:txBody>
-          <a:bodyPr/>
-          <a:lstStyle/>
-          <a:p>
-            <a:pPr algn="l"/>
-            <a:r>
-              <a:rPr lang="en-US" b="1" dirty="0" smtClean="0"/>
-              <a:t>Reference</a:t>
-            </a:r>
-            <a:endParaRPr lang="en-IN" b="1" dirty="0"/>
-          </a:p>
-        </p:txBody>
-      </p:sp>
-      <p:sp>
-        <p:nvSpPr>
-          <p:cNvPr id="3" name="Content Placeholder 2"/>
-          <p:cNvSpPr>
-            <a:spLocks noGrp="1"/>
-          </p:cNvSpPr>
-          <p:nvPr>
-            <p:ph idx="1"/>
-          </p:nvPr>
-        </p:nvSpPr>
+      <p:pic>
+        <p:nvPicPr>
+          <p:cNvPr id="19" name="Picture 18"/>
+          <p:cNvPicPr>
+            <a:picLocks noChangeAspect="1"/>
+          </p:cNvPicPr>
+          <p:nvPr/>
+        </p:nvPicPr>
+        <p:blipFill>
+          <a:blip r:embed="rId2"/>
+          <a:stretch>
+            <a:fillRect/>
+          </a:stretch>
+        </p:blipFill>
         <p:spPr>
           <a:xfrm>
-            <a:off x="1295402" y="2937932"/>
-            <a:ext cx="9601196" cy="2967568"/>
+            <a:off x="937999" y="767358"/>
+            <a:ext cx="5462801" cy="5265175"/>
           </a:xfrm>
+          <a:prstGeom prst="rect">
+            <a:avLst/>
+          </a:prstGeom>
         </p:spPr>
-        <p:txBody>
-          <a:bodyPr/>
-          <a:lstStyle/>
-          <a:p>
-            <a:r>
-              <a:rPr lang="en-US" dirty="0"/>
-              <a:t>"Programming Logic and Design" by Joyce Farrell. (2015)</a:t>
-            </a:r>
-          </a:p>
-          <a:p>
-            <a:r>
-              <a:rPr lang="en-US" dirty="0"/>
-              <a:t>"Design and Analysis of Algorithms" by </a:t>
-            </a:r>
-            <a:r>
-              <a:rPr lang="en-US" dirty="0" err="1"/>
-              <a:t>Anany</a:t>
-            </a:r>
-            <a:r>
-              <a:rPr lang="en-US" dirty="0"/>
-              <a:t> Levitin. (2012</a:t>
-            </a:r>
-            <a:r>
-              <a:rPr lang="en-US" dirty="0" smtClean="0"/>
-              <a:t>)</a:t>
-            </a:r>
-          </a:p>
-          <a:p>
-            <a:r>
-              <a:rPr lang="en-US" dirty="0" smtClean="0"/>
-              <a:t>"</a:t>
-            </a:r>
-            <a:r>
-              <a:rPr lang="en-US" dirty="0"/>
-              <a:t>A Rule-Based Approach to Flowchart Generation" by </a:t>
-            </a:r>
-            <a:r>
-              <a:rPr lang="en-US" dirty="0" err="1"/>
-              <a:t>Yanhong</a:t>
-            </a:r>
-            <a:r>
-              <a:rPr lang="en-US" dirty="0"/>
-              <a:t> Zhou and Pankaj </a:t>
-            </a:r>
-            <a:r>
-              <a:rPr lang="en-US" dirty="0" err="1"/>
-              <a:t>Kamthan</a:t>
-            </a:r>
-            <a:r>
-              <a:rPr lang="en-US" dirty="0"/>
-              <a:t>. (2013</a:t>
-            </a:r>
-            <a:r>
-              <a:rPr lang="en-US" dirty="0" smtClean="0"/>
-              <a:t>)</a:t>
-            </a:r>
-            <a:endParaRPr lang="en-IN" dirty="0"/>
-          </a:p>
-        </p:txBody>
-      </p:sp>
-      <p:sp>
-        <p:nvSpPr>
-          <p:cNvPr id="4" name="Footer Placeholder 3"/>
-          <p:cNvSpPr>
-            <a:spLocks noGrp="1"/>
-          </p:cNvSpPr>
-          <p:nvPr>
-            <p:ph type="ftr" sz="quarter" idx="11"/>
-          </p:nvPr>
-        </p:nvSpPr>
-        <p:spPr/>
-        <p:txBody>
-          <a:bodyPr/>
-          <a:lstStyle/>
-          <a:p>
-            <a:r>
-              <a:rPr lang="en-US" dirty="0" smtClean="0"/>
-              <a:t>page no:	12 </a:t>
-            </a:r>
-            <a:endParaRPr lang="en-US" dirty="0"/>
-          </a:p>
-        </p:txBody>
-      </p:sp>
+      </p:pic>
+      <p:pic>
+        <p:nvPicPr>
+          <p:cNvPr id="21" name="Picture 20"/>
+          <p:cNvPicPr>
+            <a:picLocks noChangeAspect="1"/>
+          </p:cNvPicPr>
+          <p:nvPr/>
+        </p:nvPicPr>
+        <p:blipFill>
+          <a:blip r:embed="rId3"/>
+          <a:stretch>
+            <a:fillRect/>
+          </a:stretch>
+        </p:blipFill>
+        <p:spPr>
+          <a:xfrm>
+            <a:off x="6400801" y="962112"/>
+            <a:ext cx="4822092" cy="4758749"/>
+          </a:xfrm>
+          <a:prstGeom prst="rect">
+            <a:avLst/>
+          </a:prstGeom>
+        </p:spPr>
+      </p:pic>
     </p:spTree>
     <p:extLst>
       <p:ext uri="{BB962C8B-B14F-4D97-AF65-F5344CB8AC3E}">
-        <p14:creationId xmlns:p14="http://schemas.microsoft.com/office/powerpoint/2010/main" val="1472418071"/>
+        <p14:creationId xmlns:p14="http://schemas.microsoft.com/office/powerpoint/2010/main" val="178670921"/>
       </p:ext>
     </p:extLst>
   </p:cSld>
@@ -7405,7 +8497,11 @@
           <a:p>
             <a:r>
               <a:rPr lang="en-US" dirty="0" smtClean="0"/>
-              <a:t>page no: 	13</a:t>
+              <a:t>page no: 	</a:t>
+            </a:r>
+            <a:r>
+              <a:rPr lang="en-US" dirty="0" smtClean="0"/>
+              <a:t>13</a:t>
             </a:r>
             <a:endParaRPr lang="en-US" dirty="0"/>
           </a:p>
@@ -7414,7 +8510,7 @@
     </p:spTree>
     <p:extLst>
       <p:ext uri="{BB962C8B-B14F-4D97-AF65-F5344CB8AC3E}">
-        <p14:creationId xmlns:p14="http://schemas.microsoft.com/office/powerpoint/2010/main" val="940960607"/>
+        <p14:creationId xmlns:p14="http://schemas.microsoft.com/office/powerpoint/2010/main" val="694058632"/>
       </p:ext>
     </p:extLst>
   </p:cSld>
@@ -7502,51 +8598,68 @@
           <a:lstStyle/>
           <a:p>
             <a:r>
-              <a:rPr lang="en-US" sz="2000" dirty="0" smtClean="0"/>
+              <a:rPr lang="en-US" sz="1900" dirty="0"/>
+              <a:t>T</a:t>
+            </a:r>
+            <a:r>
+              <a:rPr lang="en-US" sz="1900" dirty="0" smtClean="0"/>
+              <a:t>he </a:t>
+            </a:r>
+            <a:r>
+              <a:rPr lang="en-US" sz="1900" dirty="0"/>
+              <a:t>project is to develop a student project selection and review information system</a:t>
+            </a:r>
+            <a:r>
+              <a:rPr lang="en-US" sz="1900" dirty="0" smtClean="0"/>
+              <a:t>.</a:t>
+            </a:r>
+          </a:p>
+          <a:p>
+            <a:r>
+              <a:rPr lang="en-US" sz="1900" dirty="0" smtClean="0"/>
               <a:t>The </a:t>
             </a:r>
             <a:r>
-              <a:rPr lang="en-US" sz="2000" dirty="0"/>
-              <a:t>flowchart to code converter is a web application that allows users to create flowcharts representing algorithms and generates code based on the flowchart</a:t>
-            </a:r>
-            <a:r>
-              <a:rPr lang="en-US" sz="2000" dirty="0" smtClean="0"/>
+              <a:rPr lang="en-US" sz="1900" dirty="0"/>
+              <a:t>system includes features such as task allocation, progress tracking, and communication tools.</a:t>
+            </a:r>
+          </a:p>
+          <a:p>
+            <a:r>
+              <a:rPr lang="en-US" sz="1900" dirty="0"/>
+              <a:t>The system provides a user-friendly interface for managing projects, including the ability to choose project guides and lock them for a specific </a:t>
+            </a:r>
+            <a:r>
+              <a:rPr lang="en-US" sz="1900" dirty="0" smtClean="0"/>
+              <a:t>student</a:t>
+            </a:r>
+          </a:p>
+          <a:p>
+            <a:r>
+              <a:rPr lang="en-US" sz="1900" dirty="0"/>
+              <a:t>The front-end of the system will be developed using </a:t>
+            </a:r>
+            <a:r>
+              <a:rPr lang="en-US" sz="1900" dirty="0" err="1"/>
+              <a:t>ReactJS</a:t>
+            </a:r>
+            <a:r>
+              <a:rPr lang="en-US" sz="1900" dirty="0"/>
+              <a:t>, while the back-end will be developed using Spring Boot and REST API</a:t>
+            </a:r>
+            <a:r>
+              <a:rPr lang="en-US" sz="1900" dirty="0" smtClean="0"/>
               <a:t>.</a:t>
             </a:r>
           </a:p>
           <a:p>
             <a:r>
-              <a:rPr lang="en-US" sz="2000" dirty="0"/>
-              <a:t>The application supports multiple programming languages such as Python, Java, C++, and JavaScript, and users can select the language they want to generate code in</a:t>
-            </a:r>
-            <a:r>
-              <a:rPr lang="en-US" sz="2000" dirty="0" smtClean="0"/>
-              <a:t>.</a:t>
-            </a:r>
-          </a:p>
-          <a:p>
-            <a:r>
-              <a:rPr lang="en-US" sz="2000" dirty="0"/>
-              <a:t>The application provides a user-friendly interface that allows users to easily create flowcharts using a drag-and-drop interface</a:t>
-            </a:r>
-            <a:r>
-              <a:rPr lang="en-US" sz="2000" dirty="0" smtClean="0"/>
-              <a:t>.</a:t>
-            </a:r>
-          </a:p>
-          <a:p>
-            <a:r>
-              <a:rPr lang="en-US" sz="2000" dirty="0"/>
-              <a:t>Using </a:t>
-            </a:r>
-            <a:r>
-              <a:rPr lang="en-US" sz="2000" dirty="0" err="1"/>
-              <a:t>ReactJS</a:t>
-            </a:r>
-            <a:r>
-              <a:rPr lang="en-US" sz="2000" dirty="0"/>
-              <a:t> and Spring Boot together provides a powerful combination for building a robust and scalable web application.</a:t>
-            </a:r>
+              <a:rPr lang="en-US" sz="1900" dirty="0"/>
+              <a:t>The proposed system aims to address the limitations of the existing system by providing a more automated and user-friendly platform for managing student projects.</a:t>
+            </a:r>
+          </a:p>
+          <a:p>
+            <a:endParaRPr lang="en-US" sz="1900" dirty="0"/>
           </a:p>
           <a:p>
             <a:endParaRPr lang="en-IN" sz="2000" dirty="0"/>
@@ -7583,7 +8696,7 @@
     </p:spTree>
     <p:extLst>
       <p:ext uri="{BB962C8B-B14F-4D97-AF65-F5344CB8AC3E}">
-        <p14:creationId xmlns:p14="http://schemas.microsoft.com/office/powerpoint/2010/main" val="546169856"/>
+        <p14:creationId xmlns:p14="http://schemas.microsoft.com/office/powerpoint/2010/main" val="3412345225"/>
       </p:ext>
     </p:extLst>
   </p:cSld>
@@ -7671,22 +8784,34 @@
           <a:lstStyle/>
           <a:p>
             <a:r>
-              <a:rPr lang="en-US" sz="2000" dirty="0" smtClean="0"/>
-              <a:t>The </a:t>
-            </a:r>
-            <a:r>
-              <a:rPr lang="en-US" sz="2000" dirty="0"/>
-              <a:t>goal of the flowchart to code converter is to automate the process of converting flowcharts into </a:t>
-            </a:r>
-            <a:r>
-              <a:rPr lang="en-US" sz="2000" dirty="0" smtClean="0"/>
-              <a:t>code</a:t>
-            </a:r>
-          </a:p>
-          <a:p>
-            <a:r>
-              <a:rPr lang="en-US" sz="2000" dirty="0"/>
-              <a:t>The application is designed to be user-friendly and intuitive, providing a hands-on and interactive way for students to learn and practice programming concepts.</a:t>
+              <a:rPr lang="en-US" sz="1900" dirty="0"/>
+              <a:t>In higher education institutions, managing </a:t>
+            </a:r>
+            <a:r>
+              <a:rPr lang="en-US" sz="1900" dirty="0" smtClean="0"/>
+              <a:t>student projects </a:t>
+            </a:r>
+            <a:r>
+              <a:rPr lang="en-US" sz="1900" dirty="0"/>
+              <a:t>can be a daunting task, which can lead to confusion, </a:t>
+            </a:r>
+            <a:r>
+              <a:rPr lang="en-US" sz="1900" dirty="0" smtClean="0"/>
+              <a:t>delays</a:t>
+            </a:r>
+          </a:p>
+          <a:p>
+            <a:r>
+              <a:rPr lang="en-US" sz="1900" dirty="0"/>
+              <a:t>There is a need for a more automated and user-friendly platform for managing </a:t>
+            </a:r>
+            <a:r>
+              <a:rPr lang="en-US" sz="1900" dirty="0" smtClean="0"/>
+              <a:t>student projects</a:t>
+            </a:r>
+            <a:r>
+              <a:rPr lang="en-US" sz="1900" dirty="0"/>
+              <a:t>, which can streamline the project selection and review process, increase efficiency and effectiveness, and improve the quality of project submissions.</a:t>
             </a:r>
           </a:p>
           <a:p>
@@ -7694,16 +8819,16 @@
               <a:buNone/>
             </a:pPr>
             <a:r>
-              <a:rPr lang="en-US" sz="2000" dirty="0"/>
+              <a:rPr lang="en-US" sz="1900" dirty="0"/>
               <a:t/>
             </a:r>
             <a:br>
-              <a:rPr lang="en-US" sz="2000" dirty="0"/>
+              <a:rPr lang="en-US" sz="1900" dirty="0"/>
             </a:br>
-            <a:endParaRPr lang="en-US" sz="2000" dirty="0" smtClean="0"/>
-          </a:p>
-          <a:p>
-            <a:endParaRPr lang="en-IN" sz="2000" dirty="0"/>
+            <a:endParaRPr lang="en-US" sz="1900" dirty="0" smtClean="0"/>
+          </a:p>
+          <a:p>
+            <a:endParaRPr lang="en-IN" sz="1900" dirty="0"/>
           </a:p>
         </p:txBody>
       </p:sp>
@@ -7733,7 +8858,7 @@
     </p:spTree>
     <p:extLst>
       <p:ext uri="{BB962C8B-B14F-4D97-AF65-F5344CB8AC3E}">
-        <p14:creationId xmlns:p14="http://schemas.microsoft.com/office/powerpoint/2010/main" val="447109508"/>
+        <p14:creationId xmlns:p14="http://schemas.microsoft.com/office/powerpoint/2010/main" val="1174867812"/>
       </p:ext>
     </p:extLst>
   </p:cSld>
@@ -7767,989 +8892,63 @@
           <a:chExt cx="0" cy="0"/>
         </a:xfrm>
       </p:grpSpPr>
-      <p:grpSp>
-        <p:nvGrpSpPr>
-          <p:cNvPr id="41" name="Group 40"/>
-          <p:cNvGrpSpPr/>
+      <p:sp>
+        <p:nvSpPr>
+          <p:cNvPr id="4" name="Footer Placeholder 3"/>
+          <p:cNvSpPr>
+            <a:spLocks noGrp="1"/>
+          </p:cNvSpPr>
+          <p:nvPr>
+            <p:ph type="ftr" sz="quarter" idx="11"/>
+          </p:nvPr>
+        </p:nvSpPr>
+        <p:spPr/>
+        <p:txBody>
+          <a:bodyPr/>
+          <a:lstStyle/>
+          <a:p>
+            <a:r>
+              <a:rPr lang="en-US" dirty="0" smtClean="0"/>
+              <a:t>page no: 4 </a:t>
+            </a:r>
+            <a:endParaRPr lang="en-US" dirty="0"/>
+          </a:p>
+        </p:txBody>
+      </p:sp>
+      <p:pic>
+        <p:nvPicPr>
+          <p:cNvPr id="5" name="Picture 4"/>
+          <p:cNvPicPr>
+            <a:picLocks noChangeAspect="1"/>
+          </p:cNvPicPr>
           <p:nvPr/>
-        </p:nvGrpSpPr>
-        <p:grpSpPr>
-          <a:xfrm>
-            <a:off x="1194419" y="1666567"/>
-            <a:ext cx="4048633" cy="4114800"/>
-            <a:chOff x="5323968" y="1312606"/>
-            <a:chExt cx="4432091" cy="4520382"/>
-          </a:xfrm>
-        </p:grpSpPr>
-        <p:sp>
-          <p:nvSpPr>
-            <p:cNvPr id="5" name="Oval 4"/>
-            <p:cNvSpPr/>
-            <p:nvPr/>
-          </p:nvSpPr>
-          <p:spPr>
-            <a:xfrm>
-              <a:off x="7079226" y="1312606"/>
-              <a:ext cx="1047135" cy="612059"/>
-            </a:xfrm>
-            <a:prstGeom prst="ellipse">
-              <a:avLst/>
-            </a:prstGeom>
-            <a:solidFill>
-              <a:schemeClr val="bg1"/>
-            </a:solidFill>
-            <a:ln>
-              <a:solidFill>
-                <a:srgbClr val="FF0000"/>
-              </a:solidFill>
-            </a:ln>
-          </p:spPr>
-          <p:style>
-            <a:lnRef idx="2">
-              <a:schemeClr val="accent1">
-                <a:shade val="50000"/>
-              </a:schemeClr>
-            </a:lnRef>
-            <a:fillRef idx="1">
-              <a:schemeClr val="accent1"/>
-            </a:fillRef>
-            <a:effectRef idx="0">
-              <a:schemeClr val="accent1"/>
-            </a:effectRef>
-            <a:fontRef idx="minor">
-              <a:schemeClr val="lt1"/>
-            </a:fontRef>
-          </p:style>
-          <p:txBody>
-            <a:bodyPr rtlCol="0" anchor="ctr"/>
-            <a:lstStyle/>
-            <a:p>
-              <a:pPr algn="ctr"/>
-              <a:r>
-                <a:rPr lang="en-US" dirty="0" smtClean="0">
-                  <a:solidFill>
-                    <a:schemeClr val="tx1"/>
-                  </a:solidFill>
-                </a:rPr>
-                <a:t>Start</a:t>
-              </a:r>
-              <a:endParaRPr lang="en-IN" dirty="0">
-                <a:solidFill>
-                  <a:schemeClr val="tx1"/>
-                </a:solidFill>
-              </a:endParaRPr>
-            </a:p>
-          </p:txBody>
-        </p:sp>
-        <p:sp>
-          <p:nvSpPr>
-            <p:cNvPr id="11" name="Rectangle 10"/>
-            <p:cNvSpPr/>
-            <p:nvPr/>
-          </p:nvSpPr>
-          <p:spPr>
-            <a:xfrm>
-              <a:off x="6666269" y="2300749"/>
-              <a:ext cx="1924665" cy="390832"/>
-            </a:xfrm>
-            <a:prstGeom prst="rect">
-              <a:avLst/>
-            </a:prstGeom>
-            <a:solidFill>
-              <a:schemeClr val="bg1"/>
-            </a:solidFill>
-            <a:ln>
-              <a:solidFill>
-                <a:srgbClr val="0070C0"/>
-              </a:solidFill>
-            </a:ln>
-          </p:spPr>
-          <p:style>
-            <a:lnRef idx="2">
-              <a:schemeClr val="accent1">
-                <a:shade val="50000"/>
-              </a:schemeClr>
-            </a:lnRef>
-            <a:fillRef idx="1">
-              <a:schemeClr val="accent1"/>
-            </a:fillRef>
-            <a:effectRef idx="0">
-              <a:schemeClr val="accent1"/>
-            </a:effectRef>
-            <a:fontRef idx="minor">
-              <a:schemeClr val="lt1"/>
-            </a:fontRef>
-          </p:style>
-          <p:txBody>
-            <a:bodyPr rtlCol="0" anchor="ctr"/>
-            <a:lstStyle/>
-            <a:p>
-              <a:pPr algn="ctr"/>
-              <a:r>
-                <a:rPr lang="en-US" dirty="0">
-                  <a:solidFill>
-                    <a:schemeClr val="tx1"/>
-                  </a:solidFill>
-                </a:rPr>
-                <a:t>i</a:t>
-              </a:r>
-              <a:r>
-                <a:rPr lang="en-US" dirty="0" smtClean="0">
-                  <a:solidFill>
-                    <a:schemeClr val="tx1"/>
-                  </a:solidFill>
-                </a:rPr>
-                <a:t> = 2</a:t>
-              </a:r>
-              <a:endParaRPr lang="en-IN" dirty="0">
-                <a:solidFill>
-                  <a:schemeClr val="tx1"/>
-                </a:solidFill>
-              </a:endParaRPr>
-            </a:p>
-          </p:txBody>
-        </p:sp>
-        <p:sp>
-          <p:nvSpPr>
-            <p:cNvPr id="12" name="Flowchart: Data 11"/>
-            <p:cNvSpPr/>
-            <p:nvPr/>
-          </p:nvSpPr>
-          <p:spPr>
-            <a:xfrm rot="2419069">
-              <a:off x="7121625" y="3222522"/>
-              <a:ext cx="962332" cy="744793"/>
-            </a:xfrm>
-            <a:prstGeom prst="flowChartInputOutput">
-              <a:avLst/>
-            </a:prstGeom>
-            <a:solidFill>
-              <a:schemeClr val="bg1"/>
-            </a:solidFill>
-            <a:ln>
-              <a:solidFill>
-                <a:schemeClr val="tx1"/>
-              </a:solidFill>
-            </a:ln>
-          </p:spPr>
-          <p:style>
-            <a:lnRef idx="2">
-              <a:schemeClr val="accent1">
-                <a:shade val="50000"/>
-              </a:schemeClr>
-            </a:lnRef>
-            <a:fillRef idx="1">
-              <a:schemeClr val="accent1"/>
-            </a:fillRef>
-            <a:effectRef idx="0">
-              <a:schemeClr val="accent1"/>
-            </a:effectRef>
-            <a:fontRef idx="minor">
-              <a:schemeClr val="lt1"/>
-            </a:fontRef>
-          </p:style>
-          <p:txBody>
-            <a:bodyPr rtlCol="0" anchor="ctr"/>
-            <a:lstStyle/>
-            <a:p>
-              <a:pPr algn="ctr"/>
-              <a:endParaRPr lang="en-IN" dirty="0">
-                <a:solidFill>
-                  <a:schemeClr val="tx1"/>
-                </a:solidFill>
-              </a:endParaRPr>
-            </a:p>
-          </p:txBody>
-        </p:sp>
-        <p:sp>
-          <p:nvSpPr>
-            <p:cNvPr id="14" name="Flowchart: Data 13"/>
-            <p:cNvSpPr/>
-            <p:nvPr/>
-          </p:nvSpPr>
-          <p:spPr>
-            <a:xfrm>
-              <a:off x="6647833" y="4498256"/>
-              <a:ext cx="1909916" cy="612058"/>
-            </a:xfrm>
-            <a:prstGeom prst="flowChartInputOutput">
-              <a:avLst/>
-            </a:prstGeom>
-            <a:solidFill>
-              <a:schemeClr val="bg1"/>
-            </a:solidFill>
-            <a:ln>
-              <a:solidFill>
-                <a:schemeClr val="tx1"/>
-              </a:solidFill>
-            </a:ln>
-          </p:spPr>
-          <p:style>
-            <a:lnRef idx="2">
-              <a:schemeClr val="accent1">
-                <a:shade val="50000"/>
-              </a:schemeClr>
-            </a:lnRef>
-            <a:fillRef idx="1">
-              <a:schemeClr val="accent1"/>
-            </a:fillRef>
-            <a:effectRef idx="0">
-              <a:schemeClr val="accent1"/>
-            </a:effectRef>
-            <a:fontRef idx="minor">
-              <a:schemeClr val="lt1"/>
-            </a:fontRef>
-          </p:style>
-          <p:txBody>
-            <a:bodyPr rtlCol="0" anchor="ctr"/>
-            <a:lstStyle/>
-            <a:p>
-              <a:pPr algn="ctr"/>
-              <a:endParaRPr lang="en-IN"/>
-            </a:p>
-          </p:txBody>
-        </p:sp>
-        <p:sp>
-          <p:nvSpPr>
-            <p:cNvPr id="16" name="Rectangle 15"/>
-            <p:cNvSpPr/>
-            <p:nvPr/>
-          </p:nvSpPr>
-          <p:spPr>
-            <a:xfrm>
-              <a:off x="8590935" y="3994770"/>
-              <a:ext cx="1165124" cy="390832"/>
-            </a:xfrm>
-            <a:prstGeom prst="rect">
-              <a:avLst/>
-            </a:prstGeom>
-            <a:solidFill>
-              <a:schemeClr val="bg1"/>
-            </a:solidFill>
-            <a:ln>
-              <a:solidFill>
-                <a:srgbClr val="0070C0"/>
-              </a:solidFill>
-            </a:ln>
-          </p:spPr>
-          <p:style>
-            <a:lnRef idx="2">
-              <a:schemeClr val="accent1">
-                <a:shade val="50000"/>
-              </a:schemeClr>
-            </a:lnRef>
-            <a:fillRef idx="1">
-              <a:schemeClr val="accent1"/>
-            </a:fillRef>
-            <a:effectRef idx="0">
-              <a:schemeClr val="accent1"/>
-            </a:effectRef>
-            <a:fontRef idx="minor">
-              <a:schemeClr val="lt1"/>
-            </a:fontRef>
-          </p:style>
-          <p:txBody>
-            <a:bodyPr rtlCol="0" anchor="ctr"/>
-            <a:lstStyle/>
-            <a:p>
-              <a:pPr algn="ctr"/>
-              <a:endParaRPr lang="en-IN"/>
-            </a:p>
-          </p:txBody>
-        </p:sp>
-        <p:sp>
-          <p:nvSpPr>
-            <p:cNvPr id="17" name="Oval 16"/>
-            <p:cNvSpPr/>
-            <p:nvPr/>
-          </p:nvSpPr>
-          <p:spPr>
-            <a:xfrm>
-              <a:off x="5323968" y="5220929"/>
-              <a:ext cx="1047135" cy="612059"/>
-            </a:xfrm>
-            <a:prstGeom prst="ellipse">
-              <a:avLst/>
-            </a:prstGeom>
-            <a:solidFill>
-              <a:schemeClr val="bg1"/>
-            </a:solidFill>
-            <a:ln>
-              <a:solidFill>
-                <a:srgbClr val="FF0000"/>
-              </a:solidFill>
-            </a:ln>
-          </p:spPr>
-          <p:style>
-            <a:lnRef idx="2">
-              <a:schemeClr val="accent1">
-                <a:shade val="50000"/>
-              </a:schemeClr>
-            </a:lnRef>
-            <a:fillRef idx="1">
-              <a:schemeClr val="accent1"/>
-            </a:fillRef>
-            <a:effectRef idx="0">
-              <a:schemeClr val="accent1"/>
-            </a:effectRef>
-            <a:fontRef idx="minor">
-              <a:schemeClr val="lt1"/>
-            </a:fontRef>
-          </p:style>
-          <p:txBody>
-            <a:bodyPr rtlCol="0" anchor="ctr"/>
-            <a:lstStyle/>
-            <a:p>
-              <a:pPr algn="ctr"/>
-              <a:r>
-                <a:rPr lang="en-US" dirty="0" smtClean="0">
-                  <a:solidFill>
-                    <a:schemeClr val="tx1"/>
-                  </a:solidFill>
-                </a:rPr>
-                <a:t>Stop</a:t>
-              </a:r>
-              <a:endParaRPr lang="en-IN" dirty="0">
-                <a:solidFill>
-                  <a:schemeClr val="tx1"/>
-                </a:solidFill>
-              </a:endParaRPr>
-            </a:p>
-          </p:txBody>
-        </p:sp>
-        <p:cxnSp>
-          <p:nvCxnSpPr>
-            <p:cNvPr id="18" name="Straight Arrow Connector 17"/>
-            <p:cNvCxnSpPr>
-              <a:stCxn id="5" idx="4"/>
-              <a:endCxn id="11" idx="0"/>
-            </p:cNvCxnSpPr>
-            <p:nvPr/>
-          </p:nvCxnSpPr>
-          <p:spPr>
-            <a:xfrm>
-              <a:off x="7602794" y="1924665"/>
-              <a:ext cx="25808" cy="376084"/>
-            </a:xfrm>
-            <a:prstGeom prst="straightConnector1">
-              <a:avLst/>
-            </a:prstGeom>
-            <a:ln w="28575">
-              <a:solidFill>
-                <a:schemeClr val="tx1"/>
-              </a:solidFill>
-              <a:tailEnd type="triangle"/>
-            </a:ln>
-          </p:spPr>
-          <p:style>
-            <a:lnRef idx="1">
-              <a:schemeClr val="accent1"/>
-            </a:lnRef>
-            <a:fillRef idx="0">
-              <a:schemeClr val="accent1"/>
-            </a:fillRef>
-            <a:effectRef idx="0">
-              <a:schemeClr val="accent1"/>
-            </a:effectRef>
-            <a:fontRef idx="minor">
-              <a:schemeClr val="tx1"/>
-            </a:fontRef>
-          </p:style>
-        </p:cxnSp>
-        <p:cxnSp>
-          <p:nvCxnSpPr>
-            <p:cNvPr id="20" name="Straight Arrow Connector 19"/>
-            <p:cNvCxnSpPr>
-              <a:stCxn id="11" idx="2"/>
-            </p:cNvCxnSpPr>
-            <p:nvPr/>
-          </p:nvCxnSpPr>
-          <p:spPr>
-            <a:xfrm flipH="1">
-              <a:off x="7628601" y="2691581"/>
-              <a:ext cx="1" cy="442451"/>
-            </a:xfrm>
-            <a:prstGeom prst="straightConnector1">
-              <a:avLst/>
-            </a:prstGeom>
-            <a:ln w="28575">
-              <a:solidFill>
-                <a:schemeClr val="tx1"/>
-              </a:solidFill>
-              <a:tailEnd type="triangle"/>
-            </a:ln>
-          </p:spPr>
-          <p:style>
-            <a:lnRef idx="1">
-              <a:schemeClr val="accent1"/>
-            </a:lnRef>
-            <a:fillRef idx="0">
-              <a:schemeClr val="accent1"/>
-            </a:fillRef>
-            <a:effectRef idx="0">
-              <a:schemeClr val="accent1"/>
-            </a:effectRef>
-            <a:fontRef idx="minor">
-              <a:schemeClr val="tx1"/>
-            </a:fontRef>
-          </p:style>
-        </p:cxnSp>
-        <p:cxnSp>
-          <p:nvCxnSpPr>
-            <p:cNvPr id="22" name="Straight Arrow Connector 21"/>
-            <p:cNvCxnSpPr/>
-            <p:nvPr/>
-          </p:nvCxnSpPr>
-          <p:spPr>
-            <a:xfrm flipH="1">
-              <a:off x="7602790" y="4055805"/>
-              <a:ext cx="1" cy="442451"/>
-            </a:xfrm>
-            <a:prstGeom prst="straightConnector1">
-              <a:avLst/>
-            </a:prstGeom>
-            <a:ln w="28575">
-              <a:solidFill>
-                <a:schemeClr val="tx1"/>
-              </a:solidFill>
-              <a:tailEnd type="triangle"/>
-            </a:ln>
-          </p:spPr>
-          <p:style>
-            <a:lnRef idx="1">
-              <a:schemeClr val="accent1"/>
-            </a:lnRef>
-            <a:fillRef idx="0">
-              <a:schemeClr val="accent1"/>
-            </a:fillRef>
-            <a:effectRef idx="0">
-              <a:schemeClr val="accent1"/>
-            </a:effectRef>
-            <a:fontRef idx="minor">
-              <a:schemeClr val="tx1"/>
-            </a:fontRef>
-          </p:style>
-        </p:cxnSp>
-        <p:cxnSp>
-          <p:nvCxnSpPr>
-            <p:cNvPr id="23" name="Elbow Connector 22"/>
-            <p:cNvCxnSpPr>
-              <a:stCxn id="14" idx="5"/>
-              <a:endCxn id="16" idx="2"/>
-            </p:cNvCxnSpPr>
-            <p:nvPr/>
-          </p:nvCxnSpPr>
-          <p:spPr>
-            <a:xfrm flipV="1">
-              <a:off x="8366757" y="4385602"/>
-              <a:ext cx="806740" cy="418683"/>
-            </a:xfrm>
-            <a:prstGeom prst="bentConnector2">
-              <a:avLst/>
-            </a:prstGeom>
-            <a:ln w="28575">
-              <a:solidFill>
-                <a:schemeClr val="tx1"/>
-              </a:solidFill>
-              <a:tailEnd type="triangle"/>
-            </a:ln>
-          </p:spPr>
-          <p:style>
-            <a:lnRef idx="1">
-              <a:schemeClr val="accent1"/>
-            </a:lnRef>
-            <a:fillRef idx="0">
-              <a:schemeClr val="accent1"/>
-            </a:fillRef>
-            <a:effectRef idx="0">
-              <a:schemeClr val="accent1"/>
-            </a:effectRef>
-            <a:fontRef idx="minor">
-              <a:schemeClr val="tx1"/>
-            </a:fontRef>
-          </p:style>
-        </p:cxnSp>
-        <p:cxnSp>
-          <p:nvCxnSpPr>
-            <p:cNvPr id="27" name="Elbow Connector 26"/>
-            <p:cNvCxnSpPr>
-              <a:endCxn id="17" idx="0"/>
-            </p:cNvCxnSpPr>
-            <p:nvPr/>
-          </p:nvCxnSpPr>
-          <p:spPr>
-            <a:xfrm rot="5400000">
-              <a:off x="5608247" y="3834208"/>
-              <a:ext cx="1626011" cy="1147431"/>
-            </a:xfrm>
-            <a:prstGeom prst="bentConnector3">
-              <a:avLst>
-                <a:gd name="adj1" fmla="val -1701"/>
-              </a:avLst>
-            </a:prstGeom>
-            <a:ln w="28575">
-              <a:solidFill>
-                <a:schemeClr val="tx1"/>
-              </a:solidFill>
-              <a:tailEnd type="triangle"/>
-            </a:ln>
-          </p:spPr>
-          <p:style>
-            <a:lnRef idx="1">
-              <a:schemeClr val="accent1"/>
-            </a:lnRef>
-            <a:fillRef idx="0">
-              <a:schemeClr val="accent1"/>
-            </a:fillRef>
-            <a:effectRef idx="0">
-              <a:schemeClr val="accent1"/>
-            </a:effectRef>
-            <a:fontRef idx="minor">
-              <a:schemeClr val="tx1"/>
-            </a:fontRef>
-          </p:style>
-        </p:cxnSp>
-        <p:cxnSp>
-          <p:nvCxnSpPr>
-            <p:cNvPr id="32" name="Elbow Connector 31"/>
-            <p:cNvCxnSpPr/>
-            <p:nvPr/>
-          </p:nvCxnSpPr>
-          <p:spPr>
-            <a:xfrm rot="16200000" flipV="1">
-              <a:off x="8557674" y="3275786"/>
-              <a:ext cx="344544" cy="1047136"/>
-            </a:xfrm>
-            <a:prstGeom prst="bentConnector2">
-              <a:avLst/>
-            </a:prstGeom>
-            <a:ln w="28575">
-              <a:solidFill>
-                <a:schemeClr val="tx1"/>
-              </a:solidFill>
-              <a:tailEnd type="triangle"/>
-            </a:ln>
-          </p:spPr>
-          <p:style>
-            <a:lnRef idx="1">
-              <a:schemeClr val="accent1"/>
-            </a:lnRef>
-            <a:fillRef idx="0">
-              <a:schemeClr val="accent1"/>
-            </a:fillRef>
-            <a:effectRef idx="0">
-              <a:schemeClr val="accent1"/>
-            </a:effectRef>
-            <a:fontRef idx="minor">
-              <a:schemeClr val="tx1"/>
-            </a:fontRef>
-          </p:style>
-        </p:cxnSp>
-        <p:sp>
-          <p:nvSpPr>
-            <p:cNvPr id="35" name="TextBox 34"/>
-            <p:cNvSpPr txBox="1"/>
-            <p:nvPr/>
-          </p:nvSpPr>
-          <p:spPr>
-            <a:xfrm>
-              <a:off x="7188337" y="3378403"/>
-              <a:ext cx="854721" cy="369332"/>
-            </a:xfrm>
-            <a:prstGeom prst="rect">
-              <a:avLst/>
-            </a:prstGeom>
-            <a:noFill/>
-          </p:spPr>
-          <p:txBody>
-            <a:bodyPr wrap="none" rtlCol="0">
-              <a:spAutoFit/>
-            </a:bodyPr>
-            <a:lstStyle/>
-            <a:p>
-              <a:r>
-                <a:rPr lang="en-US" dirty="0" err="1" smtClean="0"/>
-                <a:t>i</a:t>
-              </a:r>
-              <a:r>
-                <a:rPr lang="en-US" dirty="0" smtClean="0"/>
-                <a:t> &lt;= 6?</a:t>
-              </a:r>
-              <a:endParaRPr lang="en-IN" dirty="0"/>
-            </a:p>
-          </p:txBody>
-        </p:sp>
-        <p:sp>
-          <p:nvSpPr>
-            <p:cNvPr id="36" name="TextBox 35"/>
-            <p:cNvSpPr txBox="1"/>
-            <p:nvPr/>
-          </p:nvSpPr>
-          <p:spPr>
-            <a:xfrm>
-              <a:off x="5790643" y="3193737"/>
-              <a:ext cx="637354" cy="369332"/>
-            </a:xfrm>
-            <a:prstGeom prst="rect">
-              <a:avLst/>
-            </a:prstGeom>
-            <a:noFill/>
-          </p:spPr>
-          <p:txBody>
-            <a:bodyPr wrap="none" rtlCol="0">
-              <a:spAutoFit/>
-            </a:bodyPr>
-            <a:lstStyle/>
-            <a:p>
-              <a:r>
-                <a:rPr lang="en-US" dirty="0" smtClean="0"/>
-                <a:t>False</a:t>
-              </a:r>
-              <a:endParaRPr lang="en-IN" dirty="0"/>
-            </a:p>
-          </p:txBody>
-        </p:sp>
-        <p:sp>
-          <p:nvSpPr>
-            <p:cNvPr id="37" name="TextBox 36"/>
-            <p:cNvSpPr txBox="1"/>
-            <p:nvPr/>
-          </p:nvSpPr>
-          <p:spPr>
-            <a:xfrm>
-              <a:off x="6889333" y="4005520"/>
-              <a:ext cx="610232" cy="369332"/>
-            </a:xfrm>
-            <a:prstGeom prst="rect">
-              <a:avLst/>
-            </a:prstGeom>
-            <a:noFill/>
-          </p:spPr>
-          <p:txBody>
-            <a:bodyPr wrap="none" rtlCol="0">
-              <a:spAutoFit/>
-            </a:bodyPr>
-            <a:lstStyle/>
-            <a:p>
-              <a:r>
-                <a:rPr lang="en-US" dirty="0" smtClean="0"/>
-                <a:t>True</a:t>
-              </a:r>
-              <a:endParaRPr lang="en-IN" dirty="0"/>
-            </a:p>
-          </p:txBody>
-        </p:sp>
-        <p:sp>
-          <p:nvSpPr>
-            <p:cNvPr id="38" name="TextBox 37"/>
-            <p:cNvSpPr txBox="1"/>
-            <p:nvPr/>
-          </p:nvSpPr>
-          <p:spPr>
-            <a:xfrm>
-              <a:off x="7170933" y="4568938"/>
-              <a:ext cx="989373" cy="369332"/>
-            </a:xfrm>
-            <a:prstGeom prst="rect">
-              <a:avLst/>
-            </a:prstGeom>
-            <a:noFill/>
-          </p:spPr>
-          <p:txBody>
-            <a:bodyPr wrap="none" rtlCol="0">
-              <a:spAutoFit/>
-            </a:bodyPr>
-            <a:lstStyle/>
-            <a:p>
-              <a:r>
-                <a:rPr lang="en-US" dirty="0"/>
-                <a:t>p</a:t>
-              </a:r>
-              <a:r>
-                <a:rPr lang="en-US" dirty="0" smtClean="0"/>
-                <a:t>rint i+1</a:t>
-              </a:r>
-              <a:endParaRPr lang="en-IN" dirty="0"/>
-            </a:p>
-          </p:txBody>
-        </p:sp>
-        <p:sp>
-          <p:nvSpPr>
-            <p:cNvPr id="40" name="TextBox 39"/>
-            <p:cNvSpPr txBox="1"/>
-            <p:nvPr/>
-          </p:nvSpPr>
-          <p:spPr>
-            <a:xfrm>
-              <a:off x="8818437" y="3993948"/>
-              <a:ext cx="822661" cy="369332"/>
-            </a:xfrm>
-            <a:prstGeom prst="rect">
-              <a:avLst/>
-            </a:prstGeom>
-            <a:noFill/>
-          </p:spPr>
-          <p:txBody>
-            <a:bodyPr wrap="none" rtlCol="0">
-              <a:spAutoFit/>
-            </a:bodyPr>
-            <a:lstStyle/>
-            <a:p>
-              <a:r>
-                <a:rPr lang="en-US" dirty="0"/>
-                <a:t>i</a:t>
-              </a:r>
-              <a:r>
-                <a:rPr lang="en-US" dirty="0" smtClean="0"/>
-                <a:t> = i+2</a:t>
-              </a:r>
-              <a:endParaRPr lang="en-IN" dirty="0"/>
-            </a:p>
-          </p:txBody>
-        </p:sp>
-      </p:grpSp>
-      <p:cxnSp>
-        <p:nvCxnSpPr>
-          <p:cNvPr id="43" name="Elbow Connector 42"/>
-          <p:cNvCxnSpPr/>
-          <p:nvPr/>
-        </p:nvCxnSpPr>
+        </p:nvPicPr>
+        <p:blipFill>
+          <a:blip r:embed="rId2">
+            <a:extLst>
+              <a:ext uri="{28A0092B-C50C-407E-A947-70E740481C1C}">
+                <a14:useLocalDpi xmlns:a14="http://schemas.microsoft.com/office/drawing/2010/main" val="0"/>
+              </a:ext>
+            </a:extLst>
+          </a:blip>
+          <a:stretch>
+            <a:fillRect/>
+          </a:stretch>
+        </p:blipFill>
         <p:spPr>
           <a:xfrm>
-            <a:off x="5420032" y="2994634"/>
-            <a:ext cx="1386349" cy="1083293"/>
-          </a:xfrm>
-          <a:prstGeom prst="bentConnector3">
-            <a:avLst/>
-          </a:prstGeom>
-          <a:ln w="19050">
-            <a:tailEnd type="triangle"/>
-          </a:ln>
-        </p:spPr>
-        <p:style>
-          <a:lnRef idx="1">
-            <a:schemeClr val="accent1"/>
-          </a:lnRef>
-          <a:fillRef idx="0">
-            <a:schemeClr val="accent1"/>
-          </a:fillRef>
-          <a:effectRef idx="0">
-            <a:schemeClr val="accent1"/>
-          </a:effectRef>
-          <a:fontRef idx="minor">
-            <a:schemeClr val="tx1"/>
-          </a:fontRef>
-        </p:style>
-      </p:cxnSp>
-      <p:sp>
-        <p:nvSpPr>
-          <p:cNvPr id="44" name="TextBox 43"/>
-          <p:cNvSpPr txBox="1"/>
-          <p:nvPr/>
-        </p:nvSpPr>
-        <p:spPr>
-          <a:xfrm>
-            <a:off x="8517194" y="1050200"/>
-            <a:ext cx="699230" cy="369332"/>
+            <a:off x="1066800" y="1257300"/>
+            <a:ext cx="10058400" cy="4343400"/>
           </a:xfrm>
           <a:prstGeom prst="rect">
             <a:avLst/>
           </a:prstGeom>
-          <a:noFill/>
         </p:spPr>
-        <p:txBody>
-          <a:bodyPr wrap="none" rtlCol="0">
-            <a:spAutoFit/>
-          </a:bodyPr>
-          <a:lstStyle/>
-          <a:p>
-            <a:r>
-              <a:rPr lang="en-US" b="1" dirty="0" smtClean="0"/>
-              <a:t>Code</a:t>
-            </a:r>
-            <a:endParaRPr lang="en-IN" b="1" dirty="0"/>
-          </a:p>
-        </p:txBody>
-      </p:sp>
-      <p:sp>
-        <p:nvSpPr>
-          <p:cNvPr id="45" name="TextBox 44"/>
-          <p:cNvSpPr txBox="1"/>
-          <p:nvPr/>
-        </p:nvSpPr>
-        <p:spPr>
-          <a:xfrm>
-            <a:off x="7531421" y="2101646"/>
-            <a:ext cx="3370006" cy="2677656"/>
-          </a:xfrm>
-          <a:prstGeom prst="rect">
-            <a:avLst/>
-          </a:prstGeom>
-          <a:noFill/>
-        </p:spPr>
-        <p:txBody>
-          <a:bodyPr wrap="square" rtlCol="0">
-            <a:spAutoFit/>
-          </a:bodyPr>
-          <a:lstStyle/>
-          <a:p>
-            <a:r>
-              <a:rPr lang="en-US" sz="2400" dirty="0" smtClean="0"/>
-              <a:t>void main( ){</a:t>
-            </a:r>
-          </a:p>
-          <a:p>
-            <a:r>
-              <a:rPr lang="en-US" sz="2400" dirty="0"/>
-              <a:t>	</a:t>
-            </a:r>
-            <a:r>
-              <a:rPr lang="en-US" sz="2400" dirty="0" err="1" smtClean="0"/>
-              <a:t>int</a:t>
-            </a:r>
-            <a:r>
-              <a:rPr lang="en-US" sz="2400" dirty="0" smtClean="0"/>
-              <a:t> </a:t>
-            </a:r>
-            <a:r>
-              <a:rPr lang="en-US" sz="2400" dirty="0" err="1" smtClean="0"/>
-              <a:t>i</a:t>
-            </a:r>
-            <a:r>
-              <a:rPr lang="en-US" sz="2400" dirty="0" smtClean="0"/>
-              <a:t> = 2;</a:t>
-            </a:r>
-          </a:p>
-          <a:p>
-            <a:r>
-              <a:rPr lang="en-US" sz="2400" dirty="0"/>
-              <a:t>	</a:t>
-            </a:r>
-            <a:r>
-              <a:rPr lang="en-US" sz="2400" dirty="0" smtClean="0"/>
-              <a:t>while( </a:t>
-            </a:r>
-            <a:r>
-              <a:rPr lang="en-US" sz="2400" dirty="0" err="1" smtClean="0"/>
-              <a:t>i</a:t>
-            </a:r>
-            <a:r>
-              <a:rPr lang="en-US" sz="2400" dirty="0" smtClean="0"/>
-              <a:t> &lt;= 6) {</a:t>
-            </a:r>
-          </a:p>
-          <a:p>
-            <a:r>
-              <a:rPr lang="en-US" sz="2400" dirty="0"/>
-              <a:t>	</a:t>
-            </a:r>
-            <a:r>
-              <a:rPr lang="en-US" sz="2400" dirty="0" smtClean="0"/>
-              <a:t>	</a:t>
-            </a:r>
-            <a:r>
-              <a:rPr lang="en-US" sz="2400" dirty="0" err="1" smtClean="0"/>
-              <a:t>printf</a:t>
-            </a:r>
-            <a:r>
-              <a:rPr lang="en-US" sz="2400" dirty="0" smtClean="0"/>
-              <a:t>(“%d”,i+1);</a:t>
-            </a:r>
-          </a:p>
-          <a:p>
-            <a:r>
-              <a:rPr lang="en-US" sz="2400" dirty="0"/>
-              <a:t>	</a:t>
-            </a:r>
-            <a:r>
-              <a:rPr lang="en-US" sz="2400" dirty="0" smtClean="0"/>
-              <a:t>	</a:t>
-            </a:r>
-            <a:r>
-              <a:rPr lang="en-US" sz="2400" dirty="0" err="1" smtClean="0"/>
-              <a:t>i</a:t>
-            </a:r>
-            <a:r>
-              <a:rPr lang="en-US" sz="2400" dirty="0" smtClean="0"/>
-              <a:t> = i+2;</a:t>
-            </a:r>
-          </a:p>
-          <a:p>
-            <a:r>
-              <a:rPr lang="en-US" sz="2400" dirty="0"/>
-              <a:t>	</a:t>
-            </a:r>
-            <a:r>
-              <a:rPr lang="en-US" sz="2400" dirty="0" smtClean="0"/>
-              <a:t>}</a:t>
-            </a:r>
-          </a:p>
-          <a:p>
-            <a:r>
-              <a:rPr lang="en-US" sz="2400" dirty="0"/>
-              <a:t>}</a:t>
-            </a:r>
-            <a:endParaRPr lang="en-IN" sz="2400" dirty="0"/>
-          </a:p>
-        </p:txBody>
-      </p:sp>
-      <p:sp>
-        <p:nvSpPr>
-          <p:cNvPr id="46" name="Footer Placeholder 45"/>
-          <p:cNvSpPr>
-            <a:spLocks noGrp="1"/>
-          </p:cNvSpPr>
-          <p:nvPr>
-            <p:ph type="ftr" sz="quarter" idx="11"/>
-          </p:nvPr>
-        </p:nvSpPr>
-        <p:spPr/>
-        <p:txBody>
-          <a:bodyPr/>
-          <a:lstStyle/>
-          <a:p>
-            <a:r>
-              <a:rPr lang="en-US" dirty="0" smtClean="0"/>
-              <a:t>page no:	4 </a:t>
-            </a:r>
-            <a:endParaRPr lang="en-US" dirty="0"/>
-          </a:p>
-        </p:txBody>
-      </p:sp>
-      <p:sp>
-        <p:nvSpPr>
-          <p:cNvPr id="2" name="TextBox 1"/>
-          <p:cNvSpPr txBox="1"/>
-          <p:nvPr/>
-        </p:nvSpPr>
-        <p:spPr>
-          <a:xfrm>
-            <a:off x="2496298" y="1050200"/>
-            <a:ext cx="1606722" cy="369332"/>
-          </a:xfrm>
-          <a:prstGeom prst="rect">
-            <a:avLst/>
-          </a:prstGeom>
-          <a:noFill/>
-        </p:spPr>
-        <p:txBody>
-          <a:bodyPr wrap="none" rtlCol="0">
-            <a:spAutoFit/>
-          </a:bodyPr>
-          <a:lstStyle/>
-          <a:p>
-            <a:r>
-              <a:rPr lang="en-US" b="1" dirty="0" smtClean="0"/>
-              <a:t>Flow Diagram</a:t>
-            </a:r>
-            <a:endParaRPr lang="en-IN" b="1" dirty="0"/>
-          </a:p>
-        </p:txBody>
-      </p:sp>
+      </p:pic>
     </p:spTree>
     <p:extLst>
       <p:ext uri="{BB962C8B-B14F-4D97-AF65-F5344CB8AC3E}">
-        <p14:creationId xmlns:p14="http://schemas.microsoft.com/office/powerpoint/2010/main" val="3607445507"/>
+        <p14:creationId xmlns:p14="http://schemas.microsoft.com/office/powerpoint/2010/main" val="420803879"/>
       </p:ext>
     </p:extLst>
   </p:cSld>
@@ -8785,376 +8984,61 @@
       </p:grpSpPr>
       <p:sp>
         <p:nvSpPr>
-          <p:cNvPr id="2" name="Title 1"/>
-          <p:cNvSpPr>
-            <a:spLocks noGrp="1"/>
-          </p:cNvSpPr>
-          <p:nvPr>
-            <p:ph type="title"/>
-          </p:nvPr>
-        </p:nvSpPr>
+          <p:cNvPr id="2" name="Footer Placeholder 1"/>
+          <p:cNvSpPr>
+            <a:spLocks noGrp="1"/>
+          </p:cNvSpPr>
+          <p:nvPr>
+            <p:ph type="ftr" sz="quarter" idx="11"/>
+          </p:nvPr>
+        </p:nvSpPr>
+        <p:spPr/>
+        <p:txBody>
+          <a:bodyPr/>
+          <a:lstStyle/>
+          <a:p>
+            <a:r>
+              <a:rPr lang="en-US" dirty="0" smtClean="0"/>
+              <a:t>page no: 5</a:t>
+            </a:r>
+            <a:endParaRPr lang="en-US" dirty="0"/>
+          </a:p>
+        </p:txBody>
+      </p:sp>
+      <p:pic>
+        <p:nvPicPr>
+          <p:cNvPr id="3" name="Picture 2"/>
+          <p:cNvPicPr>
+            <a:picLocks noChangeAspect="1"/>
+          </p:cNvPicPr>
+          <p:nvPr/>
+        </p:nvPicPr>
+        <p:blipFill>
+          <a:blip r:embed="rId2">
+            <a:extLst>
+              <a:ext uri="{28A0092B-C50C-407E-A947-70E740481C1C}">
+                <a14:useLocalDpi xmlns:a14="http://schemas.microsoft.com/office/drawing/2010/main" val="0"/>
+              </a:ext>
+            </a:extLst>
+          </a:blip>
+          <a:stretch>
+            <a:fillRect/>
+          </a:stretch>
+        </p:blipFill>
         <p:spPr>
           <a:xfrm>
-            <a:off x="1234439" y="537316"/>
-            <a:ext cx="9601196" cy="1303867"/>
+            <a:off x="1295400" y="857250"/>
+            <a:ext cx="9601200" cy="5143500"/>
           </a:xfrm>
+          <a:prstGeom prst="rect">
+            <a:avLst/>
+          </a:prstGeom>
         </p:spPr>
-        <p:txBody>
-          <a:bodyPr/>
-          <a:lstStyle/>
-          <a:p>
-            <a:r>
-              <a:rPr lang="en-US" dirty="0" smtClean="0"/>
-              <a:t>Literature Survey</a:t>
-            </a:r>
-            <a:endParaRPr lang="en-IN" dirty="0"/>
-          </a:p>
-        </p:txBody>
-      </p:sp>
-      <p:graphicFrame>
-        <p:nvGraphicFramePr>
-          <p:cNvPr id="12" name="Content Placeholder 11"/>
-          <p:cNvGraphicFramePr>
-            <a:graphicFrameLocks noGrp="1"/>
-          </p:cNvGraphicFramePr>
-          <p:nvPr>
-            <p:ph idx="1"/>
-            <p:extLst/>
-          </p:nvPr>
-        </p:nvGraphicFramePr>
-        <p:xfrm>
-          <a:off x="922017" y="1841183"/>
-          <a:ext cx="10226041" cy="3507580"/>
-        </p:xfrm>
-        <a:graphic>
-          <a:graphicData uri="http://schemas.openxmlformats.org/drawingml/2006/table">
-            <a:tbl>
-              <a:tblPr firstRow="1" bandRow="1">
-                <a:tableStyleId>{5C22544A-7EE6-4342-B048-85BDC9FD1C3A}</a:tableStyleId>
-              </a:tblPr>
-              <a:tblGrid>
-                <a:gridCol w="742850">
-                  <a:extLst>
-                    <a:ext uri="{9D8B030D-6E8A-4147-A177-3AD203B41FA5}">
-                      <a16:colId xmlns:a16="http://schemas.microsoft.com/office/drawing/2014/main" val="3957372969"/>
-                    </a:ext>
-                  </a:extLst>
-                </a:gridCol>
-                <a:gridCol w="3145258">
-                  <a:extLst>
-                    <a:ext uri="{9D8B030D-6E8A-4147-A177-3AD203B41FA5}">
-                      <a16:colId xmlns:a16="http://schemas.microsoft.com/office/drawing/2014/main" val="1590637981"/>
-                    </a:ext>
-                  </a:extLst>
-                </a:gridCol>
-                <a:gridCol w="1675364">
-                  <a:extLst>
-                    <a:ext uri="{9D8B030D-6E8A-4147-A177-3AD203B41FA5}">
-                      <a16:colId xmlns:a16="http://schemas.microsoft.com/office/drawing/2014/main" val="2525946068"/>
-                    </a:ext>
-                  </a:extLst>
-                </a:gridCol>
-                <a:gridCol w="1904541">
-                  <a:extLst>
-                    <a:ext uri="{9D8B030D-6E8A-4147-A177-3AD203B41FA5}">
-                      <a16:colId xmlns:a16="http://schemas.microsoft.com/office/drawing/2014/main" val="5512659"/>
-                    </a:ext>
-                  </a:extLst>
-                </a:gridCol>
-                <a:gridCol w="2758028">
-                  <a:extLst>
-                    <a:ext uri="{9D8B030D-6E8A-4147-A177-3AD203B41FA5}">
-                      <a16:colId xmlns:a16="http://schemas.microsoft.com/office/drawing/2014/main" val="1666700815"/>
-                    </a:ext>
-                  </a:extLst>
-                </a:gridCol>
-              </a:tblGrid>
-              <a:tr h="545624">
-                <a:tc>
-                  <a:txBody>
-                    <a:bodyPr/>
-                    <a:lstStyle/>
-                    <a:p>
-                      <a:r>
-                        <a:rPr lang="en-US" dirty="0" smtClean="0"/>
-                        <a:t>s.no</a:t>
-                      </a:r>
-                      <a:endParaRPr lang="en-IN" dirty="0"/>
-                    </a:p>
-                  </a:txBody>
-                  <a:tcPr/>
-                </a:tc>
-                <a:tc>
-                  <a:txBody>
-                    <a:bodyPr/>
-                    <a:lstStyle/>
-                    <a:p>
-                      <a:pPr fontAlgn="b"/>
-                      <a:r>
-                        <a:rPr lang="en-IN" b="1" dirty="0">
-                          <a:effectLst/>
-                        </a:rPr>
-                        <a:t>Title, Year, and Author</a:t>
-                      </a:r>
-                    </a:p>
-                  </a:txBody>
-                  <a:tcPr anchor="b"/>
-                </a:tc>
-                <a:tc>
-                  <a:txBody>
-                    <a:bodyPr/>
-                    <a:lstStyle/>
-                    <a:p>
-                      <a:pPr fontAlgn="b"/>
-                      <a:r>
-                        <a:rPr lang="en-IN" b="1">
-                          <a:effectLst/>
-                        </a:rPr>
-                        <a:t>Methodology</a:t>
-                      </a:r>
-                    </a:p>
-                  </a:txBody>
-                  <a:tcPr anchor="b"/>
-                </a:tc>
-                <a:tc>
-                  <a:txBody>
-                    <a:bodyPr/>
-                    <a:lstStyle/>
-                    <a:p>
-                      <a:pPr fontAlgn="b"/>
-                      <a:r>
-                        <a:rPr lang="en-IN" b="1">
-                          <a:effectLst/>
-                        </a:rPr>
-                        <a:t>Interface</a:t>
-                      </a:r>
-                    </a:p>
-                  </a:txBody>
-                  <a:tcPr anchor="b"/>
-                </a:tc>
-                <a:tc>
-                  <a:txBody>
-                    <a:bodyPr/>
-                    <a:lstStyle/>
-                    <a:p>
-                      <a:pPr fontAlgn="b"/>
-                      <a:r>
-                        <a:rPr lang="en-IN" b="1">
-                          <a:effectLst/>
-                        </a:rPr>
-                        <a:t>Limitations</a:t>
-                      </a:r>
-                    </a:p>
-                  </a:txBody>
-                  <a:tcPr anchor="b"/>
-                </a:tc>
-                <a:extLst>
-                  <a:ext uri="{0D108BD9-81ED-4DB2-BD59-A6C34878D82A}">
-                    <a16:rowId xmlns:a16="http://schemas.microsoft.com/office/drawing/2014/main" val="187170982"/>
-                  </a:ext>
-                </a:extLst>
-              </a:tr>
-              <a:tr h="1480978">
-                <a:tc>
-                  <a:txBody>
-                    <a:bodyPr/>
-                    <a:lstStyle/>
-                    <a:p>
-                      <a:r>
-                        <a:rPr lang="en-US" dirty="0" smtClean="0"/>
-                        <a:t>1</a:t>
-                      </a:r>
-                      <a:endParaRPr lang="en-IN" dirty="0"/>
-                    </a:p>
-                  </a:txBody>
-                  <a:tcPr/>
-                </a:tc>
-                <a:tc>
-                  <a:txBody>
-                    <a:bodyPr/>
-                    <a:lstStyle/>
-                    <a:p>
-                      <a:pPr fontAlgn="base"/>
-                      <a:r>
-                        <a:rPr lang="en-US">
-                          <a:effectLst/>
-                        </a:rPr>
-                        <a:t>"Automated Generation of Java Code from Flowcharts", 2015, D. K. Roy and D. D. Chakraborty</a:t>
-                      </a:r>
-                    </a:p>
-                  </a:txBody>
-                  <a:tcPr anchor="ctr"/>
-                </a:tc>
-                <a:tc>
-                  <a:txBody>
-                    <a:bodyPr/>
-                    <a:lstStyle/>
-                    <a:p>
-                      <a:pPr fontAlgn="base"/>
-                      <a:r>
-                        <a:rPr lang="en-IN">
-                          <a:effectLst/>
-                        </a:rPr>
-                        <a:t>Experimental research</a:t>
-                      </a:r>
-                    </a:p>
-                  </a:txBody>
-                  <a:tcPr anchor="ctr"/>
-                </a:tc>
-                <a:tc>
-                  <a:txBody>
-                    <a:bodyPr/>
-                    <a:lstStyle/>
-                    <a:p>
-                      <a:pPr fontAlgn="base"/>
-                      <a:r>
-                        <a:rPr lang="en-IN">
-                          <a:effectLst/>
-                        </a:rPr>
-                        <a:t>Algorithm for generating Java code from flowcharts</a:t>
-                      </a:r>
-                    </a:p>
-                  </a:txBody>
-                  <a:tcPr anchor="ctr"/>
-                </a:tc>
-                <a:tc>
-                  <a:txBody>
-                    <a:bodyPr/>
-                    <a:lstStyle/>
-                    <a:p>
-                      <a:pPr fontAlgn="base"/>
-                      <a:r>
-                        <a:rPr lang="en-US" dirty="0">
-                          <a:effectLst/>
-                        </a:rPr>
-                        <a:t>Less effective for large programs.</a:t>
-                      </a:r>
-                    </a:p>
-                  </a:txBody>
-                  <a:tcPr anchor="ctr"/>
-                </a:tc>
-                <a:extLst>
-                  <a:ext uri="{0D108BD9-81ED-4DB2-BD59-A6C34878D82A}">
-                    <a16:rowId xmlns:a16="http://schemas.microsoft.com/office/drawing/2014/main" val="3028256733"/>
-                  </a:ext>
-                </a:extLst>
-              </a:tr>
-              <a:tr h="1480978">
-                <a:tc>
-                  <a:txBody>
-                    <a:bodyPr/>
-                    <a:lstStyle/>
-                    <a:p>
-                      <a:r>
-                        <a:rPr lang="en-US" dirty="0" smtClean="0"/>
-                        <a:t>2</a:t>
-                      </a:r>
-                      <a:endParaRPr lang="en-IN" dirty="0"/>
-                    </a:p>
-                  </a:txBody>
-                  <a:tcPr/>
-                </a:tc>
-                <a:tc>
-                  <a:txBody>
-                    <a:bodyPr/>
-                    <a:lstStyle/>
-                    <a:p>
-                      <a:pPr fontAlgn="base"/>
-                      <a:r>
-                        <a:rPr lang="en-US" dirty="0">
-                          <a:effectLst/>
-                        </a:rPr>
-                        <a:t>"A Comparative Study of Visual and Textual Programming Languages for Novice Programmers", 2018, S. M. Jeon, J. S. Kim, and H. S. Lee</a:t>
-                      </a:r>
-                    </a:p>
-                  </a:txBody>
-                  <a:tcPr anchor="ctr"/>
-                </a:tc>
-                <a:tc>
-                  <a:txBody>
-                    <a:bodyPr/>
-                    <a:lstStyle/>
-                    <a:p>
-                      <a:pPr fontAlgn="base"/>
-                      <a:r>
-                        <a:rPr lang="en-IN" dirty="0">
-                          <a:effectLst/>
-                        </a:rPr>
-                        <a:t>Survey research</a:t>
-                      </a:r>
-                    </a:p>
-                  </a:txBody>
-                  <a:tcPr anchor="ctr"/>
-                </a:tc>
-                <a:tc>
-                  <a:txBody>
-                    <a:bodyPr/>
-                    <a:lstStyle/>
-                    <a:p>
-                      <a:pPr fontAlgn="base"/>
-                      <a:r>
-                        <a:rPr lang="en-US" dirty="0">
-                          <a:effectLst/>
-                        </a:rPr>
-                        <a:t>Comparison of visual and textual programming languages</a:t>
-                      </a:r>
-                    </a:p>
-                  </a:txBody>
-                  <a:tcPr anchor="ctr"/>
-                </a:tc>
-                <a:tc>
-                  <a:txBody>
-                    <a:bodyPr/>
-                    <a:lstStyle/>
-                    <a:p>
-                      <a:pPr fontAlgn="base"/>
-                      <a:r>
-                        <a:rPr lang="en-US" dirty="0">
-                          <a:effectLst/>
-                        </a:rPr>
-                        <a:t>Limited to novice programmers and may not be applicable to experienced programmers.</a:t>
-                      </a:r>
-                    </a:p>
-                  </a:txBody>
-                  <a:tcPr anchor="ctr"/>
-                </a:tc>
-                <a:extLst>
-                  <a:ext uri="{0D108BD9-81ED-4DB2-BD59-A6C34878D82A}">
-                    <a16:rowId xmlns:a16="http://schemas.microsoft.com/office/drawing/2014/main" val="3213644023"/>
-                  </a:ext>
-                </a:extLst>
-              </a:tr>
-            </a:tbl>
-          </a:graphicData>
-        </a:graphic>
-      </p:graphicFrame>
-      <p:sp>
-        <p:nvSpPr>
-          <p:cNvPr id="3" name="Footer Placeholder 2"/>
-          <p:cNvSpPr>
-            <a:spLocks noGrp="1"/>
-          </p:cNvSpPr>
-          <p:nvPr>
-            <p:ph type="ftr" sz="quarter" idx="11"/>
-          </p:nvPr>
-        </p:nvSpPr>
-        <p:spPr/>
-        <p:txBody>
-          <a:bodyPr/>
-          <a:lstStyle/>
-          <a:p>
-            <a:r>
-              <a:rPr lang="en-US" dirty="0" smtClean="0"/>
-              <a:t>page no:	5 </a:t>
-            </a:r>
-            <a:endParaRPr lang="en-US" dirty="0"/>
-          </a:p>
-        </p:txBody>
-      </p:sp>
+      </p:pic>
     </p:spTree>
     <p:extLst>
       <p:ext uri="{BB962C8B-B14F-4D97-AF65-F5344CB8AC3E}">
-        <p14:creationId xmlns:p14="http://schemas.microsoft.com/office/powerpoint/2010/main" val="1552866941"/>
+        <p14:creationId xmlns:p14="http://schemas.microsoft.com/office/powerpoint/2010/main" val="463399904"/>
       </p:ext>
     </p:extLst>
   </p:cSld>
@@ -9188,264 +9072,9 @@
           <a:chExt cx="0" cy="0"/>
         </a:xfrm>
       </p:grpSpPr>
-      <p:graphicFrame>
-        <p:nvGraphicFramePr>
-          <p:cNvPr id="2" name="Table 1"/>
-          <p:cNvGraphicFramePr>
-            <a:graphicFrameLocks noGrp="1"/>
-          </p:cNvGraphicFramePr>
-          <p:nvPr>
-            <p:extLst/>
-          </p:nvPr>
-        </p:nvGraphicFramePr>
-        <p:xfrm>
-          <a:off x="945863" y="1809846"/>
-          <a:ext cx="10226041" cy="3080583"/>
-        </p:xfrm>
-        <a:graphic>
-          <a:graphicData uri="http://schemas.openxmlformats.org/drawingml/2006/table">
-            <a:tbl>
-              <a:tblPr firstCol="1" bandRow="1">
-                <a:tableStyleId>{5C22544A-7EE6-4342-B048-85BDC9FD1C3A}</a:tableStyleId>
-              </a:tblPr>
-              <a:tblGrid>
-                <a:gridCol w="742850">
-                  <a:extLst>
-                    <a:ext uri="{9D8B030D-6E8A-4147-A177-3AD203B41FA5}">
-                      <a16:colId xmlns:a16="http://schemas.microsoft.com/office/drawing/2014/main" val="19340976"/>
-                    </a:ext>
-                  </a:extLst>
-                </a:gridCol>
-                <a:gridCol w="3145258">
-                  <a:extLst>
-                    <a:ext uri="{9D8B030D-6E8A-4147-A177-3AD203B41FA5}">
-                      <a16:colId xmlns:a16="http://schemas.microsoft.com/office/drawing/2014/main" val="3689925646"/>
-                    </a:ext>
-                  </a:extLst>
-                </a:gridCol>
-                <a:gridCol w="1675364">
-                  <a:extLst>
-                    <a:ext uri="{9D8B030D-6E8A-4147-A177-3AD203B41FA5}">
-                      <a16:colId xmlns:a16="http://schemas.microsoft.com/office/drawing/2014/main" val="572036321"/>
-                    </a:ext>
-                  </a:extLst>
-                </a:gridCol>
-                <a:gridCol w="1904541">
-                  <a:extLst>
-                    <a:ext uri="{9D8B030D-6E8A-4147-A177-3AD203B41FA5}">
-                      <a16:colId xmlns:a16="http://schemas.microsoft.com/office/drawing/2014/main" val="2275365842"/>
-                    </a:ext>
-                  </a:extLst>
-                </a:gridCol>
-                <a:gridCol w="2758028">
-                  <a:extLst>
-                    <a:ext uri="{9D8B030D-6E8A-4147-A177-3AD203B41FA5}">
-                      <a16:colId xmlns:a16="http://schemas.microsoft.com/office/drawing/2014/main" val="4188814216"/>
-                    </a:ext>
-                  </a:extLst>
-                </a:gridCol>
-              </a:tblGrid>
-              <a:tr h="1617543">
-                <a:tc>
-                  <a:txBody>
-                    <a:bodyPr/>
-                    <a:lstStyle/>
-                    <a:p>
-                      <a:r>
-                        <a:rPr lang="en-US" dirty="0" smtClean="0"/>
-                        <a:t>3</a:t>
-                      </a:r>
-                      <a:endParaRPr lang="en-IN" dirty="0"/>
-                    </a:p>
-                  </a:txBody>
-                  <a:tcPr/>
-                </a:tc>
-                <a:tc>
-                  <a:txBody>
-                    <a:bodyPr/>
-                    <a:lstStyle/>
-                    <a:p>
-                      <a:pPr fontAlgn="base"/>
-                      <a:r>
-                        <a:rPr lang="en-US" dirty="0">
-                          <a:effectLst/>
-                        </a:rPr>
-                        <a:t>"A Novel Method of Learning Programming: Flowcharts-Based Learning", 2020, J. Park and Y. J. Jung</a:t>
-                      </a:r>
-                    </a:p>
-                  </a:txBody>
-                  <a:tcPr anchor="ctr"/>
-                </a:tc>
-                <a:tc>
-                  <a:txBody>
-                    <a:bodyPr/>
-                    <a:lstStyle/>
-                    <a:p>
-                      <a:pPr fontAlgn="base"/>
-                      <a:r>
-                        <a:rPr lang="en-IN" dirty="0">
-                          <a:effectLst/>
-                        </a:rPr>
-                        <a:t>Experimental research</a:t>
-                      </a:r>
-                    </a:p>
-                  </a:txBody>
-                  <a:tcPr anchor="ctr"/>
-                </a:tc>
-                <a:tc>
-                  <a:txBody>
-                    <a:bodyPr/>
-                    <a:lstStyle/>
-                    <a:p>
-                      <a:pPr fontAlgn="base"/>
-                      <a:r>
-                        <a:rPr lang="en-IN" dirty="0">
-                          <a:effectLst/>
-                        </a:rPr>
-                        <a:t>Flowchart-based learning method</a:t>
-                      </a:r>
-                    </a:p>
-                  </a:txBody>
-                  <a:tcPr anchor="ctr"/>
-                </a:tc>
-                <a:tc>
-                  <a:txBody>
-                    <a:bodyPr/>
-                    <a:lstStyle/>
-                    <a:p>
-                      <a:pPr fontAlgn="base"/>
-                      <a:r>
-                        <a:rPr lang="en-US" dirty="0">
-                          <a:effectLst/>
-                        </a:rPr>
-                        <a:t>Limited to teaching programming to beginners and may not be applicable to advanced learners.</a:t>
-                      </a:r>
-                    </a:p>
-                  </a:txBody>
-                  <a:tcPr anchor="ctr"/>
-                </a:tc>
-                <a:extLst>
-                  <a:ext uri="{0D108BD9-81ED-4DB2-BD59-A6C34878D82A}">
-                    <a16:rowId xmlns:a16="http://schemas.microsoft.com/office/drawing/2014/main" val="1103982960"/>
-                  </a:ext>
-                </a:extLst>
-              </a:tr>
-              <a:tr h="1423438">
-                <a:tc>
-                  <a:txBody>
-                    <a:bodyPr/>
-                    <a:lstStyle/>
-                    <a:p>
-                      <a:r>
-                        <a:rPr lang="en-US" dirty="0" smtClean="0"/>
-                        <a:t>4</a:t>
-                      </a:r>
-                      <a:endParaRPr lang="en-IN" dirty="0"/>
-                    </a:p>
-                  </a:txBody>
-                  <a:tcPr/>
-                </a:tc>
-                <a:tc>
-                  <a:txBody>
-                    <a:bodyPr/>
-                    <a:lstStyle/>
-                    <a:p>
-                      <a:pPr fontAlgn="base"/>
-                      <a:r>
-                        <a:rPr lang="en-US" dirty="0">
-                          <a:effectLst/>
-                        </a:rPr>
-                        <a:t>"A Survey of Flowchart-Based Programming Systems", 2016, X. </a:t>
-                      </a:r>
-                      <a:r>
-                        <a:rPr lang="en-US" dirty="0" err="1">
-                          <a:effectLst/>
-                        </a:rPr>
-                        <a:t>Guo</a:t>
-                      </a:r>
-                      <a:r>
-                        <a:rPr lang="en-US" dirty="0">
-                          <a:effectLst/>
-                        </a:rPr>
-                        <a:t>, Y. </a:t>
-                      </a:r>
-                      <a:r>
-                        <a:rPr lang="en-US" dirty="0" err="1">
-                          <a:effectLst/>
-                        </a:rPr>
-                        <a:t>Xie</a:t>
-                      </a:r>
-                      <a:r>
-                        <a:rPr lang="en-US" dirty="0">
-                          <a:effectLst/>
-                        </a:rPr>
-                        <a:t>, and C. Wang</a:t>
-                      </a:r>
-                    </a:p>
-                  </a:txBody>
-                  <a:tcPr anchor="ctr"/>
-                </a:tc>
-                <a:tc>
-                  <a:txBody>
-                    <a:bodyPr/>
-                    <a:lstStyle/>
-                    <a:p>
-                      <a:pPr fontAlgn="base"/>
-                      <a:r>
-                        <a:rPr lang="en-IN">
-                          <a:effectLst/>
-                        </a:rPr>
-                        <a:t>Survey research</a:t>
-                      </a:r>
-                    </a:p>
-                  </a:txBody>
-                  <a:tcPr anchor="ctr"/>
-                </a:tc>
-                <a:tc>
-                  <a:txBody>
-                    <a:bodyPr/>
-                    <a:lstStyle/>
-                    <a:p>
-                      <a:pPr fontAlgn="base"/>
-                      <a:r>
-                        <a:rPr lang="en-US">
-                          <a:effectLst/>
-                        </a:rPr>
-                        <a:t>Evaluation of existing flowchart-based programming systems</a:t>
-                      </a:r>
-                    </a:p>
-                  </a:txBody>
-                  <a:tcPr anchor="ctr"/>
-                </a:tc>
-                <a:tc>
-                  <a:txBody>
-                    <a:bodyPr/>
-                    <a:lstStyle/>
-                    <a:p>
-                      <a:pPr fontAlgn="base"/>
-                      <a:r>
-                        <a:rPr lang="en-US" dirty="0">
-                          <a:effectLst/>
-                        </a:rPr>
-                        <a:t>Limited to evaluating existing systems and may not be applicable to new systems or innovations.</a:t>
-                      </a:r>
-                    </a:p>
-                  </a:txBody>
-                  <a:tcPr anchor="ctr"/>
-                </a:tc>
-                <a:extLst>
-                  <a:ext uri="{0D108BD9-81ED-4DB2-BD59-A6C34878D82A}">
-                    <a16:rowId xmlns:a16="http://schemas.microsoft.com/office/drawing/2014/main" val="43342959"/>
-                  </a:ext>
-                </a:extLst>
-              </a:tr>
-            </a:tbl>
-          </a:graphicData>
-        </a:graphic>
-      </p:graphicFrame>
-      <p:sp>
-        <p:nvSpPr>
-          <p:cNvPr id="3" name="Footer Placeholder 2"/>
+      <p:sp>
+        <p:nvSpPr>
+          <p:cNvPr id="2" name="Footer Placeholder 1"/>
           <p:cNvSpPr>
             <a:spLocks noGrp="1"/>
           </p:cNvSpPr>
@@ -9460,16 +9089,46 @@
           <a:p>
             <a:r>
               <a:rPr lang="en-US" dirty="0" smtClean="0"/>
-              <a:t>page no:	6 </a:t>
+              <a:t>page no: 6 </a:t>
             </a:r>
             <a:endParaRPr lang="en-US" dirty="0"/>
           </a:p>
         </p:txBody>
       </p:sp>
+      <p:pic>
+        <p:nvPicPr>
+          <p:cNvPr id="4" name="Picture 3"/>
+          <p:cNvPicPr>
+            <a:picLocks noChangeAspect="1"/>
+          </p:cNvPicPr>
+          <p:nvPr/>
+        </p:nvPicPr>
+        <p:blipFill>
+          <a:blip r:embed="rId2">
+            <a:extLst>
+              <a:ext uri="{28A0092B-C50C-407E-A947-70E740481C1C}">
+                <a14:useLocalDpi xmlns:a14="http://schemas.microsoft.com/office/drawing/2010/main" val="0"/>
+              </a:ext>
+            </a:extLst>
+          </a:blip>
+          <a:stretch>
+            <a:fillRect/>
+          </a:stretch>
+        </p:blipFill>
+        <p:spPr>
+          <a:xfrm>
+            <a:off x="1009650" y="857250"/>
+            <a:ext cx="10058400" cy="5085707"/>
+          </a:xfrm>
+          <a:prstGeom prst="rect">
+            <a:avLst/>
+          </a:prstGeom>
+        </p:spPr>
+      </p:pic>
     </p:spTree>
     <p:extLst>
       <p:ext uri="{BB962C8B-B14F-4D97-AF65-F5344CB8AC3E}">
-        <p14:creationId xmlns:p14="http://schemas.microsoft.com/office/powerpoint/2010/main" val="3477334777"/>
+        <p14:creationId xmlns:p14="http://schemas.microsoft.com/office/powerpoint/2010/main" val="2190965256"/>
       </p:ext>
     </p:extLst>
   </p:cSld>
@@ -9505,118 +9164,61 @@
       </p:grpSpPr>
       <p:sp>
         <p:nvSpPr>
-          <p:cNvPr id="2" name="Title 1"/>
-          <p:cNvSpPr>
-            <a:spLocks noGrp="1"/>
-          </p:cNvSpPr>
-          <p:nvPr>
-            <p:ph type="title"/>
+          <p:cNvPr id="2" name="Footer Placeholder 1"/>
+          <p:cNvSpPr>
+            <a:spLocks noGrp="1"/>
+          </p:cNvSpPr>
+          <p:nvPr>
+            <p:ph type="ftr" sz="quarter" idx="11"/>
           </p:nvPr>
         </p:nvSpPr>
         <p:spPr/>
         <p:txBody>
-          <a:bodyPr>
-            <a:normAutofit/>
-          </a:bodyPr>
+          <a:bodyPr/>
           <a:lstStyle/>
           <a:p>
-            <a:pPr algn="l"/>
-            <a:r>
-              <a:rPr lang="en-US" sz="3600" b="1" dirty="0" smtClean="0"/>
-              <a:t>Existing System</a:t>
-            </a:r>
-            <a:endParaRPr lang="en-IN" sz="3600" b="1" dirty="0"/>
-          </a:p>
-        </p:txBody>
-      </p:sp>
-      <p:sp>
-        <p:nvSpPr>
-          <p:cNvPr id="3" name="Content Placeholder 2"/>
-          <p:cNvSpPr>
-            <a:spLocks noGrp="1"/>
-          </p:cNvSpPr>
-          <p:nvPr>
-            <p:ph idx="1"/>
-          </p:nvPr>
-        </p:nvSpPr>
+            <a:r>
+              <a:rPr lang="en-US" dirty="0" smtClean="0"/>
+              <a:t>page no: 7</a:t>
+            </a:r>
+            <a:endParaRPr lang="en-US" dirty="0"/>
+          </a:p>
+        </p:txBody>
+      </p:sp>
+      <p:pic>
+        <p:nvPicPr>
+          <p:cNvPr id="3" name="Picture 2"/>
+          <p:cNvPicPr>
+            <a:picLocks noChangeAspect="1"/>
+          </p:cNvPicPr>
+          <p:nvPr/>
+        </p:nvPicPr>
+        <p:blipFill>
+          <a:blip r:embed="rId2">
+            <a:extLst>
+              <a:ext uri="{28A0092B-C50C-407E-A947-70E740481C1C}">
+                <a14:useLocalDpi xmlns:a14="http://schemas.microsoft.com/office/drawing/2010/main" val="0"/>
+              </a:ext>
+            </a:extLst>
+          </a:blip>
+          <a:stretch>
+            <a:fillRect/>
+          </a:stretch>
+        </p:blipFill>
         <p:spPr>
           <a:xfrm>
-            <a:off x="1295402" y="2739812"/>
-            <a:ext cx="9601196" cy="3318936"/>
+            <a:off x="1009650" y="857250"/>
+            <a:ext cx="10058400" cy="5085707"/>
           </a:xfrm>
+          <a:prstGeom prst="rect">
+            <a:avLst/>
+          </a:prstGeom>
         </p:spPr>
-        <p:txBody>
-          <a:bodyPr>
-            <a:normAutofit/>
-          </a:bodyPr>
-          <a:lstStyle/>
-          <a:p>
-            <a:r>
-              <a:rPr lang="en-US" sz="2000" dirty="0"/>
-              <a:t>Existing systems for flowchart to code conversion mostly rely on manual programming using text editors or IDEs.</a:t>
-            </a:r>
-            <a:endParaRPr lang="en-US" sz="2000" dirty="0" smtClean="0"/>
-          </a:p>
-          <a:p>
-            <a:r>
-              <a:rPr lang="en-US" sz="2000" dirty="0" smtClean="0"/>
-              <a:t>Visual </a:t>
-            </a:r>
-            <a:r>
-              <a:rPr lang="en-US" sz="2000" dirty="0"/>
-              <a:t>editors for creating flowcharts are available in some IDEs, but the code is still manually written based on the flowchart</a:t>
-            </a:r>
-            <a:r>
-              <a:rPr lang="en-US" sz="2000" dirty="0" smtClean="0"/>
-              <a:t>.</a:t>
-            </a:r>
-          </a:p>
-          <a:p>
-            <a:r>
-              <a:rPr lang="en-US" sz="2000" dirty="0"/>
-              <a:t>Automatic conversion tools are available but have limitations and may not work effectively for all types of flowcharts and programming </a:t>
-            </a:r>
-            <a:r>
-              <a:rPr lang="en-US" sz="2000" dirty="0" smtClean="0"/>
-              <a:t>languages</a:t>
-            </a:r>
-          </a:p>
-          <a:p>
-            <a:r>
-              <a:rPr lang="en-US" sz="2000" dirty="0"/>
-              <a:t>Existing systems are often time-consuming, error-prone, and require manual intervention by programmers, leading to inefficiencies and errors.</a:t>
-            </a:r>
-            <a:endParaRPr lang="en-IN" sz="2000" dirty="0"/>
-          </a:p>
-        </p:txBody>
-      </p:sp>
-      <p:sp>
-        <p:nvSpPr>
-          <p:cNvPr id="4" name="Footer Placeholder 3"/>
-          <p:cNvSpPr>
-            <a:spLocks noGrp="1"/>
-          </p:cNvSpPr>
-          <p:nvPr>
-            <p:ph type="ftr" sz="quarter" idx="11"/>
-          </p:nvPr>
-        </p:nvSpPr>
-        <p:spPr/>
-        <p:txBody>
-          <a:bodyPr/>
-          <a:lstStyle/>
-          <a:p>
-            <a:r>
-              <a:rPr lang="en-US" dirty="0" smtClean="0"/>
-              <a:t>page no:	7 </a:t>
-            </a:r>
-            <a:endParaRPr lang="en-US" dirty="0"/>
-          </a:p>
-        </p:txBody>
-      </p:sp>
+      </p:pic>
     </p:spTree>
     <p:extLst>
       <p:ext uri="{BB962C8B-B14F-4D97-AF65-F5344CB8AC3E}">
-        <p14:creationId xmlns:p14="http://schemas.microsoft.com/office/powerpoint/2010/main" val="3483292401"/>
+        <p14:creationId xmlns:p14="http://schemas.microsoft.com/office/powerpoint/2010/main" val="2333400741"/>
       </p:ext>
     </p:extLst>
   </p:cSld>
@@ -9652,126 +9254,12 @@
       </p:grpSpPr>
       <p:sp>
         <p:nvSpPr>
-          <p:cNvPr id="2" name="Title 1"/>
+          <p:cNvPr id="3" name="Title 2"/>
           <p:cNvSpPr>
             <a:spLocks noGrp="1"/>
           </p:cNvSpPr>
           <p:nvPr>
             <p:ph type="title"/>
-          </p:nvPr>
-        </p:nvSpPr>
-        <p:spPr/>
-        <p:txBody>
-          <a:bodyPr>
-            <a:normAutofit/>
-          </a:bodyPr>
-          <a:lstStyle/>
-          <a:p>
-            <a:pPr algn="l"/>
-            <a:r>
-              <a:rPr lang="en-US" sz="3600" b="1" dirty="0" smtClean="0"/>
-              <a:t>Proposed System</a:t>
-            </a:r>
-            <a:endParaRPr lang="en-IN" sz="3600" b="1" dirty="0"/>
-          </a:p>
-        </p:txBody>
-      </p:sp>
-      <p:sp>
-        <p:nvSpPr>
-          <p:cNvPr id="3" name="Content Placeholder 2"/>
-          <p:cNvSpPr>
-            <a:spLocks noGrp="1"/>
-          </p:cNvSpPr>
-          <p:nvPr>
-            <p:ph idx="1"/>
-          </p:nvPr>
-        </p:nvSpPr>
-        <p:spPr>
-          <a:xfrm>
-            <a:off x="1295402" y="3021752"/>
-            <a:ext cx="9601196" cy="3051388"/>
-          </a:xfrm>
-        </p:spPr>
-        <p:txBody>
-          <a:bodyPr>
-            <a:noAutofit/>
-          </a:bodyPr>
-          <a:lstStyle/>
-          <a:p>
-            <a:r>
-              <a:rPr lang="en-US" sz="2000" dirty="0"/>
-              <a:t>Automated conversion of flowcharts to code in the desired programming </a:t>
-            </a:r>
-            <a:r>
-              <a:rPr lang="en-US" sz="2000" dirty="0" smtClean="0"/>
-              <a:t>language</a:t>
-            </a:r>
-          </a:p>
-          <a:p>
-            <a:r>
-              <a:rPr lang="en-US" sz="2000" dirty="0" smtClean="0"/>
-              <a:t>User-friendly </a:t>
-            </a:r>
-            <a:r>
-              <a:rPr lang="en-US" sz="2000" dirty="0"/>
-              <a:t>interface for </a:t>
-            </a:r>
-            <a:r>
-              <a:rPr lang="en-US" sz="2000" dirty="0" smtClean="0"/>
-              <a:t>downloading </a:t>
-            </a:r>
-            <a:r>
-              <a:rPr lang="en-US" sz="2000" dirty="0"/>
-              <a:t>and editing </a:t>
-            </a:r>
-            <a:r>
-              <a:rPr lang="en-US" sz="2000" dirty="0" smtClean="0"/>
-              <a:t>flowcharts</a:t>
-            </a:r>
-          </a:p>
-          <a:p>
-            <a:r>
-              <a:rPr lang="en-US" sz="2000" dirty="0"/>
-              <a:t>Customizable options for code generation based on user </a:t>
-            </a:r>
-            <a:r>
-              <a:rPr lang="en-US" sz="2000" dirty="0" smtClean="0"/>
-              <a:t>preferences</a:t>
-            </a:r>
-          </a:p>
-          <a:p>
-            <a:r>
-              <a:rPr lang="en-US" sz="2000" dirty="0"/>
-              <a:t>Compatibility with multiple programming </a:t>
-            </a:r>
-            <a:r>
-              <a:rPr lang="en-US" sz="2000" dirty="0" smtClean="0"/>
-              <a:t>languages</a:t>
-            </a:r>
-          </a:p>
-          <a:p>
-            <a:r>
-              <a:rPr lang="en-US" sz="2000" dirty="0"/>
-              <a:t>Support for a wide range of flowchart types and structures</a:t>
-            </a:r>
-          </a:p>
-          <a:p>
-            <a:r>
-              <a:rPr lang="en-US" sz="2000" dirty="0"/>
-              <a:t>Faster and more efficient than manual coding</a:t>
-            </a:r>
-            <a:endParaRPr lang="en-IN" sz="2000" dirty="0"/>
-          </a:p>
-        </p:txBody>
-      </p:sp>
-      <p:sp>
-        <p:nvSpPr>
-          <p:cNvPr id="4" name="Footer Placeholder 3"/>
-          <p:cNvSpPr>
-            <a:spLocks noGrp="1"/>
-          </p:cNvSpPr>
-          <p:nvPr>
-            <p:ph type="ftr" sz="quarter" idx="11"/>
           </p:nvPr>
         </p:nvSpPr>
         <p:spPr/>
@@ -9781,7 +9269,61 @@
           <a:p>
             <a:r>
               <a:rPr lang="en-US" dirty="0" smtClean="0"/>
-              <a:t>page no:	8 </a:t>
+              <a:t>Authentication &amp; Authorization</a:t>
+            </a:r>
+            <a:endParaRPr lang="en-IN" dirty="0"/>
+          </a:p>
+        </p:txBody>
+      </p:sp>
+      <p:sp>
+        <p:nvSpPr>
+          <p:cNvPr id="4" name="Content Placeholder 3"/>
+          <p:cNvSpPr>
+            <a:spLocks noGrp="1"/>
+          </p:cNvSpPr>
+          <p:nvPr>
+            <p:ph idx="1"/>
+          </p:nvPr>
+        </p:nvSpPr>
+        <p:spPr/>
+        <p:txBody>
+          <a:bodyPr/>
+          <a:lstStyle/>
+          <a:p>
+            <a:r>
+              <a:rPr lang="en-US" dirty="0" smtClean="0"/>
+              <a:t>JWT ( JSON WEB TOKENS)</a:t>
+            </a:r>
+          </a:p>
+          <a:p>
+            <a:r>
+              <a:rPr lang="en-US" dirty="0" smtClean="0"/>
+              <a:t>Used for user Authorization in web apps</a:t>
+            </a:r>
+          </a:p>
+          <a:p>
+            <a:endParaRPr lang="en-IN" dirty="0"/>
+          </a:p>
+        </p:txBody>
+      </p:sp>
+      <p:sp>
+        <p:nvSpPr>
+          <p:cNvPr id="2" name="Footer Placeholder 1"/>
+          <p:cNvSpPr>
+            <a:spLocks noGrp="1"/>
+          </p:cNvSpPr>
+          <p:nvPr>
+            <p:ph type="ftr" sz="quarter" idx="11"/>
+          </p:nvPr>
+        </p:nvSpPr>
+        <p:spPr/>
+        <p:txBody>
+          <a:bodyPr/>
+          <a:lstStyle/>
+          <a:p>
+            <a:r>
+              <a:rPr lang="en-US" dirty="0" smtClean="0"/>
+              <a:t>page no:8 </a:t>
             </a:r>
             <a:endParaRPr lang="en-US" dirty="0"/>
           </a:p>
@@ -9790,20 +9332,13 @@
     </p:spTree>
     <p:extLst>
       <p:ext uri="{BB962C8B-B14F-4D97-AF65-F5344CB8AC3E}">
-        <p14:creationId xmlns:p14="http://schemas.microsoft.com/office/powerpoint/2010/main" val="2743155578"/>
+        <p14:creationId xmlns:p14="http://schemas.microsoft.com/office/powerpoint/2010/main" val="1135116227"/>
       </p:ext>
     </p:extLst>
   </p:cSld>
   <p:clrMapOvr>
     <a:masterClrMapping/>
   </p:clrMapOvr>
-  <p:timing>
-    <p:tnLst>
-      <p:par>
-        <p:cTn id="1" dur="indefinite" restart="never" nodeType="tmRoot"/>
-      </p:par>
-    </p:tnLst>
-  </p:timing>
 </p:sld>
 </file>
 
@@ -9826,524 +9361,260 @@
       </p:grpSpPr>
       <p:sp>
         <p:nvSpPr>
-          <p:cNvPr id="4" name="Oval 3"/>
+          <p:cNvPr id="4" name="Footer Placeholder 3"/>
+          <p:cNvSpPr>
+            <a:spLocks noGrp="1"/>
+          </p:cNvSpPr>
+          <p:nvPr>
+            <p:ph type="ftr" sz="quarter" idx="11"/>
+          </p:nvPr>
+        </p:nvSpPr>
+        <p:spPr/>
+        <p:txBody>
+          <a:bodyPr/>
+          <a:lstStyle/>
+          <a:p>
+            <a:r>
+              <a:rPr lang="en-US" dirty="0" smtClean="0"/>
+              <a:t>page no:9 </a:t>
+            </a:r>
+            <a:endParaRPr lang="en-US" dirty="0"/>
+          </a:p>
+        </p:txBody>
+      </p:sp>
+      <p:sp>
+        <p:nvSpPr>
+          <p:cNvPr id="5" name="Rectangle 4"/>
           <p:cNvSpPr/>
           <p:nvPr/>
         </p:nvSpPr>
         <p:spPr>
           <a:xfrm>
-            <a:off x="1157746" y="3021167"/>
-            <a:ext cx="1334729" cy="936522"/>
-          </a:xfrm>
-          <a:prstGeom prst="ellipse">
-            <a:avLst/>
-          </a:prstGeom>
-          <a:solidFill>
-            <a:schemeClr val="bg1"/>
-          </a:solidFill>
-          <a:ln>
-            <a:solidFill>
-              <a:srgbClr val="FF0000"/>
-            </a:solidFill>
-          </a:ln>
-        </p:spPr>
-        <p:style>
-          <a:lnRef idx="2">
-            <a:schemeClr val="accent1">
-              <a:shade val="50000"/>
-            </a:schemeClr>
-          </a:lnRef>
-          <a:fillRef idx="1">
-            <a:schemeClr val="accent1"/>
-          </a:fillRef>
-          <a:effectRef idx="0">
-            <a:schemeClr val="accent1"/>
-          </a:effectRef>
-          <a:fontRef idx="minor">
-            <a:schemeClr val="lt1"/>
-          </a:fontRef>
-        </p:style>
-        <p:txBody>
-          <a:bodyPr rtlCol="0" anchor="ctr"/>
-          <a:lstStyle/>
-          <a:p>
-            <a:pPr algn="ctr"/>
-            <a:r>
-              <a:rPr lang="en-US" dirty="0" smtClean="0">
-                <a:solidFill>
-                  <a:schemeClr val="tx1"/>
-                </a:solidFill>
-              </a:rPr>
-              <a:t>Home</a:t>
-            </a:r>
-          </a:p>
-          <a:p>
-            <a:pPr algn="ctr"/>
-            <a:r>
-              <a:rPr lang="en-US" dirty="0" smtClean="0">
-                <a:solidFill>
-                  <a:schemeClr val="tx1"/>
-                </a:solidFill>
-              </a:rPr>
-              <a:t>UI</a:t>
-            </a:r>
-            <a:endParaRPr lang="en-IN" dirty="0">
-              <a:solidFill>
-                <a:schemeClr val="tx1"/>
-              </a:solidFill>
-            </a:endParaRPr>
-          </a:p>
-        </p:txBody>
-      </p:sp>
-      <p:sp>
-        <p:nvSpPr>
-          <p:cNvPr id="5" name="Oval 4"/>
-          <p:cNvSpPr/>
-          <p:nvPr/>
-        </p:nvSpPr>
-        <p:spPr>
-          <a:xfrm>
-            <a:off x="9912384" y="2982452"/>
-            <a:ext cx="1334729" cy="936522"/>
-          </a:xfrm>
-          <a:prstGeom prst="ellipse">
-            <a:avLst/>
-          </a:prstGeom>
-          <a:solidFill>
-            <a:schemeClr val="bg1"/>
-          </a:solidFill>
-          <a:ln>
-            <a:solidFill>
-              <a:srgbClr val="FF0000"/>
-            </a:solidFill>
-          </a:ln>
-        </p:spPr>
-        <p:style>
-          <a:lnRef idx="2">
-            <a:schemeClr val="accent1">
-              <a:shade val="50000"/>
-            </a:schemeClr>
-          </a:lnRef>
-          <a:fillRef idx="1">
-            <a:schemeClr val="accent1"/>
-          </a:fillRef>
-          <a:effectRef idx="0">
-            <a:schemeClr val="accent1"/>
-          </a:effectRef>
-          <a:fontRef idx="minor">
-            <a:schemeClr val="lt1"/>
-          </a:fontRef>
-        </p:style>
-        <p:txBody>
-          <a:bodyPr rtlCol="0" anchor="ctr"/>
-          <a:lstStyle/>
-          <a:p>
-            <a:pPr algn="ctr"/>
-            <a:r>
-              <a:rPr lang="en-US" dirty="0" smtClean="0">
-                <a:solidFill>
-                  <a:schemeClr val="tx1"/>
-                </a:solidFill>
-              </a:rPr>
-              <a:t>Export DB</a:t>
-            </a:r>
-            <a:endParaRPr lang="en-IN" dirty="0">
-              <a:solidFill>
-                <a:schemeClr val="tx1"/>
-              </a:solidFill>
-            </a:endParaRPr>
-          </a:p>
-        </p:txBody>
-      </p:sp>
-      <p:sp>
-        <p:nvSpPr>
-          <p:cNvPr id="6" name="Flowchart: Data 5"/>
-          <p:cNvSpPr/>
-          <p:nvPr/>
-        </p:nvSpPr>
-        <p:spPr>
-          <a:xfrm>
-            <a:off x="2868558" y="2842342"/>
-            <a:ext cx="1371600" cy="1294171"/>
-          </a:xfrm>
-          <a:prstGeom prst="flowChartInputOutput">
-            <a:avLst/>
-          </a:prstGeom>
-          <a:solidFill>
-            <a:schemeClr val="bg1"/>
-          </a:solidFill>
-          <a:ln>
-            <a:solidFill>
-              <a:srgbClr val="0070C0"/>
-            </a:solidFill>
-          </a:ln>
-        </p:spPr>
-        <p:style>
-          <a:lnRef idx="2">
-            <a:schemeClr val="accent1">
-              <a:shade val="50000"/>
-            </a:schemeClr>
-          </a:lnRef>
-          <a:fillRef idx="1">
-            <a:schemeClr val="accent1"/>
-          </a:fillRef>
-          <a:effectRef idx="0">
-            <a:schemeClr val="accent1"/>
-          </a:effectRef>
-          <a:fontRef idx="minor">
-            <a:schemeClr val="lt1"/>
-          </a:fontRef>
-        </p:style>
-        <p:txBody>
-          <a:bodyPr rtlCol="0" anchor="ctr"/>
-          <a:lstStyle/>
-          <a:p>
-            <a:pPr algn="ctr"/>
-            <a:r>
-              <a:rPr lang="en-US" dirty="0" smtClean="0">
-                <a:solidFill>
-                  <a:schemeClr val="tx1"/>
-                </a:solidFill>
-              </a:rPr>
-              <a:t>Create</a:t>
-            </a:r>
-          </a:p>
-          <a:p>
-            <a:pPr algn="ctr"/>
-            <a:r>
-              <a:rPr lang="en-US" dirty="0" smtClean="0">
-                <a:solidFill>
-                  <a:schemeClr val="tx1"/>
-                </a:solidFill>
-              </a:rPr>
-              <a:t>Flow</a:t>
-            </a:r>
-          </a:p>
-          <a:p>
-            <a:pPr algn="ctr"/>
-            <a:r>
-              <a:rPr lang="en-US" dirty="0" smtClean="0">
-                <a:solidFill>
-                  <a:schemeClr val="tx1"/>
-                </a:solidFill>
-              </a:rPr>
-              <a:t>Chart</a:t>
-            </a:r>
-            <a:endParaRPr lang="en-IN" dirty="0"/>
-          </a:p>
-        </p:txBody>
-      </p:sp>
-      <p:sp>
-        <p:nvSpPr>
-          <p:cNvPr id="8" name="Flowchart: Decision 7"/>
-          <p:cNvSpPr/>
-          <p:nvPr/>
-        </p:nvSpPr>
-        <p:spPr>
-          <a:xfrm>
-            <a:off x="4616241" y="2693014"/>
-            <a:ext cx="2381865" cy="1592826"/>
-          </a:xfrm>
-          <a:prstGeom prst="flowChartDecision">
-            <a:avLst/>
-          </a:prstGeom>
-          <a:solidFill>
-            <a:schemeClr val="bg1"/>
-          </a:solidFill>
-          <a:ln>
-            <a:solidFill>
-              <a:srgbClr val="C00000"/>
-            </a:solidFill>
-          </a:ln>
-        </p:spPr>
-        <p:style>
-          <a:lnRef idx="2">
-            <a:schemeClr val="accent1">
-              <a:shade val="50000"/>
-            </a:schemeClr>
-          </a:lnRef>
-          <a:fillRef idx="1">
-            <a:schemeClr val="accent1"/>
-          </a:fillRef>
-          <a:effectRef idx="0">
-            <a:schemeClr val="accent1"/>
-          </a:effectRef>
-          <a:fontRef idx="minor">
-            <a:schemeClr val="lt1"/>
-          </a:fontRef>
-        </p:style>
-        <p:txBody>
-          <a:bodyPr rtlCol="0" anchor="ctr"/>
-          <a:lstStyle/>
-          <a:p>
-            <a:pPr algn="ctr"/>
-            <a:r>
-              <a:rPr lang="en-US" dirty="0" smtClean="0">
-                <a:solidFill>
-                  <a:schemeClr val="tx1"/>
-                </a:solidFill>
-              </a:rPr>
-              <a:t>Parsing &amp;</a:t>
-            </a:r>
-          </a:p>
-          <a:p>
-            <a:pPr algn="ctr"/>
-            <a:r>
-              <a:rPr lang="en-US" dirty="0" smtClean="0">
-                <a:solidFill>
-                  <a:schemeClr val="tx1"/>
-                </a:solidFill>
-              </a:rPr>
-              <a:t>Code Generating</a:t>
-            </a:r>
-            <a:endParaRPr lang="en-IN" dirty="0">
-              <a:solidFill>
-                <a:schemeClr val="tx1"/>
-              </a:solidFill>
-            </a:endParaRPr>
-          </a:p>
-        </p:txBody>
-      </p:sp>
-      <p:sp>
-        <p:nvSpPr>
-          <p:cNvPr id="9" name="Rectangle 8"/>
-          <p:cNvSpPr/>
-          <p:nvPr/>
-        </p:nvSpPr>
-        <p:spPr>
-          <a:xfrm>
-            <a:off x="7503974" y="3059880"/>
-            <a:ext cx="1902542" cy="859094"/>
+            <a:off x="1500554" y="892408"/>
+            <a:ext cx="7643446" cy="4673074"/>
           </a:xfrm>
           <a:prstGeom prst="rect">
             <a:avLst/>
           </a:prstGeom>
-          <a:solidFill>
-            <a:schemeClr val="bg1"/>
-          </a:solidFill>
-          <a:ln>
-            <a:solidFill>
-              <a:schemeClr val="tx1"/>
-            </a:solidFill>
-          </a:ln>
         </p:spPr>
-        <p:style>
-          <a:lnRef idx="2">
-            <a:schemeClr val="accent1">
-              <a:shade val="50000"/>
-            </a:schemeClr>
-          </a:lnRef>
-          <a:fillRef idx="1">
-            <a:schemeClr val="accent1"/>
-          </a:fillRef>
-          <a:effectRef idx="0">
-            <a:schemeClr val="accent1"/>
-          </a:effectRef>
-          <a:fontRef idx="minor">
-            <a:schemeClr val="lt1"/>
-          </a:fontRef>
-        </p:style>
-        <p:txBody>
-          <a:bodyPr rtlCol="0" anchor="ctr"/>
+        <p:txBody>
+          <a:bodyPr wrap="square">
+            <a:spAutoFit/>
+          </a:bodyPr>
           <a:lstStyle/>
           <a:p>
-            <a:pPr algn="ctr"/>
-            <a:r>
-              <a:rPr lang="en-US" dirty="0" smtClean="0">
-                <a:solidFill>
-                  <a:schemeClr val="tx1"/>
-                </a:solidFill>
+            <a:pPr fontAlgn="base"/>
+            <a:r>
+              <a:rPr lang="en-US" sz="2600" dirty="0">
+                <a:solidFill>
+                  <a:srgbClr val="000000"/>
+                </a:solidFill>
+                <a:latin typeface="Arial" panose="020B0604020202020204" pitchFamily="34" charset="0"/>
               </a:rPr>
-              <a:t>Execution</a:t>
-            </a:r>
-            <a:endParaRPr lang="en-IN" dirty="0">
+              <a:t>Session token:</a:t>
+            </a:r>
+            <a:endParaRPr lang="en-US" sz="1170" dirty="0">
               <a:solidFill>
-                <a:schemeClr val="tx1"/>
+                <a:srgbClr val="99CC66"/>
               </a:solidFill>
+              <a:latin typeface="Noto Sans Symbols"/>
             </a:endParaRPr>
           </a:p>
-        </p:txBody>
-      </p:sp>
-      <p:sp>
-        <p:nvSpPr>
-          <p:cNvPr id="10" name="Footer Placeholder 9"/>
-          <p:cNvSpPr>
-            <a:spLocks noGrp="1"/>
-          </p:cNvSpPr>
-          <p:nvPr>
-            <p:ph type="ftr" sz="quarter" idx="11"/>
-          </p:nvPr>
-        </p:nvSpPr>
-        <p:spPr>
-          <a:xfrm>
-            <a:off x="1450256" y="5969000"/>
-            <a:ext cx="7305900" cy="279400"/>
-          </a:xfrm>
-        </p:spPr>
-        <p:txBody>
-          <a:bodyPr/>
-          <a:lstStyle/>
-          <a:p>
-            <a:r>
-              <a:rPr lang="en-US" dirty="0" smtClean="0"/>
-              <a:t>page no: 	9</a:t>
-            </a:r>
-            <a:endParaRPr lang="en-US" dirty="0"/>
-          </a:p>
-        </p:txBody>
-      </p:sp>
-      <p:cxnSp>
-        <p:nvCxnSpPr>
-          <p:cNvPr id="15" name="Straight Arrow Connector 14"/>
-          <p:cNvCxnSpPr>
-            <a:stCxn id="4" idx="6"/>
-            <a:endCxn id="6" idx="2"/>
-          </p:cNvCxnSpPr>
-          <p:nvPr/>
-        </p:nvCxnSpPr>
-        <p:spPr>
-          <a:xfrm>
-            <a:off x="2492475" y="3489428"/>
-            <a:ext cx="513243" cy="0"/>
-          </a:xfrm>
-          <a:prstGeom prst="straightConnector1">
-            <a:avLst/>
-          </a:prstGeom>
-          <a:ln w="28575">
-            <a:tailEnd type="triangle"/>
-          </a:ln>
-        </p:spPr>
-        <p:style>
-          <a:lnRef idx="1">
-            <a:schemeClr val="accent1"/>
-          </a:lnRef>
-          <a:fillRef idx="0">
-            <a:schemeClr val="accent1"/>
-          </a:fillRef>
-          <a:effectRef idx="0">
-            <a:schemeClr val="accent1"/>
-          </a:effectRef>
-          <a:fontRef idx="minor">
-            <a:schemeClr val="tx1"/>
-          </a:fontRef>
-        </p:style>
-      </p:cxnSp>
-      <p:cxnSp>
-        <p:nvCxnSpPr>
-          <p:cNvPr id="16" name="Straight Arrow Connector 15"/>
-          <p:cNvCxnSpPr/>
-          <p:nvPr/>
-        </p:nvCxnSpPr>
-        <p:spPr>
-          <a:xfrm>
-            <a:off x="4102998" y="3489427"/>
-            <a:ext cx="513243" cy="0"/>
-          </a:xfrm>
-          <a:prstGeom prst="straightConnector1">
-            <a:avLst/>
-          </a:prstGeom>
-          <a:ln w="28575">
-            <a:tailEnd type="triangle"/>
-          </a:ln>
-        </p:spPr>
-        <p:style>
-          <a:lnRef idx="1">
-            <a:schemeClr val="accent1"/>
-          </a:lnRef>
-          <a:fillRef idx="0">
-            <a:schemeClr val="accent1"/>
-          </a:fillRef>
-          <a:effectRef idx="0">
-            <a:schemeClr val="accent1"/>
-          </a:effectRef>
-          <a:fontRef idx="minor">
-            <a:schemeClr val="tx1"/>
-          </a:fontRef>
-        </p:style>
-      </p:cxnSp>
-      <p:cxnSp>
-        <p:nvCxnSpPr>
-          <p:cNvPr id="17" name="Straight Arrow Connector 16"/>
-          <p:cNvCxnSpPr/>
-          <p:nvPr/>
-        </p:nvCxnSpPr>
-        <p:spPr>
-          <a:xfrm>
-            <a:off x="6998106" y="3489427"/>
-            <a:ext cx="513243" cy="0"/>
-          </a:xfrm>
-          <a:prstGeom prst="straightConnector1">
-            <a:avLst/>
-          </a:prstGeom>
-          <a:ln w="28575">
-            <a:tailEnd type="triangle"/>
-          </a:ln>
-        </p:spPr>
-        <p:style>
-          <a:lnRef idx="1">
-            <a:schemeClr val="accent1"/>
-          </a:lnRef>
-          <a:fillRef idx="0">
-            <a:schemeClr val="accent1"/>
-          </a:fillRef>
-          <a:effectRef idx="0">
-            <a:schemeClr val="accent1"/>
-          </a:effectRef>
-          <a:fontRef idx="minor">
-            <a:schemeClr val="tx1"/>
-          </a:fontRef>
-        </p:style>
-      </p:cxnSp>
-      <p:cxnSp>
-        <p:nvCxnSpPr>
-          <p:cNvPr id="18" name="Straight Arrow Connector 17"/>
-          <p:cNvCxnSpPr/>
-          <p:nvPr/>
-        </p:nvCxnSpPr>
-        <p:spPr>
-          <a:xfrm>
-            <a:off x="9399141" y="3511959"/>
-            <a:ext cx="513243" cy="0"/>
-          </a:xfrm>
-          <a:prstGeom prst="straightConnector1">
-            <a:avLst/>
-          </a:prstGeom>
-          <a:ln w="28575">
-            <a:tailEnd type="triangle"/>
-          </a:ln>
-        </p:spPr>
-        <p:style>
-          <a:lnRef idx="1">
-            <a:schemeClr val="accent1"/>
-          </a:lnRef>
-          <a:fillRef idx="0">
-            <a:schemeClr val="accent1"/>
-          </a:fillRef>
-          <a:effectRef idx="0">
-            <a:schemeClr val="accent1"/>
-          </a:effectRef>
-          <a:fontRef idx="minor">
-            <a:schemeClr val="tx1"/>
-          </a:fontRef>
-        </p:style>
-      </p:cxnSp>
+          <a:p>
+            <a:pPr marL="742950" lvl="1" indent="-285750" fontAlgn="base">
+              <a:spcBef>
+                <a:spcPts val="1417"/>
+              </a:spcBef>
+              <a:buFont typeface="Arial" panose="020B0604020202020204" pitchFamily="34" charset="0"/>
+              <a:buChar char="•"/>
+            </a:pPr>
+            <a:r>
+              <a:rPr lang="en-US" sz="2600" dirty="0" err="1">
+                <a:solidFill>
+                  <a:srgbClr val="000000"/>
+                </a:solidFill>
+                <a:latin typeface="Arial" panose="020B0604020202020204" pitchFamily="34" charset="0"/>
+              </a:rPr>
+              <a:t>Statefull</a:t>
+            </a:r>
+            <a:endParaRPr lang="en-US" sz="1950" dirty="0">
+              <a:solidFill>
+                <a:srgbClr val="99CC66"/>
+              </a:solidFill>
+              <a:latin typeface="Noto Sans Symbols"/>
+            </a:endParaRPr>
+          </a:p>
+          <a:p>
+            <a:pPr marL="742950" lvl="1" indent="-285750" fontAlgn="base">
+              <a:spcBef>
+                <a:spcPts val="1134"/>
+              </a:spcBef>
+              <a:buFont typeface="Arial" panose="020B0604020202020204" pitchFamily="34" charset="0"/>
+              <a:buChar char="•"/>
+            </a:pPr>
+            <a:r>
+              <a:rPr lang="en-US" sz="2600" dirty="0">
+                <a:solidFill>
+                  <a:srgbClr val="000000"/>
+                </a:solidFill>
+                <a:latin typeface="Arial" panose="020B0604020202020204" pitchFamily="34" charset="0"/>
+              </a:rPr>
+              <a:t>Stores information in sever side</a:t>
+            </a:r>
+            <a:endParaRPr lang="en-US" sz="1950" dirty="0">
+              <a:solidFill>
+                <a:srgbClr val="99CC66"/>
+              </a:solidFill>
+              <a:latin typeface="Noto Sans Symbols"/>
+            </a:endParaRPr>
+          </a:p>
+          <a:p>
+            <a:pPr marL="742950" lvl="1" indent="-285750" fontAlgn="base">
+              <a:spcBef>
+                <a:spcPts val="1134"/>
+              </a:spcBef>
+              <a:buFont typeface="Arial" panose="020B0604020202020204" pitchFamily="34" charset="0"/>
+              <a:buChar char="•"/>
+            </a:pPr>
+            <a:r>
+              <a:rPr lang="en-US" sz="2600" dirty="0">
+                <a:solidFill>
+                  <a:srgbClr val="000000"/>
+                </a:solidFill>
+                <a:latin typeface="Arial" panose="020B0604020202020204" pitchFamily="34" charset="0"/>
+              </a:rPr>
+              <a:t>Suitable for monolithic application</a:t>
+            </a:r>
+            <a:endParaRPr lang="en-US" sz="1950" dirty="0">
+              <a:solidFill>
+                <a:srgbClr val="99CC66"/>
+              </a:solidFill>
+              <a:latin typeface="Noto Sans Symbols"/>
+            </a:endParaRPr>
+          </a:p>
+          <a:p>
+            <a:pPr fontAlgn="base">
+              <a:spcBef>
+                <a:spcPts val="1417"/>
+              </a:spcBef>
+            </a:pPr>
+            <a:r>
+              <a:rPr lang="en-US" dirty="0"/>
+              <a:t/>
+            </a:r>
+            <a:br>
+              <a:rPr lang="en-US" dirty="0"/>
+            </a:br>
+            <a:r>
+              <a:rPr lang="en-US" sz="2600" dirty="0">
+                <a:solidFill>
+                  <a:srgbClr val="000000"/>
+                </a:solidFill>
+                <a:latin typeface="Arial" panose="020B0604020202020204" pitchFamily="34" charset="0"/>
+              </a:rPr>
+              <a:t>JWT:</a:t>
+            </a:r>
+            <a:endParaRPr lang="en-US" sz="1170" dirty="0">
+              <a:solidFill>
+                <a:srgbClr val="99CC66"/>
+              </a:solidFill>
+              <a:latin typeface="Noto Sans Symbols"/>
+            </a:endParaRPr>
+          </a:p>
+          <a:p>
+            <a:pPr marL="742950" lvl="1" indent="-285750" fontAlgn="base">
+              <a:spcBef>
+                <a:spcPts val="1417"/>
+              </a:spcBef>
+              <a:buFont typeface="Arial" panose="020B0604020202020204" pitchFamily="34" charset="0"/>
+              <a:buChar char="•"/>
+            </a:pPr>
+            <a:r>
+              <a:rPr lang="en-US" sz="2600" dirty="0">
+                <a:solidFill>
+                  <a:srgbClr val="000000"/>
+                </a:solidFill>
+                <a:latin typeface="Arial" panose="020B0604020202020204" pitchFamily="34" charset="0"/>
+              </a:rPr>
+              <a:t>Stateless</a:t>
+            </a:r>
+            <a:endParaRPr lang="en-US" sz="1950" dirty="0">
+              <a:solidFill>
+                <a:srgbClr val="99CC66"/>
+              </a:solidFill>
+              <a:latin typeface="Noto Sans Symbols"/>
+            </a:endParaRPr>
+          </a:p>
+          <a:p>
+            <a:pPr marL="742950" lvl="1" indent="-285750" fontAlgn="base">
+              <a:spcBef>
+                <a:spcPts val="1134"/>
+              </a:spcBef>
+              <a:buFont typeface="Arial" panose="020B0604020202020204" pitchFamily="34" charset="0"/>
+              <a:buChar char="•"/>
+            </a:pPr>
+            <a:r>
+              <a:rPr lang="en-US" sz="2600" dirty="0">
+                <a:solidFill>
+                  <a:srgbClr val="000000"/>
+                </a:solidFill>
+                <a:latin typeface="Arial" panose="020B0604020202020204" pitchFamily="34" charset="0"/>
+              </a:rPr>
+              <a:t>Stores information in client side</a:t>
+            </a:r>
+            <a:endParaRPr lang="en-US" sz="1950" dirty="0">
+              <a:solidFill>
+                <a:srgbClr val="99CC66"/>
+              </a:solidFill>
+              <a:latin typeface="Noto Sans Symbols"/>
+            </a:endParaRPr>
+          </a:p>
+          <a:p>
+            <a:pPr marL="742950" lvl="1" indent="-285750" fontAlgn="base">
+              <a:spcBef>
+                <a:spcPts val="1134"/>
+              </a:spcBef>
+              <a:buFont typeface="Arial" panose="020B0604020202020204" pitchFamily="34" charset="0"/>
+              <a:buChar char="•"/>
+            </a:pPr>
+            <a:r>
+              <a:rPr lang="en-US" sz="2600" dirty="0">
+                <a:solidFill>
+                  <a:srgbClr val="000000"/>
+                </a:solidFill>
+                <a:latin typeface="Arial" panose="020B0604020202020204" pitchFamily="34" charset="0"/>
+              </a:rPr>
+              <a:t>Suitable for multi instance and </a:t>
+            </a:r>
+            <a:r>
+              <a:rPr lang="en-US" sz="2600" dirty="0" err="1">
+                <a:solidFill>
+                  <a:srgbClr val="000000"/>
+                </a:solidFill>
+                <a:latin typeface="Arial" panose="020B0604020202020204" pitchFamily="34" charset="0"/>
+              </a:rPr>
+              <a:t>microservice</a:t>
+            </a:r>
+            <a:endParaRPr lang="en-US" sz="1950" b="0" i="0" u="none" strike="noStrike" dirty="0">
+              <a:solidFill>
+                <a:srgbClr val="99CC66"/>
+              </a:solidFill>
+              <a:effectLst/>
+              <a:latin typeface="Noto Sans Symbols"/>
+            </a:endParaRPr>
+          </a:p>
+        </p:txBody>
+      </p:sp>
     </p:spTree>
     <p:extLst>
       <p:ext uri="{BB962C8B-B14F-4D97-AF65-F5344CB8AC3E}">
-        <p14:creationId xmlns:p14="http://schemas.microsoft.com/office/powerpoint/2010/main" val="1694247211"/>
+        <p14:creationId xmlns:p14="http://schemas.microsoft.com/office/powerpoint/2010/main" val="3221523298"/>
       </p:ext>
     </p:extLst>
   </p:cSld>
   <p:clrMapOvr>
     <a:masterClrMapping/>
   </p:clrMapOvr>
-  <p:timing>
-    <p:tnLst>
-      <p:par>
-        <p:cTn id="1" dur="indefinite" restart="never" nodeType="tmRoot"/>
-      </p:par>
-    </p:tnLst>
-  </p:timing>
 </p:sld>
 </file>
 
@@ -10578,4 +9849,265 @@
     </a:ext>
   </a:extLst>
 </a:theme>
+</file>
+
+<file path=ppt/theme/theme2.xml><?xml version="1.0" encoding="utf-8"?>
+<a:theme xmlns:a="http://schemas.openxmlformats.org/drawingml/2006/main" name="Office Theme">
+  <a:themeElements>
+    <a:clrScheme name="Office">
+      <a:dk1>
+        <a:sysClr val="windowText" lastClr="000000"/>
+      </a:dk1>
+      <a:lt1>
+        <a:sysClr val="window" lastClr="FFFFFF"/>
+      </a:lt1>
+      <a:dk2>
+        <a:srgbClr val="44546A"/>
+      </a:dk2>
+      <a:lt2>
+        <a:srgbClr val="E7E6E6"/>
+      </a:lt2>
+      <a:accent1>
+        <a:srgbClr val="5B9BD5"/>
+      </a:accent1>
+      <a:accent2>
+        <a:srgbClr val="ED7D31"/>
+      </a:accent2>
+      <a:accent3>
+        <a:srgbClr val="A5A5A5"/>
+      </a:accent3>
+      <a:accent4>
+        <a:srgbClr val="FFC000"/>
+      </a:accent4>
+      <a:accent5>
+        <a:srgbClr val="4472C4"/>
+      </a:accent5>
+      <a:accent6>
+        <a:srgbClr val="70AD47"/>
+      </a:accent6>
+      <a:hlink>
+        <a:srgbClr val="0563C1"/>
+      </a:hlink>
+      <a:folHlink>
+        <a:srgbClr val="954F72"/>
+      </a:folHlink>
+    </a:clrScheme>
+    <a:fontScheme name="Office">
+      <a:majorFont>
+        <a:latin typeface="Calibri Light" panose="020F0302020204030204"/>
+        <a:ea typeface=""/>
+        <a:cs typeface=""/>
+        <a:font script="Jpan" typeface="游ゴシック Light"/>
+        <a:font script="Hang" typeface="맑은 고딕"/>
+        <a:font script="Hans" typeface="等线 Light"/>
+        <a:font script="Hant" typeface="新細明體"/>
+        <a:font script="Arab" typeface="Times New Roman"/>
+        <a:font script="Hebr" typeface="Times New Roman"/>
+        <a:font script="Thai" typeface="Angsana New"/>
+        <a:font script="Ethi" typeface="Nyala"/>
+        <a:font script="Beng" typeface="Vrinda"/>
+        <a:font script="Gujr" typeface="Shruti"/>
+        <a:font script="Khmr" typeface="MoolBoran"/>
+        <a:font script="Knda" typeface="Tunga"/>
+        <a:font script="Guru" typeface="Raavi"/>
+        <a:font script="Cans" typeface="Euphemia"/>
+        <a:font script="Cher" typeface="Plantagenet Cherokee"/>
+        <a:font script="Yiii" typeface="Microsoft Yi Baiti"/>
+        <a:font script="Tibt" typeface="Microsoft Himalaya"/>
+        <a:font script="Thaa" typeface="MV Boli"/>
+        <a:font script="Deva" typeface="Mangal"/>
+        <a:font script="Telu" typeface="Gautami"/>
+        <a:font script="Taml" typeface="Latha"/>
+        <a:font script="Syrc" typeface="Estrangelo Edessa"/>
+        <a:font script="Orya" typeface="Kalinga"/>
+        <a:font script="Mlym" typeface="Kartika"/>
+        <a:font script="Laoo" typeface="DokChampa"/>
+        <a:font script="Sinh" typeface="Iskoola Pota"/>
+        <a:font script="Mong" typeface="Mongolian Baiti"/>
+        <a:font script="Viet" typeface="Times New Roman"/>
+        <a:font script="Uigh" typeface="Microsoft Uighur"/>
+        <a:font script="Geor" typeface="Sylfaen"/>
+      </a:majorFont>
+      <a:minorFont>
+        <a:latin typeface="Calibri" panose="020F0502020204030204"/>
+        <a:ea typeface=""/>
+        <a:cs typeface=""/>
+        <a:font script="Jpan" typeface="游ゴシック"/>
+        <a:font script="Hang" typeface="맑은 고딕"/>
+        <a:font script="Hans" typeface="等线"/>
+        <a:font script="Hant" typeface="新細明體"/>
+        <a:font script="Arab" typeface="Arial"/>
+        <a:font script="Hebr" typeface="Arial"/>
+        <a:font script="Thai" typeface="Cordia New"/>
+        <a:font script="Ethi" typeface="Nyala"/>
+        <a:font script="Beng" typeface="Vrinda"/>
+        <a:font script="Gujr" typeface="Shruti"/>
+        <a:font script="Khmr" typeface="DaunPenh"/>
+        <a:font script="Knda" typeface="Tunga"/>
+        <a:font script="Guru" typeface="Raavi"/>
+        <a:font script="Cans" typeface="Euphemia"/>
+        <a:font script="Cher" typeface="Plantagenet Cherokee"/>
+        <a:font script="Yiii" typeface="Microsoft Yi Baiti"/>
+        <a:font script="Tibt" typeface="Microsoft Himalaya"/>
+        <a:font script="Thaa" typeface="MV Boli"/>
+        <a:font script="Deva" typeface="Mangal"/>
+        <a:font script="Telu" typeface="Gautami"/>
+        <a:font script="Taml" typeface="Latha"/>
+        <a:font script="Syrc" typeface="Estrangelo Edessa"/>
+        <a:font script="Orya" typeface="Kalinga"/>
+        <a:font script="Mlym" typeface="Kartika"/>
+        <a:font script="Laoo" typeface="DokChampa"/>
+        <a:font script="Sinh" typeface="Iskoola Pota"/>
+        <a:font script="Mong" typeface="Mongolian Baiti"/>
+        <a:font script="Viet" typeface="Arial"/>
+        <a:font script="Uigh" typeface="Microsoft Uighur"/>
+        <a:font script="Geor" typeface="Sylfaen"/>
+      </a:minorFont>
+    </a:fontScheme>
+    <a:fmtScheme name="Office">
+      <a:fillStyleLst>
+        <a:solidFill>
+          <a:schemeClr val="phClr"/>
+        </a:solidFill>
+        <a:gradFill rotWithShape="1">
+          <a:gsLst>
+            <a:gs pos="0">
+              <a:schemeClr val="phClr">
+                <a:lumMod val="110000"/>
+                <a:satMod val="105000"/>
+                <a:tint val="67000"/>
+              </a:schemeClr>
+            </a:gs>
+            <a:gs pos="50000">
+              <a:schemeClr val="phClr">
+                <a:lumMod val="105000"/>
+                <a:satMod val="103000"/>
+                <a:tint val="73000"/>
+              </a:schemeClr>
+            </a:gs>
+            <a:gs pos="100000">
+              <a:schemeClr val="phClr">
+                <a:lumMod val="105000"/>
+                <a:satMod val="109000"/>
+                <a:tint val="81000"/>
+              </a:schemeClr>
+            </a:gs>
+          </a:gsLst>
+          <a:lin ang="5400000" scaled="0"/>
+        </a:gradFill>
+        <a:gradFill rotWithShape="1">
+          <a:gsLst>
+            <a:gs pos="0">
+              <a:schemeClr val="phClr">
+                <a:satMod val="103000"/>
+                <a:lumMod val="102000"/>
+                <a:tint val="94000"/>
+              </a:schemeClr>
+            </a:gs>
+            <a:gs pos="50000">
+              <a:schemeClr val="phClr">
+                <a:satMod val="110000"/>
+                <a:lumMod val="100000"/>
+                <a:shade val="100000"/>
+              </a:schemeClr>
+            </a:gs>
+            <a:gs pos="100000">
+              <a:schemeClr val="phClr">
+                <a:lumMod val="99000"/>
+                <a:satMod val="120000"/>
+                <a:shade val="78000"/>
+              </a:schemeClr>
+            </a:gs>
+          </a:gsLst>
+          <a:lin ang="5400000" scaled="0"/>
+        </a:gradFill>
+      </a:fillStyleLst>
+      <a:lnStyleLst>
+        <a:ln w="6350" cap="flat" cmpd="sng" algn="ctr">
+          <a:solidFill>
+            <a:schemeClr val="phClr"/>
+          </a:solidFill>
+          <a:prstDash val="solid"/>
+          <a:miter lim="800000"/>
+        </a:ln>
+        <a:ln w="12700" cap="flat" cmpd="sng" algn="ctr">
+          <a:solidFill>
+            <a:schemeClr val="phClr"/>
+          </a:solidFill>
+          <a:prstDash val="solid"/>
+          <a:miter lim="800000"/>
+        </a:ln>
+        <a:ln w="19050" cap="flat" cmpd="sng" algn="ctr">
+          <a:solidFill>
+            <a:schemeClr val="phClr"/>
+          </a:solidFill>
+          <a:prstDash val="solid"/>
+          <a:miter lim="800000"/>
+        </a:ln>
+      </a:lnStyleLst>
+      <a:effectStyleLst>
+        <a:effectStyle>
+          <a:effectLst/>
+        </a:effectStyle>
+        <a:effectStyle>
+          <a:effectLst/>
+        </a:effectStyle>
+        <a:effectStyle>
+          <a:effectLst>
+            <a:outerShdw blurRad="57150" dist="19050" dir="5400000" algn="ctr" rotWithShape="0">
+              <a:srgbClr val="000000">
+                <a:alpha val="63000"/>
+              </a:srgbClr>
+            </a:outerShdw>
+          </a:effectLst>
+        </a:effectStyle>
+      </a:effectStyleLst>
+      <a:bgFillStyleLst>
+        <a:solidFill>
+          <a:schemeClr val="phClr"/>
+        </a:solidFill>
+        <a:solidFill>
+          <a:schemeClr val="phClr">
+            <a:tint val="95000"/>
+            <a:satMod val="170000"/>
+          </a:schemeClr>
+        </a:solidFill>
+        <a:gradFill rotWithShape="1">
+          <a:gsLst>
+            <a:gs pos="0">
+              <a:schemeClr val="phClr">
+                <a:tint val="93000"/>
+                <a:satMod val="150000"/>
+                <a:shade val="98000"/>
+                <a:lumMod val="102000"/>
+              </a:schemeClr>
+            </a:gs>
+            <a:gs pos="50000">
+              <a:schemeClr val="phClr">
+                <a:tint val="98000"/>
+                <a:satMod val="130000"/>
+                <a:shade val="90000"/>
+                <a:lumMod val="103000"/>
+              </a:schemeClr>
+            </a:gs>
+            <a:gs pos="100000">
+              <a:schemeClr val="phClr">
+                <a:shade val="63000"/>
+                <a:satMod val="120000"/>
+              </a:schemeClr>
+            </a:gs>
+          </a:gsLst>
+          <a:lin ang="5400000" scaled="0"/>
+        </a:gradFill>
+      </a:bgFillStyleLst>
+    </a:fmtScheme>
+  </a:themeElements>
+  <a:objectDefaults/>
+  <a:extraClrSchemeLst/>
+  <a:extLst>
+    <a:ext uri="{05A4C25C-085E-4340-85A3-A5531E510DB2}">
+      <thm15:themeFamily xmlns:thm15="http://schemas.microsoft.com/office/thememl/2012/main" name="Office Theme" id="{62F939B6-93AF-4DB8-9C6B-D6C7DFDC589F}" vid="{4A3C46E8-61CC-4603-A589-7422A47A8E4A}"/>
+    </a:ext>
+  </a:extLst>
+</a:theme>
 </file>